--- a/docs/slides/02-security.pptx
+++ b/docs/slides/02-security.pptx
@@ -236,7 +236,7 @@
           <a:p>
             <a:fld id="{26C23BA1-C1FD-F54C-A91D-365911BB70A0}" type="datetimeFigureOut">
               <a:rPr lang="en-US" smtClean="0"/>
-              <a:t>2/18/23</a:t>
+              <a:t>7/22/23</a:t>
             </a:fld>
             <a:endParaRPr lang="en-US"/>
           </a:p>
@@ -4962,7 +4962,7 @@
           <a:p>
             <a:fld id="{6E174B13-2F4C-954D-BC49-D8D95C50C36E}" type="datetimeFigureOut">
               <a:rPr lang="en-US" smtClean="0"/>
-              <a:t>2/18/23</a:t>
+              <a:t>7/22/23</a:t>
             </a:fld>
             <a:endParaRPr lang="en-US"/>
           </a:p>
@@ -5160,7 +5160,7 @@
           <a:p>
             <a:fld id="{6E174B13-2F4C-954D-BC49-D8D95C50C36E}" type="datetimeFigureOut">
               <a:rPr lang="en-US" smtClean="0"/>
-              <a:t>2/18/23</a:t>
+              <a:t>7/22/23</a:t>
             </a:fld>
             <a:endParaRPr lang="en-US"/>
           </a:p>
@@ -5368,7 +5368,7 @@
           <a:p>
             <a:fld id="{6E174B13-2F4C-954D-BC49-D8D95C50C36E}" type="datetimeFigureOut">
               <a:rPr lang="en-US" smtClean="0"/>
-              <a:t>2/18/23</a:t>
+              <a:t>7/22/23</a:t>
             </a:fld>
             <a:endParaRPr lang="en-US"/>
           </a:p>
@@ -5566,7 +5566,7 @@
           <a:p>
             <a:fld id="{6E174B13-2F4C-954D-BC49-D8D95C50C36E}" type="datetimeFigureOut">
               <a:rPr lang="en-US" smtClean="0"/>
-              <a:t>2/18/23</a:t>
+              <a:t>7/22/23</a:t>
             </a:fld>
             <a:endParaRPr lang="en-US"/>
           </a:p>
@@ -5841,7 +5841,7 @@
           <a:p>
             <a:fld id="{6E174B13-2F4C-954D-BC49-D8D95C50C36E}" type="datetimeFigureOut">
               <a:rPr lang="en-US" smtClean="0"/>
-              <a:t>2/18/23</a:t>
+              <a:t>7/22/23</a:t>
             </a:fld>
             <a:endParaRPr lang="en-US"/>
           </a:p>
@@ -6106,7 +6106,7 @@
           <a:p>
             <a:fld id="{6E174B13-2F4C-954D-BC49-D8D95C50C36E}" type="datetimeFigureOut">
               <a:rPr lang="en-US" smtClean="0"/>
-              <a:t>2/18/23</a:t>
+              <a:t>7/22/23</a:t>
             </a:fld>
             <a:endParaRPr lang="en-US"/>
           </a:p>
@@ -6518,7 +6518,7 @@
           <a:p>
             <a:fld id="{6E174B13-2F4C-954D-BC49-D8D95C50C36E}" type="datetimeFigureOut">
               <a:rPr lang="en-US" smtClean="0"/>
-              <a:t>2/18/23</a:t>
+              <a:t>7/22/23</a:t>
             </a:fld>
             <a:endParaRPr lang="en-US"/>
           </a:p>
@@ -6659,7 +6659,7 @@
           <a:p>
             <a:fld id="{6E174B13-2F4C-954D-BC49-D8D95C50C36E}" type="datetimeFigureOut">
               <a:rPr lang="en-US" smtClean="0"/>
-              <a:t>2/18/23</a:t>
+              <a:t>7/22/23</a:t>
             </a:fld>
             <a:endParaRPr lang="en-US"/>
           </a:p>
@@ -6772,7 +6772,7 @@
           <a:p>
             <a:fld id="{6E174B13-2F4C-954D-BC49-D8D95C50C36E}" type="datetimeFigureOut">
               <a:rPr lang="en-US" smtClean="0"/>
-              <a:t>2/18/23</a:t>
+              <a:t>7/22/23</a:t>
             </a:fld>
             <a:endParaRPr lang="en-US"/>
           </a:p>
@@ -7083,7 +7083,7 @@
           <a:p>
             <a:fld id="{6E174B13-2F4C-954D-BC49-D8D95C50C36E}" type="datetimeFigureOut">
               <a:rPr lang="en-US" smtClean="0"/>
-              <a:t>2/18/23</a:t>
+              <a:t>7/22/23</a:t>
             </a:fld>
             <a:endParaRPr lang="en-US"/>
           </a:p>
@@ -7371,7 +7371,7 @@
           <a:p>
             <a:fld id="{6E174B13-2F4C-954D-BC49-D8D95C50C36E}" type="datetimeFigureOut">
               <a:rPr lang="en-US" smtClean="0"/>
-              <a:t>2/18/23</a:t>
+              <a:t>7/22/23</a:t>
             </a:fld>
             <a:endParaRPr lang="en-US"/>
           </a:p>
@@ -7612,7 +7612,7 @@
           <a:p>
             <a:fld id="{6E174B13-2F4C-954D-BC49-D8D95C50C36E}" type="datetimeFigureOut">
               <a:rPr lang="en-US" smtClean="0"/>
-              <a:t>2/18/23</a:t>
+              <a:t>7/22/23</a:t>
             </a:fld>
             <a:endParaRPr lang="en-US"/>
           </a:p>

--- a/docs/slides/02-security.pptx
+++ b/docs/slides/02-security.pptx
@@ -236,7 +236,7 @@
           <a:p>
             <a:fld id="{26C23BA1-C1FD-F54C-A91D-365911BB70A0}" type="datetimeFigureOut">
               <a:rPr lang="en-US" smtClean="0"/>
-              <a:t>7/22/23</a:t>
+              <a:t>10/2/23</a:t>
             </a:fld>
             <a:endParaRPr lang="en-US"/>
           </a:p>
@@ -4962,7 +4962,7 @@
           <a:p>
             <a:fld id="{6E174B13-2F4C-954D-BC49-D8D95C50C36E}" type="datetimeFigureOut">
               <a:rPr lang="en-US" smtClean="0"/>
-              <a:t>7/22/23</a:t>
+              <a:t>10/2/23</a:t>
             </a:fld>
             <a:endParaRPr lang="en-US"/>
           </a:p>
@@ -5160,7 +5160,7 @@
           <a:p>
             <a:fld id="{6E174B13-2F4C-954D-BC49-D8D95C50C36E}" type="datetimeFigureOut">
               <a:rPr lang="en-US" smtClean="0"/>
-              <a:t>7/22/23</a:t>
+              <a:t>10/2/23</a:t>
             </a:fld>
             <a:endParaRPr lang="en-US"/>
           </a:p>
@@ -5368,7 +5368,7 @@
           <a:p>
             <a:fld id="{6E174B13-2F4C-954D-BC49-D8D95C50C36E}" type="datetimeFigureOut">
               <a:rPr lang="en-US" smtClean="0"/>
-              <a:t>7/22/23</a:t>
+              <a:t>10/2/23</a:t>
             </a:fld>
             <a:endParaRPr lang="en-US"/>
           </a:p>
@@ -5566,7 +5566,7 @@
           <a:p>
             <a:fld id="{6E174B13-2F4C-954D-BC49-D8D95C50C36E}" type="datetimeFigureOut">
               <a:rPr lang="en-US" smtClean="0"/>
-              <a:t>7/22/23</a:t>
+              <a:t>10/2/23</a:t>
             </a:fld>
             <a:endParaRPr lang="en-US"/>
           </a:p>
@@ -5841,7 +5841,7 @@
           <a:p>
             <a:fld id="{6E174B13-2F4C-954D-BC49-D8D95C50C36E}" type="datetimeFigureOut">
               <a:rPr lang="en-US" smtClean="0"/>
-              <a:t>7/22/23</a:t>
+              <a:t>10/2/23</a:t>
             </a:fld>
             <a:endParaRPr lang="en-US"/>
           </a:p>
@@ -6106,7 +6106,7 @@
           <a:p>
             <a:fld id="{6E174B13-2F4C-954D-BC49-D8D95C50C36E}" type="datetimeFigureOut">
               <a:rPr lang="en-US" smtClean="0"/>
-              <a:t>7/22/23</a:t>
+              <a:t>10/2/23</a:t>
             </a:fld>
             <a:endParaRPr lang="en-US"/>
           </a:p>
@@ -6518,7 +6518,7 @@
           <a:p>
             <a:fld id="{6E174B13-2F4C-954D-BC49-D8D95C50C36E}" type="datetimeFigureOut">
               <a:rPr lang="en-US" smtClean="0"/>
-              <a:t>7/22/23</a:t>
+              <a:t>10/2/23</a:t>
             </a:fld>
             <a:endParaRPr lang="en-US"/>
           </a:p>
@@ -6659,7 +6659,7 @@
           <a:p>
             <a:fld id="{6E174B13-2F4C-954D-BC49-D8D95C50C36E}" type="datetimeFigureOut">
               <a:rPr lang="en-US" smtClean="0"/>
-              <a:t>7/22/23</a:t>
+              <a:t>10/2/23</a:t>
             </a:fld>
             <a:endParaRPr lang="en-US"/>
           </a:p>
@@ -6772,7 +6772,7 @@
           <a:p>
             <a:fld id="{6E174B13-2F4C-954D-BC49-D8D95C50C36E}" type="datetimeFigureOut">
               <a:rPr lang="en-US" smtClean="0"/>
-              <a:t>7/22/23</a:t>
+              <a:t>10/2/23</a:t>
             </a:fld>
             <a:endParaRPr lang="en-US"/>
           </a:p>
@@ -7083,7 +7083,7 @@
           <a:p>
             <a:fld id="{6E174B13-2F4C-954D-BC49-D8D95C50C36E}" type="datetimeFigureOut">
               <a:rPr lang="en-US" smtClean="0"/>
-              <a:t>7/22/23</a:t>
+              <a:t>10/2/23</a:t>
             </a:fld>
             <a:endParaRPr lang="en-US"/>
           </a:p>
@@ -7371,7 +7371,7 @@
           <a:p>
             <a:fld id="{6E174B13-2F4C-954D-BC49-D8D95C50C36E}" type="datetimeFigureOut">
               <a:rPr lang="en-US" smtClean="0"/>
-              <a:t>7/22/23</a:t>
+              <a:t>10/2/23</a:t>
             </a:fld>
             <a:endParaRPr lang="en-US"/>
           </a:p>
@@ -7612,7 +7612,7 @@
           <a:p>
             <a:fld id="{6E174B13-2F4C-954D-BC49-D8D95C50C36E}" type="datetimeFigureOut">
               <a:rPr lang="en-US" smtClean="0"/>
-              <a:t>7/22/23</a:t>
+              <a:t>10/2/23</a:t>
             </a:fld>
             <a:endParaRPr lang="en-US"/>
           </a:p>

--- a/docs/slides/02-security.pptx
+++ b/docs/slides/02-security.pptx
@@ -16,7 +16,7 @@
     <p:sldId id="426" r:id="rId7"/>
     <p:sldId id="403" r:id="rId8"/>
     <p:sldId id="444" r:id="rId9"/>
-    <p:sldId id="404" r:id="rId10"/>
+    <p:sldId id="451" r:id="rId10"/>
     <p:sldId id="375" r:id="rId11"/>
     <p:sldId id="376" r:id="rId12"/>
     <p:sldId id="405" r:id="rId13"/>
@@ -154,6 +154,13 @@
 </p:presentation>
 </file>
 
+<file path=ppt/authors.xml><?xml version="1.0" encoding="utf-8"?>
+<p188:authorLst xmlns:a="http://schemas.openxmlformats.org/drawingml/2006/main" xmlns:r="http://schemas.openxmlformats.org/officeDocument/2006/relationships" xmlns:p188="http://schemas.microsoft.com/office/powerpoint/2018/8/main">
+  <p188:author id="{7A93AA0A-E98C-378C-6584-1A955E46BD87}" name="Shannon Leftwich" initials="SL" userId="Shannon Leftwich" providerId="None"/>
+  <p188:author id="{B354201E-F368-C5AA-E49A-05C722FF10EF}" name="Nick Feamster" initials="NF" userId="S::feamster@UCHICAGO.EDU::a8de9ba3-b3dc-4e1e-936d-2fb5b40f211d" providerId="AD"/>
+</p188:authorLst>
+</file>
+
 <file path=ppt/notesMasters/notesMaster1.xml><?xml version="1.0" encoding="utf-8"?>
 <p:notesMaster xmlns:a="http://schemas.openxmlformats.org/drawingml/2006/main" xmlns:r="http://schemas.openxmlformats.org/officeDocument/2006/relationships" xmlns:p="http://schemas.openxmlformats.org/presentationml/2006/main">
   <p:cSld>
@@ -236,7 +243,7 @@
           <a:p>
             <a:fld id="{26C23BA1-C1FD-F54C-A91D-365911BB70A0}" type="datetimeFigureOut">
               <a:rPr lang="en-US" smtClean="0"/>
-              <a:t>10/2/23</a:t>
+              <a:t>10/4/24</a:t>
             </a:fld>
             <a:endParaRPr lang="en-US"/>
           </a:p>
@@ -2091,10 +2098,55 @@
           <a:bodyPr/>
           <a:lstStyle/>
           <a:p>
-            <a:endParaRPr lang="en-US" altLang="en-US">
+            <a:r>
+              <a:rPr lang="en-US" altLang="en-US" dirty="0">
+                <a:latin typeface="Times New Roman" panose="02020603050405020304" pitchFamily="18" charset="0"/>
+                <a:ea typeface="宋体" panose="02010600030101010101" pitchFamily="2" charset="-122"/>
+              </a:rPr>
+              <a:t>The data  is based on general trends reported by organizations like Symantec and MAAWG over the past decade. </a:t>
+            </a:r>
+          </a:p>
+          <a:p>
+            <a:endParaRPr lang="en-US" altLang="en-US" dirty="0">
               <a:latin typeface="Times New Roman" panose="02020603050405020304" pitchFamily="18" charset="0"/>
               <a:ea typeface="宋体" panose="02010600030101010101" pitchFamily="2" charset="-122"/>
             </a:endParaRPr>
+          </a:p>
+          <a:p>
+            <a:r>
+              <a:rPr lang="en-US" altLang="en-US" dirty="0">
+                <a:latin typeface="Times New Roman" panose="02020603050405020304" pitchFamily="18" charset="0"/>
+                <a:ea typeface="宋体" panose="02010600030101010101" pitchFamily="2" charset="-122"/>
+              </a:rPr>
+              <a:t>For a more accurate and sourced chart, you would need to access up-to-date reports from these companies or organizations that publish detailed threat intelligence, such as:</a:t>
+            </a:r>
+          </a:p>
+          <a:p>
+            <a:r>
+              <a:rPr lang="en-US" altLang="en-US" dirty="0">
+                <a:latin typeface="Times New Roman" panose="02020603050405020304" pitchFamily="18" charset="0"/>
+                <a:ea typeface="宋体" panose="02010600030101010101" pitchFamily="2" charset="-122"/>
+              </a:rPr>
+              <a:t>- **Symantec Internet Security Threat Report**</a:t>
+            </a:r>
+          </a:p>
+          <a:p>
+            <a:r>
+              <a:rPr lang="en-US" altLang="en-US" dirty="0">
+                <a:latin typeface="Times New Roman" panose="02020603050405020304" pitchFamily="18" charset="0"/>
+                <a:ea typeface="宋体" panose="02010600030101010101" pitchFamily="2" charset="-122"/>
+              </a:rPr>
+              <a:t>- **MAAWG Email Metrics Report**</a:t>
+            </a:r>
+          </a:p>
+          <a:p>
+            <a:r>
+              <a:rPr lang="en-US" altLang="en-US" dirty="0">
+                <a:latin typeface="Times New Roman" panose="02020603050405020304" pitchFamily="18" charset="0"/>
+                <a:ea typeface="宋体" panose="02010600030101010101" pitchFamily="2" charset="-122"/>
+              </a:rPr>
+              <a:t>- **Cisco Annual Cybersecurity Report**</a:t>
+            </a:r>
           </a:p>
         </p:txBody>
       </p:sp>
@@ -4962,7 +5014,7 @@
           <a:p>
             <a:fld id="{6E174B13-2F4C-954D-BC49-D8D95C50C36E}" type="datetimeFigureOut">
               <a:rPr lang="en-US" smtClean="0"/>
-              <a:t>10/2/23</a:t>
+              <a:t>10/4/24</a:t>
             </a:fld>
             <a:endParaRPr lang="en-US"/>
           </a:p>
@@ -5160,7 +5212,7 @@
           <a:p>
             <a:fld id="{6E174B13-2F4C-954D-BC49-D8D95C50C36E}" type="datetimeFigureOut">
               <a:rPr lang="en-US" smtClean="0"/>
-              <a:t>10/2/23</a:t>
+              <a:t>10/4/24</a:t>
             </a:fld>
             <a:endParaRPr lang="en-US"/>
           </a:p>
@@ -5368,7 +5420,7 @@
           <a:p>
             <a:fld id="{6E174B13-2F4C-954D-BC49-D8D95C50C36E}" type="datetimeFigureOut">
               <a:rPr lang="en-US" smtClean="0"/>
-              <a:t>10/2/23</a:t>
+              <a:t>10/4/24</a:t>
             </a:fld>
             <a:endParaRPr lang="en-US"/>
           </a:p>
@@ -5566,7 +5618,7 @@
           <a:p>
             <a:fld id="{6E174B13-2F4C-954D-BC49-D8D95C50C36E}" type="datetimeFigureOut">
               <a:rPr lang="en-US" smtClean="0"/>
-              <a:t>10/2/23</a:t>
+              <a:t>10/4/24</a:t>
             </a:fld>
             <a:endParaRPr lang="en-US"/>
           </a:p>
@@ -5841,7 +5893,7 @@
           <a:p>
             <a:fld id="{6E174B13-2F4C-954D-BC49-D8D95C50C36E}" type="datetimeFigureOut">
               <a:rPr lang="en-US" smtClean="0"/>
-              <a:t>10/2/23</a:t>
+              <a:t>10/4/24</a:t>
             </a:fld>
             <a:endParaRPr lang="en-US"/>
           </a:p>
@@ -6106,7 +6158,7 @@
           <a:p>
             <a:fld id="{6E174B13-2F4C-954D-BC49-D8D95C50C36E}" type="datetimeFigureOut">
               <a:rPr lang="en-US" smtClean="0"/>
-              <a:t>10/2/23</a:t>
+              <a:t>10/4/24</a:t>
             </a:fld>
             <a:endParaRPr lang="en-US"/>
           </a:p>
@@ -6518,7 +6570,7 @@
           <a:p>
             <a:fld id="{6E174B13-2F4C-954D-BC49-D8D95C50C36E}" type="datetimeFigureOut">
               <a:rPr lang="en-US" smtClean="0"/>
-              <a:t>10/2/23</a:t>
+              <a:t>10/4/24</a:t>
             </a:fld>
             <a:endParaRPr lang="en-US"/>
           </a:p>
@@ -6659,7 +6711,7 @@
           <a:p>
             <a:fld id="{6E174B13-2F4C-954D-BC49-D8D95C50C36E}" type="datetimeFigureOut">
               <a:rPr lang="en-US" smtClean="0"/>
-              <a:t>10/2/23</a:t>
+              <a:t>10/4/24</a:t>
             </a:fld>
             <a:endParaRPr lang="en-US"/>
           </a:p>
@@ -6772,7 +6824,7 @@
           <a:p>
             <a:fld id="{6E174B13-2F4C-954D-BC49-D8D95C50C36E}" type="datetimeFigureOut">
               <a:rPr lang="en-US" smtClean="0"/>
-              <a:t>10/2/23</a:t>
+              <a:t>10/4/24</a:t>
             </a:fld>
             <a:endParaRPr lang="en-US"/>
           </a:p>
@@ -7083,7 +7135,7 @@
           <a:p>
             <a:fld id="{6E174B13-2F4C-954D-BC49-D8D95C50C36E}" type="datetimeFigureOut">
               <a:rPr lang="en-US" smtClean="0"/>
-              <a:t>10/2/23</a:t>
+              <a:t>10/4/24</a:t>
             </a:fld>
             <a:endParaRPr lang="en-US"/>
           </a:p>
@@ -7371,7 +7423,7 @@
           <a:p>
             <a:fld id="{6E174B13-2F4C-954D-BC49-D8D95C50C36E}" type="datetimeFigureOut">
               <a:rPr lang="en-US" smtClean="0"/>
-              <a:t>10/2/23</a:t>
+              <a:t>10/4/24</a:t>
             </a:fld>
             <a:endParaRPr lang="en-US"/>
           </a:p>
@@ -7612,7 +7664,7 @@
           <a:p>
             <a:fld id="{6E174B13-2F4C-954D-BC49-D8D95C50C36E}" type="datetimeFigureOut">
               <a:rPr lang="en-US" smtClean="0"/>
-              <a:t>10/2/23</a:t>
+              <a:t>10/4/24</a:t>
             </a:fld>
             <a:endParaRPr lang="en-US"/>
           </a:p>
@@ -31196,13 +31248,23 @@
             <p:ph type="title"/>
           </p:nvPr>
         </p:nvSpPr>
-        <p:spPr/>
+        <p:spPr>
+          <a:xfrm>
+            <a:off x="532088" y="18255"/>
+            <a:ext cx="10515600" cy="1325563"/>
+          </a:xfrm>
+        </p:spPr>
         <p:txBody>
-          <a:bodyPr/>
+          <a:bodyPr>
+            <a:noAutofit/>
+          </a:bodyPr>
           <a:lstStyle/>
           <a:p>
-            <a:r>
-              <a:rPr lang="en-US" altLang="en-US"/>
+            <a:pPr algn="l"/>
+            <a:r>
+              <a:rPr lang="en-US" altLang="en-US" sz="4000" b="0" dirty="0">
+                <a:latin typeface="+mj-lt"/>
+              </a:rPr>
               <a:t>Unwanted Traffic: Spam</a:t>
             </a:r>
           </a:p>
@@ -31224,56 +31286,119 @@
             <p:ph idx="1"/>
           </p:nvPr>
         </p:nvSpPr>
+        <p:spPr>
+          <a:xfrm>
+            <a:off x="751115" y="1116884"/>
+            <a:ext cx="10515600" cy="881110"/>
+          </a:xfrm>
+        </p:spPr>
+        <p:txBody>
+          <a:bodyPr>
+            <a:normAutofit/>
+          </a:bodyPr>
+          <a:lstStyle/>
+          <a:p>
+            <a:pPr>
+              <a:defRPr/>
+            </a:pPr>
+            <a:r>
+              <a:rPr lang="en-US" sz="2400" dirty="0">
+                <a:solidFill>
+                  <a:srgbClr val="FF0000"/>
+                </a:solidFill>
+              </a:rPr>
+              <a:t>Spam rates are declining, but phishing attacks are on the rise.</a:t>
+            </a:r>
+            <a:endParaRPr lang="en-US" sz="2400" dirty="0"/>
+          </a:p>
+          <a:p>
+            <a:pPr marL="0" indent="0">
+              <a:buNone/>
+              <a:defRPr/>
+            </a:pPr>
+            <a:r>
+              <a:rPr lang="en-US" sz="1400" dirty="0"/>
+              <a:t>	</a:t>
+            </a:r>
+            <a:endParaRPr lang="en-US" dirty="0"/>
+          </a:p>
+        </p:txBody>
+      </p:sp>
+      <p:sp>
+        <p:nvSpPr>
+          <p:cNvPr id="5" name="Slide Number Placeholder 4">
+            <a:extLst>
+              <a:ext uri="{FF2B5EF4-FFF2-40B4-BE49-F238E27FC236}">
+                <a16:creationId xmlns:a16="http://schemas.microsoft.com/office/drawing/2014/main" id="{9CE6DBFA-1474-D1C2-2CD4-17DE43768ADD}"/>
+              </a:ext>
+            </a:extLst>
+          </p:cNvPr>
+          <p:cNvSpPr>
+            <a:spLocks noGrp="1"/>
+          </p:cNvSpPr>
+          <p:nvPr>
+            <p:ph type="sldNum" sz="quarter" idx="12"/>
+          </p:nvPr>
+        </p:nvSpPr>
         <p:spPr/>
         <p:txBody>
           <a:bodyPr/>
           <a:lstStyle/>
           <a:p>
-            <a:pPr>
-              <a:defRPr/>
-            </a:pPr>
-            <a:r>
-              <a:rPr lang="en-US" dirty="0">
-                <a:solidFill>
-                  <a:srgbClr val="FF0000"/>
-                </a:solidFill>
-              </a:rPr>
-              <a:t>70-90%</a:t>
-            </a:r>
-            <a:r>
-              <a:rPr lang="en-US" dirty="0"/>
-              <a:t> of all email traffic is spam</a:t>
-            </a:r>
-          </a:p>
+            <a:fld id="{C1FF6DA9-008F-8B48-92A6-B652298478BF}" type="slidenum">
+              <a:rPr lang="en-US" smtClean="0"/>
+              <a:t>9</a:t>
+            </a:fld>
+            <a:endParaRPr lang="en-US"/>
+          </a:p>
+        </p:txBody>
+      </p:sp>
+      <p:sp>
+        <p:nvSpPr>
+          <p:cNvPr id="4" name="TextBox 3">
+            <a:extLst>
+              <a:ext uri="{FF2B5EF4-FFF2-40B4-BE49-F238E27FC236}">
+                <a16:creationId xmlns:a16="http://schemas.microsoft.com/office/drawing/2014/main" id="{C1E5A3F4-BA54-65A1-702E-FF049D41DECC}"/>
+              </a:ext>
+            </a:extLst>
+          </p:cNvPr>
+          <p:cNvSpPr txBox="1"/>
+          <p:nvPr/>
+        </p:nvSpPr>
+        <p:spPr>
+          <a:xfrm>
+            <a:off x="472191" y="5844698"/>
+            <a:ext cx="6094476" cy="369332"/>
+          </a:xfrm>
+          <a:prstGeom prst="rect">
+            <a:avLst/>
+          </a:prstGeom>
+          <a:noFill/>
+        </p:spPr>
+        <p:txBody>
+          <a:bodyPr wrap="square">
+            <a:spAutoFit/>
+          </a:bodyPr>
+          <a:lstStyle/>
           <a:p>
             <a:pPr marL="0" indent="0">
               <a:buNone/>
               <a:defRPr/>
             </a:pPr>
             <a:r>
-              <a:rPr lang="en-US" sz="1400" dirty="0"/>
-              <a:t>	</a:t>
-            </a:r>
-            <a:r>
-              <a:rPr lang="en-US" sz="1600" dirty="0"/>
-              <a:t>(Sources: Symantec 2010, MAAWG 2011, Symantec 2013)</a:t>
-            </a:r>
-            <a:endParaRPr lang="en-US" dirty="0"/>
-          </a:p>
-          <a:p>
-            <a:pPr>
-              <a:defRPr/>
-            </a:pPr>
+              <a:rPr lang="en-US" sz="1800" dirty="0"/>
+              <a:t>(Sources: Symantec, MAAWG, Cisco)</a:t>
+            </a:r>
             <a:endParaRPr lang="en-US" dirty="0"/>
           </a:p>
         </p:txBody>
       </p:sp>
       <p:pic>
         <p:nvPicPr>
-          <p:cNvPr id="27651" name="Picture 10" descr="spam-over-time_cut.png">
+          <p:cNvPr id="6" name="Picture 5" descr="A graph showing the number of spam rate and phishing attacks&#10;&#10;Description automatically generated">
             <a:extLst>
               <a:ext uri="{FF2B5EF4-FFF2-40B4-BE49-F238E27FC236}">
-                <a16:creationId xmlns:a16="http://schemas.microsoft.com/office/drawing/2014/main" id="{93A0C2BB-66FC-B44F-9A45-ED1D9959375F}"/>
+                <a16:creationId xmlns:a16="http://schemas.microsoft.com/office/drawing/2014/main" id="{74631E2A-FC81-8E9B-7316-FC5D4E8A0C8A}"/>
               </a:ext>
             </a:extLst>
           </p:cNvPr>
@@ -31283,49 +31408,19 @@
           <p:nvPr/>
         </p:nvPicPr>
         <p:blipFill>
-          <a:blip r:embed="rId3">
-            <a:extLst>
-              <a:ext uri="{28A0092B-C50C-407E-A947-70E740481C1C}">
-                <a14:useLocalDpi xmlns:a14="http://schemas.microsoft.com/office/drawing/2010/main" val="0"/>
-              </a:ext>
-            </a:extLst>
-          </a:blip>
-          <a:srcRect/>
+          <a:blip r:embed="rId3"/>
           <a:stretch>
             <a:fillRect/>
           </a:stretch>
         </p:blipFill>
-        <p:spPr bwMode="auto">
+        <p:spPr>
           <a:xfrm>
-            <a:off x="2355851" y="2438400"/>
-            <a:ext cx="7480300" cy="3403600"/>
+            <a:off x="2362199" y="1771061"/>
+            <a:ext cx="6123189" cy="3646393"/>
           </a:xfrm>
           <a:prstGeom prst="rect">
             <a:avLst/>
           </a:prstGeom>
-          <a:noFill/>
-          <a:ln>
-            <a:noFill/>
-          </a:ln>
-          <a:extLst>
-            <a:ext uri="{909E8E84-426E-40DD-AFC4-6F175D3DCCD1}">
-              <a14:hiddenFill xmlns:a14="http://schemas.microsoft.com/office/drawing/2010/main">
-                <a:solidFill>
-                  <a:srgbClr val="FFFFFF"/>
-                </a:solidFill>
-              </a14:hiddenFill>
-            </a:ext>
-            <a:ext uri="{91240B29-F687-4F45-9708-019B960494DF}">
-              <a14:hiddenLine xmlns:a14="http://schemas.microsoft.com/office/drawing/2010/main" w="9525">
-                <a:solidFill>
-                  <a:srgbClr val="000000"/>
-                </a:solidFill>
-                <a:miter lim="800000"/>
-                <a:headEnd/>
-                <a:tailEnd/>
-              </a14:hiddenLine>
-            </a:ext>
-          </a:extLst>
         </p:spPr>
       </p:pic>
     </p:spTree>

--- a/docs/slides/02-security.pptx
+++ b/docs/slides/02-security.pptx
@@ -243,7 +243,7 @@
           <a:p>
             <a:fld id="{26C23BA1-C1FD-F54C-A91D-365911BB70A0}" type="datetimeFigureOut">
               <a:rPr lang="en-US" smtClean="0"/>
-              <a:t>10/4/24</a:t>
+              <a:t>12/13/24</a:t>
             </a:fld>
             <a:endParaRPr lang="en-US"/>
           </a:p>
@@ -5014,7 +5014,7 @@
           <a:p>
             <a:fld id="{6E174B13-2F4C-954D-BC49-D8D95C50C36E}" type="datetimeFigureOut">
               <a:rPr lang="en-US" smtClean="0"/>
-              <a:t>10/4/24</a:t>
+              <a:t>12/13/24</a:t>
             </a:fld>
             <a:endParaRPr lang="en-US"/>
           </a:p>
@@ -5212,7 +5212,7 @@
           <a:p>
             <a:fld id="{6E174B13-2F4C-954D-BC49-D8D95C50C36E}" type="datetimeFigureOut">
               <a:rPr lang="en-US" smtClean="0"/>
-              <a:t>10/4/24</a:t>
+              <a:t>12/13/24</a:t>
             </a:fld>
             <a:endParaRPr lang="en-US"/>
           </a:p>
@@ -5420,7 +5420,7 @@
           <a:p>
             <a:fld id="{6E174B13-2F4C-954D-BC49-D8D95C50C36E}" type="datetimeFigureOut">
               <a:rPr lang="en-US" smtClean="0"/>
-              <a:t>10/4/24</a:t>
+              <a:t>12/13/24</a:t>
             </a:fld>
             <a:endParaRPr lang="en-US"/>
           </a:p>
@@ -5618,7 +5618,7 @@
           <a:p>
             <a:fld id="{6E174B13-2F4C-954D-BC49-D8D95C50C36E}" type="datetimeFigureOut">
               <a:rPr lang="en-US" smtClean="0"/>
-              <a:t>10/4/24</a:t>
+              <a:t>12/13/24</a:t>
             </a:fld>
             <a:endParaRPr lang="en-US"/>
           </a:p>
@@ -5893,7 +5893,7 @@
           <a:p>
             <a:fld id="{6E174B13-2F4C-954D-BC49-D8D95C50C36E}" type="datetimeFigureOut">
               <a:rPr lang="en-US" smtClean="0"/>
-              <a:t>10/4/24</a:t>
+              <a:t>12/13/24</a:t>
             </a:fld>
             <a:endParaRPr lang="en-US"/>
           </a:p>
@@ -6158,7 +6158,7 @@
           <a:p>
             <a:fld id="{6E174B13-2F4C-954D-BC49-D8D95C50C36E}" type="datetimeFigureOut">
               <a:rPr lang="en-US" smtClean="0"/>
-              <a:t>10/4/24</a:t>
+              <a:t>12/13/24</a:t>
             </a:fld>
             <a:endParaRPr lang="en-US"/>
           </a:p>
@@ -6570,7 +6570,7 @@
           <a:p>
             <a:fld id="{6E174B13-2F4C-954D-BC49-D8D95C50C36E}" type="datetimeFigureOut">
               <a:rPr lang="en-US" smtClean="0"/>
-              <a:t>10/4/24</a:t>
+              <a:t>12/13/24</a:t>
             </a:fld>
             <a:endParaRPr lang="en-US"/>
           </a:p>
@@ -6711,7 +6711,7 @@
           <a:p>
             <a:fld id="{6E174B13-2F4C-954D-BC49-D8D95C50C36E}" type="datetimeFigureOut">
               <a:rPr lang="en-US" smtClean="0"/>
-              <a:t>10/4/24</a:t>
+              <a:t>12/13/24</a:t>
             </a:fld>
             <a:endParaRPr lang="en-US"/>
           </a:p>
@@ -6824,7 +6824,7 @@
           <a:p>
             <a:fld id="{6E174B13-2F4C-954D-BC49-D8D95C50C36E}" type="datetimeFigureOut">
               <a:rPr lang="en-US" smtClean="0"/>
-              <a:t>10/4/24</a:t>
+              <a:t>12/13/24</a:t>
             </a:fld>
             <a:endParaRPr lang="en-US"/>
           </a:p>
@@ -7135,7 +7135,7 @@
           <a:p>
             <a:fld id="{6E174B13-2F4C-954D-BC49-D8D95C50C36E}" type="datetimeFigureOut">
               <a:rPr lang="en-US" smtClean="0"/>
-              <a:t>10/4/24</a:t>
+              <a:t>12/13/24</a:t>
             </a:fld>
             <a:endParaRPr lang="en-US"/>
           </a:p>
@@ -7423,7 +7423,7 @@
           <a:p>
             <a:fld id="{6E174B13-2F4C-954D-BC49-D8D95C50C36E}" type="datetimeFigureOut">
               <a:rPr lang="en-US" smtClean="0"/>
-              <a:t>10/4/24</a:t>
+              <a:t>12/13/24</a:t>
             </a:fld>
             <a:endParaRPr lang="en-US"/>
           </a:p>
@@ -7664,7 +7664,7 @@
           <a:p>
             <a:fld id="{6E174B13-2F4C-954D-BC49-D8D95C50C36E}" type="datetimeFigureOut">
               <a:rPr lang="en-US" smtClean="0"/>
-              <a:t>10/4/24</a:t>
+              <a:t>12/13/24</a:t>
             </a:fld>
             <a:endParaRPr lang="en-US"/>
           </a:p>

--- a/docs/slides/02-security.pptx
+++ b/docs/slides/02-security.pptx
@@ -5,7 +5,7 @@
     <p:sldMasterId id="2147483648" r:id="rId1"/>
   </p:sldMasterIdLst>
   <p:notesMasterIdLst>
-    <p:notesMasterId r:id="rId42"/>
+    <p:notesMasterId r:id="rId40"/>
   </p:notesMasterIdLst>
   <p:sldIdLst>
     <p:sldId id="256" r:id="rId2"/>
@@ -15,39 +15,37 @@
     <p:sldId id="431" r:id="rId6"/>
     <p:sldId id="426" r:id="rId7"/>
     <p:sldId id="403" r:id="rId8"/>
-    <p:sldId id="444" r:id="rId9"/>
-    <p:sldId id="451" r:id="rId10"/>
-    <p:sldId id="375" r:id="rId11"/>
-    <p:sldId id="376" r:id="rId12"/>
-    <p:sldId id="405" r:id="rId13"/>
-    <p:sldId id="377" r:id="rId14"/>
-    <p:sldId id="378" r:id="rId15"/>
-    <p:sldId id="381" r:id="rId16"/>
-    <p:sldId id="394" r:id="rId17"/>
-    <p:sldId id="387" r:id="rId18"/>
-    <p:sldId id="388" r:id="rId19"/>
-    <p:sldId id="389" r:id="rId20"/>
-    <p:sldId id="391" r:id="rId21"/>
-    <p:sldId id="393" r:id="rId22"/>
-    <p:sldId id="413" r:id="rId23"/>
-    <p:sldId id="412" r:id="rId24"/>
-    <p:sldId id="409" r:id="rId25"/>
-    <p:sldId id="410" r:id="rId26"/>
-    <p:sldId id="411" r:id="rId27"/>
-    <p:sldId id="360" r:id="rId28"/>
-    <p:sldId id="446" r:id="rId29"/>
-    <p:sldId id="414" r:id="rId30"/>
-    <p:sldId id="447" r:id="rId31"/>
-    <p:sldId id="400" r:id="rId32"/>
-    <p:sldId id="448" r:id="rId33"/>
-    <p:sldId id="449" r:id="rId34"/>
-    <p:sldId id="395" r:id="rId35"/>
-    <p:sldId id="450" r:id="rId36"/>
-    <p:sldId id="396" r:id="rId37"/>
-    <p:sldId id="406" r:id="rId38"/>
-    <p:sldId id="397" r:id="rId39"/>
-    <p:sldId id="443" r:id="rId40"/>
-    <p:sldId id="440" r:id="rId41"/>
+    <p:sldId id="451" r:id="rId9"/>
+    <p:sldId id="375" r:id="rId10"/>
+    <p:sldId id="376" r:id="rId11"/>
+    <p:sldId id="405" r:id="rId12"/>
+    <p:sldId id="377" r:id="rId13"/>
+    <p:sldId id="378" r:id="rId14"/>
+    <p:sldId id="381" r:id="rId15"/>
+    <p:sldId id="394" r:id="rId16"/>
+    <p:sldId id="387" r:id="rId17"/>
+    <p:sldId id="388" r:id="rId18"/>
+    <p:sldId id="389" r:id="rId19"/>
+    <p:sldId id="391" r:id="rId20"/>
+    <p:sldId id="393" r:id="rId21"/>
+    <p:sldId id="413" r:id="rId22"/>
+    <p:sldId id="412" r:id="rId23"/>
+    <p:sldId id="409" r:id="rId24"/>
+    <p:sldId id="410" r:id="rId25"/>
+    <p:sldId id="411" r:id="rId26"/>
+    <p:sldId id="360" r:id="rId27"/>
+    <p:sldId id="446" r:id="rId28"/>
+    <p:sldId id="414" r:id="rId29"/>
+    <p:sldId id="447" r:id="rId30"/>
+    <p:sldId id="400" r:id="rId31"/>
+    <p:sldId id="448" r:id="rId32"/>
+    <p:sldId id="449" r:id="rId33"/>
+    <p:sldId id="395" r:id="rId34"/>
+    <p:sldId id="450" r:id="rId35"/>
+    <p:sldId id="396" r:id="rId36"/>
+    <p:sldId id="406" r:id="rId37"/>
+    <p:sldId id="397" r:id="rId38"/>
+    <p:sldId id="443" r:id="rId39"/>
   </p:sldIdLst>
   <p:sldSz cx="12192000" cy="6858000"/>
   <p:notesSz cx="6858000" cy="9144000"/>
@@ -243,7 +241,7 @@
           <a:p>
             <a:fld id="{26C23BA1-C1FD-F54C-A91D-365911BB70A0}" type="datetimeFigureOut">
               <a:rPr lang="en-US" smtClean="0"/>
-              <a:t>12/13/24</a:t>
+              <a:t>9/28/25</a:t>
             </a:fld>
             <a:endParaRPr lang="en-US"/>
           </a:p>
@@ -1200,7 +1198,7 @@
                 <a:buFontTx/>
                 <a:buNone/>
               </a:pPr>
-              <a:t>25</a:t>
+              <a:t>24</a:t>
             </a:fld>
             <a:endParaRPr lang="en-US" altLang="en-US" sz="1800">
               <a:solidFill>
@@ -1552,7 +1550,7 @@
                 <a:buFontTx/>
                 <a:buNone/>
               </a:pPr>
-              <a:t>26</a:t>
+              <a:t>25</a:t>
             </a:fld>
             <a:endParaRPr lang="en-US" altLang="en-US" sz="1800">
               <a:solidFill>
@@ -1644,7 +1642,7 @@
           <a:p>
             <a:fld id="{E87B8908-CA26-374C-83A4-87EF8300AB0D}" type="slidenum">
               <a:rPr lang="en-US" smtClean="0"/>
-              <a:t>27</a:t>
+              <a:t>26</a:t>
             </a:fld>
             <a:endParaRPr lang="en-US"/>
           </a:p>
@@ -1996,7 +1994,7 @@
                 <a:buFontTx/>
                 <a:buNone/>
               </a:pPr>
-              <a:t>39</a:t>
+              <a:t>38</a:t>
             </a:fld>
             <a:endParaRPr lang="en-US" altLang="en-US" sz="1800">
               <a:solidFill>
@@ -2390,7 +2388,7 @@
                 <a:buFontTx/>
                 <a:buNone/>
               </a:pPr>
-              <a:t>9</a:t>
+              <a:t>8</a:t>
             </a:fld>
             <a:endParaRPr lang="en-US" altLang="en-US" sz="1800">
               <a:solidFill>
@@ -2674,7 +2672,7 @@
                 <a:buFontTx/>
                 <a:buNone/>
               </a:pPr>
-              <a:t>10</a:t>
+              <a:t>9</a:t>
             </a:fld>
             <a:endParaRPr lang="en-US" altLang="en-US" sz="1800">
               <a:solidFill>
@@ -3027,7 +3025,7 @@
                 <a:buFontTx/>
                 <a:buNone/>
               </a:pPr>
-              <a:t>11</a:t>
+              <a:t>10</a:t>
             </a:fld>
             <a:endParaRPr lang="en-US" altLang="en-US" sz="1800">
               <a:solidFill>
@@ -3449,7 +3447,7 @@
                 <a:buFontTx/>
                 <a:buNone/>
               </a:pPr>
-              <a:t>12</a:t>
+              <a:t>11</a:t>
             </a:fld>
             <a:endParaRPr lang="en-US" altLang="en-US" sz="1800">
               <a:solidFill>
@@ -3725,7 +3723,7 @@
                 <a:buFontTx/>
                 <a:buNone/>
               </a:pPr>
-              <a:t>13</a:t>
+              <a:t>12</a:t>
             </a:fld>
             <a:endParaRPr lang="en-US" altLang="en-US" sz="1800">
               <a:solidFill>
@@ -4074,7 +4072,7 @@
                 <a:buFontTx/>
                 <a:buNone/>
               </a:pPr>
-              <a:t>14</a:t>
+              <a:t>13</a:t>
             </a:fld>
             <a:endParaRPr lang="en-US" altLang="en-US" sz="1800">
               <a:solidFill>
@@ -4423,7 +4421,7 @@
                 <a:buFontTx/>
                 <a:buNone/>
               </a:pPr>
-              <a:t>15</a:t>
+              <a:t>14</a:t>
             </a:fld>
             <a:endParaRPr lang="en-US" altLang="en-US" sz="1800">
               <a:solidFill>
@@ -4775,7 +4773,7 @@
                 <a:buFontTx/>
                 <a:buNone/>
               </a:pPr>
-              <a:t>16</a:t>
+              <a:t>15</a:t>
             </a:fld>
             <a:endParaRPr lang="en-US" altLang="en-US" sz="1800">
               <a:solidFill>
@@ -5014,7 +5012,7 @@
           <a:p>
             <a:fld id="{6E174B13-2F4C-954D-BC49-D8D95C50C36E}" type="datetimeFigureOut">
               <a:rPr lang="en-US" smtClean="0"/>
-              <a:t>12/13/24</a:t>
+              <a:t>9/28/25</a:t>
             </a:fld>
             <a:endParaRPr lang="en-US"/>
           </a:p>
@@ -5212,7 +5210,7 @@
           <a:p>
             <a:fld id="{6E174B13-2F4C-954D-BC49-D8D95C50C36E}" type="datetimeFigureOut">
               <a:rPr lang="en-US" smtClean="0"/>
-              <a:t>12/13/24</a:t>
+              <a:t>9/28/25</a:t>
             </a:fld>
             <a:endParaRPr lang="en-US"/>
           </a:p>
@@ -5420,7 +5418,7 @@
           <a:p>
             <a:fld id="{6E174B13-2F4C-954D-BC49-D8D95C50C36E}" type="datetimeFigureOut">
               <a:rPr lang="en-US" smtClean="0"/>
-              <a:t>12/13/24</a:t>
+              <a:t>9/28/25</a:t>
             </a:fld>
             <a:endParaRPr lang="en-US"/>
           </a:p>
@@ -5618,7 +5616,7 @@
           <a:p>
             <a:fld id="{6E174B13-2F4C-954D-BC49-D8D95C50C36E}" type="datetimeFigureOut">
               <a:rPr lang="en-US" smtClean="0"/>
-              <a:t>12/13/24</a:t>
+              <a:t>9/28/25</a:t>
             </a:fld>
             <a:endParaRPr lang="en-US"/>
           </a:p>
@@ -5893,7 +5891,7 @@
           <a:p>
             <a:fld id="{6E174B13-2F4C-954D-BC49-D8D95C50C36E}" type="datetimeFigureOut">
               <a:rPr lang="en-US" smtClean="0"/>
-              <a:t>12/13/24</a:t>
+              <a:t>9/28/25</a:t>
             </a:fld>
             <a:endParaRPr lang="en-US"/>
           </a:p>
@@ -6158,7 +6156,7 @@
           <a:p>
             <a:fld id="{6E174B13-2F4C-954D-BC49-D8D95C50C36E}" type="datetimeFigureOut">
               <a:rPr lang="en-US" smtClean="0"/>
-              <a:t>12/13/24</a:t>
+              <a:t>9/28/25</a:t>
             </a:fld>
             <a:endParaRPr lang="en-US"/>
           </a:p>
@@ -6570,7 +6568,7 @@
           <a:p>
             <a:fld id="{6E174B13-2F4C-954D-BC49-D8D95C50C36E}" type="datetimeFigureOut">
               <a:rPr lang="en-US" smtClean="0"/>
-              <a:t>12/13/24</a:t>
+              <a:t>9/28/25</a:t>
             </a:fld>
             <a:endParaRPr lang="en-US"/>
           </a:p>
@@ -6711,7 +6709,7 @@
           <a:p>
             <a:fld id="{6E174B13-2F4C-954D-BC49-D8D95C50C36E}" type="datetimeFigureOut">
               <a:rPr lang="en-US" smtClean="0"/>
-              <a:t>12/13/24</a:t>
+              <a:t>9/28/25</a:t>
             </a:fld>
             <a:endParaRPr lang="en-US"/>
           </a:p>
@@ -6824,7 +6822,7 @@
           <a:p>
             <a:fld id="{6E174B13-2F4C-954D-BC49-D8D95C50C36E}" type="datetimeFigureOut">
               <a:rPr lang="en-US" smtClean="0"/>
-              <a:t>12/13/24</a:t>
+              <a:t>9/28/25</a:t>
             </a:fld>
             <a:endParaRPr lang="en-US"/>
           </a:p>
@@ -7135,7 +7133,7 @@
           <a:p>
             <a:fld id="{6E174B13-2F4C-954D-BC49-D8D95C50C36E}" type="datetimeFigureOut">
               <a:rPr lang="en-US" smtClean="0"/>
-              <a:t>12/13/24</a:t>
+              <a:t>9/28/25</a:t>
             </a:fld>
             <a:endParaRPr lang="en-US"/>
           </a:p>
@@ -7423,7 +7421,7 @@
           <a:p>
             <a:fld id="{6E174B13-2F4C-954D-BC49-D8D95C50C36E}" type="datetimeFigureOut">
               <a:rPr lang="en-US" smtClean="0"/>
-              <a:t>12/13/24</a:t>
+              <a:t>9/28/25</a:t>
             </a:fld>
             <a:endParaRPr lang="en-US"/>
           </a:p>
@@ -7664,7 +7662,7 @@
           <a:p>
             <a:fld id="{6E174B13-2F4C-954D-BC49-D8D95C50C36E}" type="datetimeFigureOut">
               <a:rPr lang="en-US" smtClean="0"/>
-              <a:t>12/13/24</a:t>
+              <a:t>9/28/25</a:t>
             </a:fld>
             <a:endParaRPr lang="en-US"/>
           </a:p>
@@ -8176,1246 +8174,10 @@
       </p:grpSpPr>
       <p:sp>
         <p:nvSpPr>
-          <p:cNvPr id="29697" name="Rectangle 2">
+          <p:cNvPr id="31745" name="Slide Number Placeholder 5">
             <a:extLst>
               <a:ext uri="{FF2B5EF4-FFF2-40B4-BE49-F238E27FC236}">
-                <a16:creationId xmlns:a16="http://schemas.microsoft.com/office/drawing/2014/main" id="{CE38007A-DF5D-6846-8470-68D0E43F1D2A}"/>
-              </a:ext>
-            </a:extLst>
-          </p:cNvPr>
-          <p:cNvSpPr>
-            <a:spLocks noGrp="1" noChangeArrowheads="1"/>
-          </p:cNvSpPr>
-          <p:nvPr>
-            <p:ph type="title"/>
-          </p:nvPr>
-        </p:nvSpPr>
-        <p:spPr>
-          <a:xfrm>
-            <a:off x="1752600" y="332318"/>
-            <a:ext cx="8688917" cy="1060449"/>
-          </a:xfrm>
-        </p:spPr>
-        <p:txBody>
-          <a:bodyPr vert="horz" lIns="0" tIns="0" rIns="0" bIns="0" rtlCol="0" anchor="ctr">
-            <a:normAutofit fontScale="90000"/>
-          </a:bodyPr>
-          <a:lstStyle/>
-          <a:p>
-            <a:pPr defTabSz="448722">
-              <a:tabLst>
-                <a:tab pos="723882" algn="l"/>
-                <a:tab pos="1447764" algn="l"/>
-                <a:tab pos="2171646" algn="l"/>
-                <a:tab pos="2895528" algn="l"/>
-                <a:tab pos="3619410" algn="l"/>
-                <a:tab pos="4343291" algn="l"/>
-                <a:tab pos="5067173" algn="l"/>
-                <a:tab pos="5788939" algn="l"/>
-                <a:tab pos="6514937" algn="l"/>
-                <a:tab pos="7236703" algn="l"/>
-                <a:tab pos="7960585" algn="l"/>
-                <a:tab pos="8686583" algn="l"/>
-              </a:tabLst>
-            </a:pPr>
-            <a:r>
-              <a:rPr lang="fi-FI" altLang="en-US"/>
-              <a:t>Conventional Approach #1: </a:t>
-            </a:r>
-            <a:br>
-              <a:rPr lang="fi-FI" altLang="en-US"/>
-            </a:br>
-            <a:r>
-              <a:rPr lang="fi-FI" altLang="en-US"/>
-              <a:t>Content Filters</a:t>
-            </a:r>
-          </a:p>
-        </p:txBody>
-      </p:sp>
-      <p:pic>
-        <p:nvPicPr>
-          <p:cNvPr id="29698" name="Picture 4">
-            <a:extLst>
-              <a:ext uri="{FF2B5EF4-FFF2-40B4-BE49-F238E27FC236}">
-                <a16:creationId xmlns:a16="http://schemas.microsoft.com/office/drawing/2014/main" id="{61EFA9A4-2D4A-5241-B158-C70B73E7A3D9}"/>
-              </a:ext>
-            </a:extLst>
-          </p:cNvPr>
-          <p:cNvPicPr>
-            <a:picLocks noChangeAspect="1" noChangeArrowheads="1"/>
-          </p:cNvPicPr>
-          <p:nvPr/>
-        </p:nvPicPr>
-        <p:blipFill>
-          <a:blip r:embed="rId3">
-            <a:extLst>
-              <a:ext uri="{28A0092B-C50C-407E-A947-70E740481C1C}">
-                <a14:useLocalDpi xmlns:a14="http://schemas.microsoft.com/office/drawing/2010/main" val="0"/>
-              </a:ext>
-            </a:extLst>
-          </a:blip>
-          <a:srcRect/>
-          <a:stretch>
-            <a:fillRect/>
-          </a:stretch>
-        </p:blipFill>
-        <p:spPr bwMode="auto">
-          <a:xfrm>
-            <a:off x="1828800" y="1627718"/>
-            <a:ext cx="4114800" cy="3086100"/>
-          </a:xfrm>
-          <a:prstGeom prst="rect">
-            <a:avLst/>
-          </a:prstGeom>
-          <a:noFill/>
-          <a:ln>
-            <a:noFill/>
-          </a:ln>
-          <a:extLst>
-            <a:ext uri="{909E8E84-426E-40DD-AFC4-6F175D3DCCD1}">
-              <a14:hiddenFill xmlns:a14="http://schemas.microsoft.com/office/drawing/2010/main">
-                <a:solidFill>
-                  <a:srgbClr val="FFFFFF"/>
-                </a:solidFill>
-              </a14:hiddenFill>
-            </a:ext>
-            <a:ext uri="{91240B29-F687-4F45-9708-019B960494DF}">
-              <a14:hiddenLine xmlns:a14="http://schemas.microsoft.com/office/drawing/2010/main" w="9525">
-                <a:solidFill>
-                  <a:srgbClr val="000000"/>
-                </a:solidFill>
-                <a:miter lim="800000"/>
-                <a:headEnd/>
-                <a:tailEnd/>
-              </a14:hiddenLine>
-            </a:ext>
-          </a:extLst>
-        </p:spPr>
-      </p:pic>
-      <p:pic>
-        <p:nvPicPr>
-          <p:cNvPr id="29699" name="Picture 6">
-            <a:extLst>
-              <a:ext uri="{FF2B5EF4-FFF2-40B4-BE49-F238E27FC236}">
-                <a16:creationId xmlns:a16="http://schemas.microsoft.com/office/drawing/2014/main" id="{6B216FEE-D8C3-A440-9210-383F35CA3F1B}"/>
-              </a:ext>
-            </a:extLst>
-          </p:cNvPr>
-          <p:cNvPicPr>
-            <a:picLocks noChangeAspect="1" noChangeArrowheads="1"/>
-          </p:cNvPicPr>
-          <p:nvPr/>
-        </p:nvPicPr>
-        <p:blipFill>
-          <a:blip r:embed="rId4">
-            <a:extLst>
-              <a:ext uri="{28A0092B-C50C-407E-A947-70E740481C1C}">
-                <a14:useLocalDpi xmlns:a14="http://schemas.microsoft.com/office/drawing/2010/main" val="0"/>
-              </a:ext>
-            </a:extLst>
-          </a:blip>
-          <a:srcRect/>
-          <a:stretch>
-            <a:fillRect/>
-          </a:stretch>
-        </p:blipFill>
-        <p:spPr bwMode="auto">
-          <a:xfrm>
-            <a:off x="3657600" y="2694518"/>
-            <a:ext cx="3505200" cy="3155949"/>
-          </a:xfrm>
-          <a:prstGeom prst="rect">
-            <a:avLst/>
-          </a:prstGeom>
-          <a:noFill/>
-          <a:ln>
-            <a:noFill/>
-          </a:ln>
-          <a:extLst>
-            <a:ext uri="{909E8E84-426E-40DD-AFC4-6F175D3DCCD1}">
-              <a14:hiddenFill xmlns:a14="http://schemas.microsoft.com/office/drawing/2010/main">
-                <a:solidFill>
-                  <a:srgbClr val="FFFFFF"/>
-                </a:solidFill>
-              </a14:hiddenFill>
-            </a:ext>
-            <a:ext uri="{91240B29-F687-4F45-9708-019B960494DF}">
-              <a14:hiddenLine xmlns:a14="http://schemas.microsoft.com/office/drawing/2010/main" w="9525">
-                <a:solidFill>
-                  <a:srgbClr val="000000"/>
-                </a:solidFill>
-                <a:miter lim="800000"/>
-                <a:headEnd/>
-                <a:tailEnd/>
-              </a14:hiddenLine>
-            </a:ext>
-          </a:extLst>
-        </p:spPr>
-      </p:pic>
-      <p:sp>
-        <p:nvSpPr>
-          <p:cNvPr id="169991" name="Text Box 7">
-            <a:extLst>
-              <a:ext uri="{FF2B5EF4-FFF2-40B4-BE49-F238E27FC236}">
-                <a16:creationId xmlns:a16="http://schemas.microsoft.com/office/drawing/2014/main" id="{40DE7304-3046-8D48-8DB2-B7CEBF342F3C}"/>
-              </a:ext>
-            </a:extLst>
-          </p:cNvPr>
-          <p:cNvSpPr txBox="1">
-            <a:spLocks noChangeArrowheads="1"/>
-          </p:cNvSpPr>
-          <p:nvPr/>
-        </p:nvSpPr>
-        <p:spPr bwMode="auto">
-          <a:xfrm>
-            <a:off x="4648200" y="6263218"/>
-            <a:ext cx="2734733" cy="442383"/>
-          </a:xfrm>
-          <a:prstGeom prst="rect">
-            <a:avLst/>
-          </a:prstGeom>
-          <a:noFill/>
-          <a:ln>
-            <a:noFill/>
-          </a:ln>
-          <a:effectLst/>
-        </p:spPr>
-        <p:txBody>
-          <a:bodyPr wrap="none" lIns="81631" tIns="40816" rIns="81631" bIns="40816"/>
-          <a:lstStyle>
-            <a:lvl1pPr defTabSz="407988">
-              <a:tabLst>
-                <a:tab pos="657225" algn="l"/>
-                <a:tab pos="1312863" algn="l"/>
-                <a:tab pos="1970088" algn="l"/>
-                <a:tab pos="2627313" algn="l"/>
-              </a:tabLst>
-              <a:defRPr>
-                <a:solidFill>
-                  <a:schemeClr val="tx1"/>
-                </a:solidFill>
-                <a:latin typeface="Arial" charset="0"/>
-                <a:ea typeface="ＭＳ Ｐゴシック" charset="0"/>
-              </a:defRPr>
-            </a:lvl1pPr>
-            <a:lvl2pPr marL="392113" indent="-196850" defTabSz="407988">
-              <a:tabLst>
-                <a:tab pos="657225" algn="l"/>
-                <a:tab pos="1312863" algn="l"/>
-                <a:tab pos="1970088" algn="l"/>
-                <a:tab pos="2627313" algn="l"/>
-              </a:tabLst>
-              <a:defRPr>
-                <a:solidFill>
-                  <a:schemeClr val="tx1"/>
-                </a:solidFill>
-                <a:latin typeface="Arial" charset="0"/>
-                <a:ea typeface="ＭＳ Ｐゴシック" charset="0"/>
-              </a:defRPr>
-            </a:lvl2pPr>
-            <a:lvl3pPr marL="587375" indent="-195263" defTabSz="407988">
-              <a:tabLst>
-                <a:tab pos="657225" algn="l"/>
-                <a:tab pos="1312863" algn="l"/>
-                <a:tab pos="1970088" algn="l"/>
-                <a:tab pos="2627313" algn="l"/>
-              </a:tabLst>
-              <a:defRPr>
-                <a:solidFill>
-                  <a:schemeClr val="tx1"/>
-                </a:solidFill>
-                <a:latin typeface="Arial" charset="0"/>
-                <a:ea typeface="ＭＳ Ｐゴシック" charset="0"/>
-              </a:defRPr>
-            </a:lvl3pPr>
-            <a:lvl4pPr marL="782638" indent="-195263" defTabSz="407988">
-              <a:tabLst>
-                <a:tab pos="657225" algn="l"/>
-                <a:tab pos="1312863" algn="l"/>
-                <a:tab pos="1970088" algn="l"/>
-                <a:tab pos="2627313" algn="l"/>
-              </a:tabLst>
-              <a:defRPr>
-                <a:solidFill>
-                  <a:schemeClr val="tx1"/>
-                </a:solidFill>
-                <a:latin typeface="Arial" charset="0"/>
-                <a:ea typeface="ＭＳ Ｐゴシック" charset="0"/>
-              </a:defRPr>
-            </a:lvl4pPr>
-            <a:lvl5pPr marL="979488" indent="-196850" defTabSz="407988">
-              <a:tabLst>
-                <a:tab pos="657225" algn="l"/>
-                <a:tab pos="1312863" algn="l"/>
-                <a:tab pos="1970088" algn="l"/>
-                <a:tab pos="2627313" algn="l"/>
-              </a:tabLst>
-              <a:defRPr>
-                <a:solidFill>
-                  <a:schemeClr val="tx1"/>
-                </a:solidFill>
-                <a:latin typeface="Arial" charset="0"/>
-                <a:ea typeface="ＭＳ Ｐゴシック" charset="0"/>
-              </a:defRPr>
-            </a:lvl5pPr>
-            <a:lvl6pPr marL="1436688" indent="-196850" defTabSz="407988" fontAlgn="base">
-              <a:spcBef>
-                <a:spcPct val="0"/>
-              </a:spcBef>
-              <a:spcAft>
-                <a:spcPct val="0"/>
-              </a:spcAft>
-              <a:tabLst>
-                <a:tab pos="657225" algn="l"/>
-                <a:tab pos="1312863" algn="l"/>
-                <a:tab pos="1970088" algn="l"/>
-                <a:tab pos="2627313" algn="l"/>
-              </a:tabLst>
-              <a:defRPr>
-                <a:solidFill>
-                  <a:schemeClr val="tx1"/>
-                </a:solidFill>
-                <a:latin typeface="Arial" charset="0"/>
-                <a:ea typeface="ＭＳ Ｐゴシック" charset="0"/>
-              </a:defRPr>
-            </a:lvl6pPr>
-            <a:lvl7pPr marL="1893888" indent="-196850" defTabSz="407988" fontAlgn="base">
-              <a:spcBef>
-                <a:spcPct val="0"/>
-              </a:spcBef>
-              <a:spcAft>
-                <a:spcPct val="0"/>
-              </a:spcAft>
-              <a:tabLst>
-                <a:tab pos="657225" algn="l"/>
-                <a:tab pos="1312863" algn="l"/>
-                <a:tab pos="1970088" algn="l"/>
-                <a:tab pos="2627313" algn="l"/>
-              </a:tabLst>
-              <a:defRPr>
-                <a:solidFill>
-                  <a:schemeClr val="tx1"/>
-                </a:solidFill>
-                <a:latin typeface="Arial" charset="0"/>
-                <a:ea typeface="ＭＳ Ｐゴシック" charset="0"/>
-              </a:defRPr>
-            </a:lvl7pPr>
-            <a:lvl8pPr marL="2351088" indent="-196850" defTabSz="407988" fontAlgn="base">
-              <a:spcBef>
-                <a:spcPct val="0"/>
-              </a:spcBef>
-              <a:spcAft>
-                <a:spcPct val="0"/>
-              </a:spcAft>
-              <a:tabLst>
-                <a:tab pos="657225" algn="l"/>
-                <a:tab pos="1312863" algn="l"/>
-                <a:tab pos="1970088" algn="l"/>
-                <a:tab pos="2627313" algn="l"/>
-              </a:tabLst>
-              <a:defRPr>
-                <a:solidFill>
-                  <a:schemeClr val="tx1"/>
-                </a:solidFill>
-                <a:latin typeface="Arial" charset="0"/>
-                <a:ea typeface="ＭＳ Ｐゴシック" charset="0"/>
-              </a:defRPr>
-            </a:lvl8pPr>
-            <a:lvl9pPr marL="2808288" indent="-196850" defTabSz="407988" fontAlgn="base">
-              <a:spcBef>
-                <a:spcPct val="0"/>
-              </a:spcBef>
-              <a:spcAft>
-                <a:spcPct val="0"/>
-              </a:spcAft>
-              <a:tabLst>
-                <a:tab pos="657225" algn="l"/>
-                <a:tab pos="1312863" algn="l"/>
-                <a:tab pos="1970088" algn="l"/>
-                <a:tab pos="2627313" algn="l"/>
-              </a:tabLst>
-              <a:defRPr>
-                <a:solidFill>
-                  <a:schemeClr val="tx1"/>
-                </a:solidFill>
-                <a:latin typeface="Arial" charset="0"/>
-                <a:ea typeface="ＭＳ Ｐゴシック" charset="0"/>
-              </a:defRPr>
-            </a:lvl9pPr>
-          </a:lstStyle>
-          <a:p>
-            <a:pPr eaLnBrk="1">
-              <a:lnSpc>
-                <a:spcPct val="93000"/>
-              </a:lnSpc>
-              <a:buClr>
-                <a:srgbClr val="000000"/>
-              </a:buClr>
-              <a:buSzPct val="45000"/>
-              <a:buFont typeface="Wingdings" charset="0"/>
-              <a:buNone/>
-              <a:defRPr/>
-            </a:pPr>
-            <a:r>
-              <a:rPr lang="fi-FI" sz="2500">
-                <a:solidFill>
-                  <a:srgbClr val="000000"/>
-                </a:solidFill>
-                <a:cs typeface="宋体" charset="0"/>
-              </a:rPr>
-              <a:t>...even mp3s!</a:t>
-            </a:r>
-          </a:p>
-        </p:txBody>
-      </p:sp>
-      <p:sp>
-        <p:nvSpPr>
-          <p:cNvPr id="169992" name="Text Box 8">
-            <a:extLst>
-              <a:ext uri="{FF2B5EF4-FFF2-40B4-BE49-F238E27FC236}">
-                <a16:creationId xmlns:a16="http://schemas.microsoft.com/office/drawing/2014/main" id="{95E5B82F-05C0-BD46-994A-00EF16F25752}"/>
-              </a:ext>
-            </a:extLst>
-          </p:cNvPr>
-          <p:cNvSpPr txBox="1">
-            <a:spLocks noChangeArrowheads="1"/>
-          </p:cNvSpPr>
-          <p:nvPr/>
-        </p:nvSpPr>
-        <p:spPr bwMode="auto">
-          <a:xfrm>
-            <a:off x="6096001" y="1856317"/>
-            <a:ext cx="1037167" cy="440267"/>
-          </a:xfrm>
-          <a:prstGeom prst="rect">
-            <a:avLst/>
-          </a:prstGeom>
-          <a:noFill/>
-          <a:ln>
-            <a:noFill/>
-          </a:ln>
-          <a:effectLst/>
-        </p:spPr>
-        <p:txBody>
-          <a:bodyPr lIns="81631" tIns="40816" rIns="81631" bIns="40816"/>
-          <a:lstStyle>
-            <a:lvl1pPr defTabSz="407988">
-              <a:tabLst>
-                <a:tab pos="657225" algn="l"/>
-              </a:tabLst>
-              <a:defRPr>
-                <a:solidFill>
-                  <a:schemeClr val="tx1"/>
-                </a:solidFill>
-                <a:latin typeface="Arial" charset="0"/>
-                <a:ea typeface="ＭＳ Ｐゴシック" charset="0"/>
-              </a:defRPr>
-            </a:lvl1pPr>
-            <a:lvl2pPr marL="392113" indent="-196850" defTabSz="407988">
-              <a:tabLst>
-                <a:tab pos="657225" algn="l"/>
-              </a:tabLst>
-              <a:defRPr>
-                <a:solidFill>
-                  <a:schemeClr val="tx1"/>
-                </a:solidFill>
-                <a:latin typeface="Arial" charset="0"/>
-                <a:ea typeface="ＭＳ Ｐゴシック" charset="0"/>
-              </a:defRPr>
-            </a:lvl2pPr>
-            <a:lvl3pPr marL="587375" indent="-195263" defTabSz="407988">
-              <a:tabLst>
-                <a:tab pos="657225" algn="l"/>
-              </a:tabLst>
-              <a:defRPr>
-                <a:solidFill>
-                  <a:schemeClr val="tx1"/>
-                </a:solidFill>
-                <a:latin typeface="Arial" charset="0"/>
-                <a:ea typeface="ＭＳ Ｐゴシック" charset="0"/>
-              </a:defRPr>
-            </a:lvl3pPr>
-            <a:lvl4pPr marL="782638" indent="-195263" defTabSz="407988">
-              <a:tabLst>
-                <a:tab pos="657225" algn="l"/>
-              </a:tabLst>
-              <a:defRPr>
-                <a:solidFill>
-                  <a:schemeClr val="tx1"/>
-                </a:solidFill>
-                <a:latin typeface="Arial" charset="0"/>
-                <a:ea typeface="ＭＳ Ｐゴシック" charset="0"/>
-              </a:defRPr>
-            </a:lvl4pPr>
-            <a:lvl5pPr marL="979488" indent="-196850" defTabSz="407988">
-              <a:tabLst>
-                <a:tab pos="657225" algn="l"/>
-              </a:tabLst>
-              <a:defRPr>
-                <a:solidFill>
-                  <a:schemeClr val="tx1"/>
-                </a:solidFill>
-                <a:latin typeface="Arial" charset="0"/>
-                <a:ea typeface="ＭＳ Ｐゴシック" charset="0"/>
-              </a:defRPr>
-            </a:lvl5pPr>
-            <a:lvl6pPr marL="1436688" indent="-196850" defTabSz="407988" fontAlgn="base">
-              <a:spcBef>
-                <a:spcPct val="0"/>
-              </a:spcBef>
-              <a:spcAft>
-                <a:spcPct val="0"/>
-              </a:spcAft>
-              <a:tabLst>
-                <a:tab pos="657225" algn="l"/>
-              </a:tabLst>
-              <a:defRPr>
-                <a:solidFill>
-                  <a:schemeClr val="tx1"/>
-                </a:solidFill>
-                <a:latin typeface="Arial" charset="0"/>
-                <a:ea typeface="ＭＳ Ｐゴシック" charset="0"/>
-              </a:defRPr>
-            </a:lvl6pPr>
-            <a:lvl7pPr marL="1893888" indent="-196850" defTabSz="407988" fontAlgn="base">
-              <a:spcBef>
-                <a:spcPct val="0"/>
-              </a:spcBef>
-              <a:spcAft>
-                <a:spcPct val="0"/>
-              </a:spcAft>
-              <a:tabLst>
-                <a:tab pos="657225" algn="l"/>
-              </a:tabLst>
-              <a:defRPr>
-                <a:solidFill>
-                  <a:schemeClr val="tx1"/>
-                </a:solidFill>
-                <a:latin typeface="Arial" charset="0"/>
-                <a:ea typeface="ＭＳ Ｐゴシック" charset="0"/>
-              </a:defRPr>
-            </a:lvl7pPr>
-            <a:lvl8pPr marL="2351088" indent="-196850" defTabSz="407988" fontAlgn="base">
-              <a:spcBef>
-                <a:spcPct val="0"/>
-              </a:spcBef>
-              <a:spcAft>
-                <a:spcPct val="0"/>
-              </a:spcAft>
-              <a:tabLst>
-                <a:tab pos="657225" algn="l"/>
-              </a:tabLst>
-              <a:defRPr>
-                <a:solidFill>
-                  <a:schemeClr val="tx1"/>
-                </a:solidFill>
-                <a:latin typeface="Arial" charset="0"/>
-                <a:ea typeface="ＭＳ Ｐゴシック" charset="0"/>
-              </a:defRPr>
-            </a:lvl8pPr>
-            <a:lvl9pPr marL="2808288" indent="-196850" defTabSz="407988" fontAlgn="base">
-              <a:spcBef>
-                <a:spcPct val="0"/>
-              </a:spcBef>
-              <a:spcAft>
-                <a:spcPct val="0"/>
-              </a:spcAft>
-              <a:tabLst>
-                <a:tab pos="657225" algn="l"/>
-              </a:tabLst>
-              <a:defRPr>
-                <a:solidFill>
-                  <a:schemeClr val="tx1"/>
-                </a:solidFill>
-                <a:latin typeface="Arial" charset="0"/>
-                <a:ea typeface="ＭＳ Ｐゴシック" charset="0"/>
-              </a:defRPr>
-            </a:lvl9pPr>
-          </a:lstStyle>
-          <a:p>
-            <a:pPr eaLnBrk="1">
-              <a:lnSpc>
-                <a:spcPct val="93000"/>
-              </a:lnSpc>
-              <a:buClr>
-                <a:srgbClr val="000000"/>
-              </a:buClr>
-              <a:buSzPct val="45000"/>
-              <a:buFont typeface="Wingdings" charset="0"/>
-              <a:buNone/>
-              <a:defRPr/>
-            </a:pPr>
-            <a:r>
-              <a:rPr lang="fi-FI" sz="2500" b="1">
-                <a:solidFill>
-                  <a:srgbClr val="000000"/>
-                </a:solidFill>
-                <a:cs typeface="宋体" charset="0"/>
-              </a:rPr>
-              <a:t>PDFs</a:t>
-            </a:r>
-          </a:p>
-        </p:txBody>
-      </p:sp>
-      <p:sp>
-        <p:nvSpPr>
-          <p:cNvPr id="29702" name="Text Box 9">
-            <a:extLst>
-              <a:ext uri="{FF2B5EF4-FFF2-40B4-BE49-F238E27FC236}">
-                <a16:creationId xmlns:a16="http://schemas.microsoft.com/office/drawing/2014/main" id="{B21A26AC-F260-1B4C-A4F7-4B7ED3891FDA}"/>
-              </a:ext>
-            </a:extLst>
-          </p:cNvPr>
-          <p:cNvSpPr txBox="1">
-            <a:spLocks noChangeArrowheads="1"/>
-          </p:cNvSpPr>
-          <p:nvPr/>
-        </p:nvSpPr>
-        <p:spPr bwMode="auto">
-          <a:xfrm>
-            <a:off x="2772833" y="5395384"/>
-            <a:ext cx="162984" cy="387349"/>
-          </a:xfrm>
-          <a:prstGeom prst="rect">
-            <a:avLst/>
-          </a:prstGeom>
-          <a:noFill/>
-          <a:ln>
-            <a:noFill/>
-          </a:ln>
-          <a:extLst>
-            <a:ext uri="{909E8E84-426E-40DD-AFC4-6F175D3DCCD1}">
-              <a14:hiddenFill xmlns:a14="http://schemas.microsoft.com/office/drawing/2010/main">
-                <a:solidFill>
-                  <a:srgbClr val="FFFFFF"/>
-                </a:solidFill>
-              </a14:hiddenFill>
-            </a:ext>
-            <a:ext uri="{91240B29-F687-4F45-9708-019B960494DF}">
-              <a14:hiddenLine xmlns:a14="http://schemas.microsoft.com/office/drawing/2010/main" w="9525">
-                <a:solidFill>
-                  <a:srgbClr val="000000"/>
-                </a:solidFill>
-                <a:miter lim="800000"/>
-                <a:headEnd/>
-                <a:tailEnd/>
-              </a14:hiddenLine>
-            </a:ext>
-          </a:extLst>
-        </p:spPr>
-        <p:txBody>
-          <a:bodyPr wrap="none" anchor="ctr"/>
-          <a:lstStyle>
-            <a:lvl1pPr>
-              <a:defRPr>
-                <a:solidFill>
-                  <a:schemeClr val="tx1"/>
-                </a:solidFill>
-                <a:latin typeface="Arial" panose="020B0604020202020204" pitchFamily="34" charset="0"/>
-                <a:ea typeface="宋体" panose="02010600030101010101" pitchFamily="2" charset="-122"/>
-              </a:defRPr>
-            </a:lvl1pPr>
-            <a:lvl2pPr marL="742950" indent="-285750">
-              <a:defRPr>
-                <a:solidFill>
-                  <a:schemeClr val="tx1"/>
-                </a:solidFill>
-                <a:latin typeface="Arial" panose="020B0604020202020204" pitchFamily="34" charset="0"/>
-                <a:ea typeface="宋体" panose="02010600030101010101" pitchFamily="2" charset="-122"/>
-              </a:defRPr>
-            </a:lvl2pPr>
-            <a:lvl3pPr marL="1143000" indent="-228600">
-              <a:defRPr>
-                <a:solidFill>
-                  <a:schemeClr val="tx1"/>
-                </a:solidFill>
-                <a:latin typeface="Arial" panose="020B0604020202020204" pitchFamily="34" charset="0"/>
-                <a:ea typeface="宋体" panose="02010600030101010101" pitchFamily="2" charset="-122"/>
-              </a:defRPr>
-            </a:lvl3pPr>
-            <a:lvl4pPr marL="1600200" indent="-228600">
-              <a:defRPr>
-                <a:solidFill>
-                  <a:schemeClr val="tx1"/>
-                </a:solidFill>
-                <a:latin typeface="Arial" panose="020B0604020202020204" pitchFamily="34" charset="0"/>
-                <a:ea typeface="宋体" panose="02010600030101010101" pitchFamily="2" charset="-122"/>
-              </a:defRPr>
-            </a:lvl4pPr>
-            <a:lvl5pPr marL="2057400" indent="-228600">
-              <a:defRPr>
-                <a:solidFill>
-                  <a:schemeClr val="tx1"/>
-                </a:solidFill>
-                <a:latin typeface="Arial" panose="020B0604020202020204" pitchFamily="34" charset="0"/>
-                <a:ea typeface="宋体" panose="02010600030101010101" pitchFamily="2" charset="-122"/>
-              </a:defRPr>
-            </a:lvl5pPr>
-            <a:lvl6pPr marL="2514600" indent="-228600" eaLnBrk="0" fontAlgn="base" hangingPunct="0">
-              <a:spcBef>
-                <a:spcPct val="0"/>
-              </a:spcBef>
-              <a:spcAft>
-                <a:spcPct val="0"/>
-              </a:spcAft>
-              <a:defRPr>
-                <a:solidFill>
-                  <a:schemeClr val="tx1"/>
-                </a:solidFill>
-                <a:latin typeface="Arial" panose="020B0604020202020204" pitchFamily="34" charset="0"/>
-                <a:ea typeface="宋体" panose="02010600030101010101" pitchFamily="2" charset="-122"/>
-              </a:defRPr>
-            </a:lvl6pPr>
-            <a:lvl7pPr marL="2971800" indent="-228600" eaLnBrk="0" fontAlgn="base" hangingPunct="0">
-              <a:spcBef>
-                <a:spcPct val="0"/>
-              </a:spcBef>
-              <a:spcAft>
-                <a:spcPct val="0"/>
-              </a:spcAft>
-              <a:defRPr>
-                <a:solidFill>
-                  <a:schemeClr val="tx1"/>
-                </a:solidFill>
-                <a:latin typeface="Arial" panose="020B0604020202020204" pitchFamily="34" charset="0"/>
-                <a:ea typeface="宋体" panose="02010600030101010101" pitchFamily="2" charset="-122"/>
-              </a:defRPr>
-            </a:lvl7pPr>
-            <a:lvl8pPr marL="3429000" indent="-228600" eaLnBrk="0" fontAlgn="base" hangingPunct="0">
-              <a:spcBef>
-                <a:spcPct val="0"/>
-              </a:spcBef>
-              <a:spcAft>
-                <a:spcPct val="0"/>
-              </a:spcAft>
-              <a:defRPr>
-                <a:solidFill>
-                  <a:schemeClr val="tx1"/>
-                </a:solidFill>
-                <a:latin typeface="Arial" panose="020B0604020202020204" pitchFamily="34" charset="0"/>
-                <a:ea typeface="宋体" panose="02010600030101010101" pitchFamily="2" charset="-122"/>
-              </a:defRPr>
-            </a:lvl8pPr>
-            <a:lvl9pPr marL="3886200" indent="-228600" eaLnBrk="0" fontAlgn="base" hangingPunct="0">
-              <a:spcBef>
-                <a:spcPct val="0"/>
-              </a:spcBef>
-              <a:spcAft>
-                <a:spcPct val="0"/>
-              </a:spcAft>
-              <a:defRPr>
-                <a:solidFill>
-                  <a:schemeClr val="tx1"/>
-                </a:solidFill>
-                <a:latin typeface="Arial" panose="020B0604020202020204" pitchFamily="34" charset="0"/>
-                <a:ea typeface="宋体" panose="02010600030101010101" pitchFamily="2" charset="-122"/>
-              </a:defRPr>
-            </a:lvl9pPr>
-          </a:lstStyle>
-          <a:p>
-            <a:pPr eaLnBrk="1" hangingPunct="1"/>
-            <a:endParaRPr lang="en-US" altLang="en-US" sz="2400"/>
-          </a:p>
-        </p:txBody>
-      </p:sp>
-      <p:sp>
-        <p:nvSpPr>
-          <p:cNvPr id="169994" name="Text Box 10">
-            <a:extLst>
-              <a:ext uri="{FF2B5EF4-FFF2-40B4-BE49-F238E27FC236}">
-                <a16:creationId xmlns:a16="http://schemas.microsoft.com/office/drawing/2014/main" id="{2878A735-9DC5-A943-AD5F-FC907D7CA66A}"/>
-              </a:ext>
-            </a:extLst>
-          </p:cNvPr>
-          <p:cNvSpPr txBox="1">
-            <a:spLocks noChangeArrowheads="1"/>
-          </p:cNvSpPr>
-          <p:nvPr/>
-        </p:nvSpPr>
-        <p:spPr bwMode="auto">
-          <a:xfrm>
-            <a:off x="7315201" y="2770717"/>
-            <a:ext cx="2713567" cy="440267"/>
-          </a:xfrm>
-          <a:prstGeom prst="rect">
-            <a:avLst/>
-          </a:prstGeom>
-          <a:noFill/>
-          <a:ln>
-            <a:noFill/>
-          </a:ln>
-          <a:effectLst/>
-        </p:spPr>
-        <p:txBody>
-          <a:bodyPr lIns="81631" tIns="40816" rIns="81631" bIns="40816"/>
-          <a:lstStyle>
-            <a:lvl1pPr defTabSz="407988">
-              <a:tabLst>
-                <a:tab pos="657225" algn="l"/>
-                <a:tab pos="1312863" algn="l"/>
-                <a:tab pos="1970088" algn="l"/>
-                <a:tab pos="2627313" algn="l"/>
-              </a:tabLst>
-              <a:defRPr>
-                <a:solidFill>
-                  <a:schemeClr val="tx1"/>
-                </a:solidFill>
-                <a:latin typeface="Arial" charset="0"/>
-                <a:ea typeface="ＭＳ Ｐゴシック" charset="0"/>
-              </a:defRPr>
-            </a:lvl1pPr>
-            <a:lvl2pPr marL="392113" indent="-196850" defTabSz="407988">
-              <a:tabLst>
-                <a:tab pos="657225" algn="l"/>
-                <a:tab pos="1312863" algn="l"/>
-                <a:tab pos="1970088" algn="l"/>
-                <a:tab pos="2627313" algn="l"/>
-              </a:tabLst>
-              <a:defRPr>
-                <a:solidFill>
-                  <a:schemeClr val="tx1"/>
-                </a:solidFill>
-                <a:latin typeface="Arial" charset="0"/>
-                <a:ea typeface="ＭＳ Ｐゴシック" charset="0"/>
-              </a:defRPr>
-            </a:lvl2pPr>
-            <a:lvl3pPr marL="587375" indent="-195263" defTabSz="407988">
-              <a:tabLst>
-                <a:tab pos="657225" algn="l"/>
-                <a:tab pos="1312863" algn="l"/>
-                <a:tab pos="1970088" algn="l"/>
-                <a:tab pos="2627313" algn="l"/>
-              </a:tabLst>
-              <a:defRPr>
-                <a:solidFill>
-                  <a:schemeClr val="tx1"/>
-                </a:solidFill>
-                <a:latin typeface="Arial" charset="0"/>
-                <a:ea typeface="ＭＳ Ｐゴシック" charset="0"/>
-              </a:defRPr>
-            </a:lvl3pPr>
-            <a:lvl4pPr marL="782638" indent="-195263" defTabSz="407988">
-              <a:tabLst>
-                <a:tab pos="657225" algn="l"/>
-                <a:tab pos="1312863" algn="l"/>
-                <a:tab pos="1970088" algn="l"/>
-                <a:tab pos="2627313" algn="l"/>
-              </a:tabLst>
-              <a:defRPr>
-                <a:solidFill>
-                  <a:schemeClr val="tx1"/>
-                </a:solidFill>
-                <a:latin typeface="Arial" charset="0"/>
-                <a:ea typeface="ＭＳ Ｐゴシック" charset="0"/>
-              </a:defRPr>
-            </a:lvl4pPr>
-            <a:lvl5pPr marL="979488" indent="-196850" defTabSz="407988">
-              <a:tabLst>
-                <a:tab pos="657225" algn="l"/>
-                <a:tab pos="1312863" algn="l"/>
-                <a:tab pos="1970088" algn="l"/>
-                <a:tab pos="2627313" algn="l"/>
-              </a:tabLst>
-              <a:defRPr>
-                <a:solidFill>
-                  <a:schemeClr val="tx1"/>
-                </a:solidFill>
-                <a:latin typeface="Arial" charset="0"/>
-                <a:ea typeface="ＭＳ Ｐゴシック" charset="0"/>
-              </a:defRPr>
-            </a:lvl5pPr>
-            <a:lvl6pPr marL="1436688" indent="-196850" defTabSz="407988" fontAlgn="base">
-              <a:spcBef>
-                <a:spcPct val="0"/>
-              </a:spcBef>
-              <a:spcAft>
-                <a:spcPct val="0"/>
-              </a:spcAft>
-              <a:tabLst>
-                <a:tab pos="657225" algn="l"/>
-                <a:tab pos="1312863" algn="l"/>
-                <a:tab pos="1970088" algn="l"/>
-                <a:tab pos="2627313" algn="l"/>
-              </a:tabLst>
-              <a:defRPr>
-                <a:solidFill>
-                  <a:schemeClr val="tx1"/>
-                </a:solidFill>
-                <a:latin typeface="Arial" charset="0"/>
-                <a:ea typeface="ＭＳ Ｐゴシック" charset="0"/>
-              </a:defRPr>
-            </a:lvl6pPr>
-            <a:lvl7pPr marL="1893888" indent="-196850" defTabSz="407988" fontAlgn="base">
-              <a:spcBef>
-                <a:spcPct val="0"/>
-              </a:spcBef>
-              <a:spcAft>
-                <a:spcPct val="0"/>
-              </a:spcAft>
-              <a:tabLst>
-                <a:tab pos="657225" algn="l"/>
-                <a:tab pos="1312863" algn="l"/>
-                <a:tab pos="1970088" algn="l"/>
-                <a:tab pos="2627313" algn="l"/>
-              </a:tabLst>
-              <a:defRPr>
-                <a:solidFill>
-                  <a:schemeClr val="tx1"/>
-                </a:solidFill>
-                <a:latin typeface="Arial" charset="0"/>
-                <a:ea typeface="ＭＳ Ｐゴシック" charset="0"/>
-              </a:defRPr>
-            </a:lvl7pPr>
-            <a:lvl8pPr marL="2351088" indent="-196850" defTabSz="407988" fontAlgn="base">
-              <a:spcBef>
-                <a:spcPct val="0"/>
-              </a:spcBef>
-              <a:spcAft>
-                <a:spcPct val="0"/>
-              </a:spcAft>
-              <a:tabLst>
-                <a:tab pos="657225" algn="l"/>
-                <a:tab pos="1312863" algn="l"/>
-                <a:tab pos="1970088" algn="l"/>
-                <a:tab pos="2627313" algn="l"/>
-              </a:tabLst>
-              <a:defRPr>
-                <a:solidFill>
-                  <a:schemeClr val="tx1"/>
-                </a:solidFill>
-                <a:latin typeface="Arial" charset="0"/>
-                <a:ea typeface="ＭＳ Ｐゴシック" charset="0"/>
-              </a:defRPr>
-            </a:lvl8pPr>
-            <a:lvl9pPr marL="2808288" indent="-196850" defTabSz="407988" fontAlgn="base">
-              <a:spcBef>
-                <a:spcPct val="0"/>
-              </a:spcBef>
-              <a:spcAft>
-                <a:spcPct val="0"/>
-              </a:spcAft>
-              <a:tabLst>
-                <a:tab pos="657225" algn="l"/>
-                <a:tab pos="1312863" algn="l"/>
-                <a:tab pos="1970088" algn="l"/>
-                <a:tab pos="2627313" algn="l"/>
-              </a:tabLst>
-              <a:defRPr>
-                <a:solidFill>
-                  <a:schemeClr val="tx1"/>
-                </a:solidFill>
-                <a:latin typeface="Arial" charset="0"/>
-                <a:ea typeface="ＭＳ Ｐゴシック" charset="0"/>
-              </a:defRPr>
-            </a:lvl9pPr>
-          </a:lstStyle>
-          <a:p>
-            <a:pPr eaLnBrk="1">
-              <a:lnSpc>
-                <a:spcPct val="93000"/>
-              </a:lnSpc>
-              <a:buClr>
-                <a:srgbClr val="000000"/>
-              </a:buClr>
-              <a:buSzPct val="45000"/>
-              <a:buFont typeface="Wingdings" charset="0"/>
-              <a:buNone/>
-              <a:defRPr/>
-            </a:pPr>
-            <a:r>
-              <a:rPr lang="fi-FI" sz="2500" b="1">
-                <a:solidFill>
-                  <a:srgbClr val="000000"/>
-                </a:solidFill>
-                <a:cs typeface="宋体" charset="0"/>
-              </a:rPr>
-              <a:t>Excel sheets</a:t>
-            </a:r>
-          </a:p>
-        </p:txBody>
-      </p:sp>
-      <p:sp>
-        <p:nvSpPr>
-          <p:cNvPr id="169995" name="Text Box 11">
-            <a:extLst>
-              <a:ext uri="{FF2B5EF4-FFF2-40B4-BE49-F238E27FC236}">
-                <a16:creationId xmlns:a16="http://schemas.microsoft.com/office/drawing/2014/main" id="{534F0523-7261-9341-9960-2018750EB499}"/>
-              </a:ext>
-            </a:extLst>
-          </p:cNvPr>
-          <p:cNvSpPr txBox="1">
-            <a:spLocks noChangeArrowheads="1"/>
-          </p:cNvSpPr>
-          <p:nvPr/>
-        </p:nvSpPr>
-        <p:spPr bwMode="auto">
-          <a:xfrm>
-            <a:off x="7620001" y="4370918"/>
-            <a:ext cx="2713567" cy="442383"/>
-          </a:xfrm>
-          <a:prstGeom prst="rect">
-            <a:avLst/>
-          </a:prstGeom>
-          <a:noFill/>
-          <a:ln>
-            <a:noFill/>
-          </a:ln>
-          <a:effectLst/>
-        </p:spPr>
-        <p:txBody>
-          <a:bodyPr lIns="81631" tIns="40816" rIns="81631" bIns="40816"/>
-          <a:lstStyle>
-            <a:lvl1pPr defTabSz="407988">
-              <a:tabLst>
-                <a:tab pos="657225" algn="l"/>
-                <a:tab pos="1312863" algn="l"/>
-                <a:tab pos="1970088" algn="l"/>
-                <a:tab pos="2627313" algn="l"/>
-              </a:tabLst>
-              <a:defRPr>
-                <a:solidFill>
-                  <a:schemeClr val="tx1"/>
-                </a:solidFill>
-                <a:latin typeface="Arial" charset="0"/>
-                <a:ea typeface="ＭＳ Ｐゴシック" charset="0"/>
-              </a:defRPr>
-            </a:lvl1pPr>
-            <a:lvl2pPr marL="392113" indent="-196850" defTabSz="407988">
-              <a:tabLst>
-                <a:tab pos="657225" algn="l"/>
-                <a:tab pos="1312863" algn="l"/>
-                <a:tab pos="1970088" algn="l"/>
-                <a:tab pos="2627313" algn="l"/>
-              </a:tabLst>
-              <a:defRPr>
-                <a:solidFill>
-                  <a:schemeClr val="tx1"/>
-                </a:solidFill>
-                <a:latin typeface="Arial" charset="0"/>
-                <a:ea typeface="ＭＳ Ｐゴシック" charset="0"/>
-              </a:defRPr>
-            </a:lvl2pPr>
-            <a:lvl3pPr marL="587375" indent="-195263" defTabSz="407988">
-              <a:tabLst>
-                <a:tab pos="657225" algn="l"/>
-                <a:tab pos="1312863" algn="l"/>
-                <a:tab pos="1970088" algn="l"/>
-                <a:tab pos="2627313" algn="l"/>
-              </a:tabLst>
-              <a:defRPr>
-                <a:solidFill>
-                  <a:schemeClr val="tx1"/>
-                </a:solidFill>
-                <a:latin typeface="Arial" charset="0"/>
-                <a:ea typeface="ＭＳ Ｐゴシック" charset="0"/>
-              </a:defRPr>
-            </a:lvl3pPr>
-            <a:lvl4pPr marL="782638" indent="-195263" defTabSz="407988">
-              <a:tabLst>
-                <a:tab pos="657225" algn="l"/>
-                <a:tab pos="1312863" algn="l"/>
-                <a:tab pos="1970088" algn="l"/>
-                <a:tab pos="2627313" algn="l"/>
-              </a:tabLst>
-              <a:defRPr>
-                <a:solidFill>
-                  <a:schemeClr val="tx1"/>
-                </a:solidFill>
-                <a:latin typeface="Arial" charset="0"/>
-                <a:ea typeface="ＭＳ Ｐゴシック" charset="0"/>
-              </a:defRPr>
-            </a:lvl4pPr>
-            <a:lvl5pPr marL="979488" indent="-196850" defTabSz="407988">
-              <a:tabLst>
-                <a:tab pos="657225" algn="l"/>
-                <a:tab pos="1312863" algn="l"/>
-                <a:tab pos="1970088" algn="l"/>
-                <a:tab pos="2627313" algn="l"/>
-              </a:tabLst>
-              <a:defRPr>
-                <a:solidFill>
-                  <a:schemeClr val="tx1"/>
-                </a:solidFill>
-                <a:latin typeface="Arial" charset="0"/>
-                <a:ea typeface="ＭＳ Ｐゴシック" charset="0"/>
-              </a:defRPr>
-            </a:lvl5pPr>
-            <a:lvl6pPr marL="1436688" indent="-196850" defTabSz="407988" fontAlgn="base">
-              <a:spcBef>
-                <a:spcPct val="0"/>
-              </a:spcBef>
-              <a:spcAft>
-                <a:spcPct val="0"/>
-              </a:spcAft>
-              <a:tabLst>
-                <a:tab pos="657225" algn="l"/>
-                <a:tab pos="1312863" algn="l"/>
-                <a:tab pos="1970088" algn="l"/>
-                <a:tab pos="2627313" algn="l"/>
-              </a:tabLst>
-              <a:defRPr>
-                <a:solidFill>
-                  <a:schemeClr val="tx1"/>
-                </a:solidFill>
-                <a:latin typeface="Arial" charset="0"/>
-                <a:ea typeface="ＭＳ Ｐゴシック" charset="0"/>
-              </a:defRPr>
-            </a:lvl6pPr>
-            <a:lvl7pPr marL="1893888" indent="-196850" defTabSz="407988" fontAlgn="base">
-              <a:spcBef>
-                <a:spcPct val="0"/>
-              </a:spcBef>
-              <a:spcAft>
-                <a:spcPct val="0"/>
-              </a:spcAft>
-              <a:tabLst>
-                <a:tab pos="657225" algn="l"/>
-                <a:tab pos="1312863" algn="l"/>
-                <a:tab pos="1970088" algn="l"/>
-                <a:tab pos="2627313" algn="l"/>
-              </a:tabLst>
-              <a:defRPr>
-                <a:solidFill>
-                  <a:schemeClr val="tx1"/>
-                </a:solidFill>
-                <a:latin typeface="Arial" charset="0"/>
-                <a:ea typeface="ＭＳ Ｐゴシック" charset="0"/>
-              </a:defRPr>
-            </a:lvl7pPr>
-            <a:lvl8pPr marL="2351088" indent="-196850" defTabSz="407988" fontAlgn="base">
-              <a:spcBef>
-                <a:spcPct val="0"/>
-              </a:spcBef>
-              <a:spcAft>
-                <a:spcPct val="0"/>
-              </a:spcAft>
-              <a:tabLst>
-                <a:tab pos="657225" algn="l"/>
-                <a:tab pos="1312863" algn="l"/>
-                <a:tab pos="1970088" algn="l"/>
-                <a:tab pos="2627313" algn="l"/>
-              </a:tabLst>
-              <a:defRPr>
-                <a:solidFill>
-                  <a:schemeClr val="tx1"/>
-                </a:solidFill>
-                <a:latin typeface="Arial" charset="0"/>
-                <a:ea typeface="ＭＳ Ｐゴシック" charset="0"/>
-              </a:defRPr>
-            </a:lvl8pPr>
-            <a:lvl9pPr marL="2808288" indent="-196850" defTabSz="407988" fontAlgn="base">
-              <a:spcBef>
-                <a:spcPct val="0"/>
-              </a:spcBef>
-              <a:spcAft>
-                <a:spcPct val="0"/>
-              </a:spcAft>
-              <a:tabLst>
-                <a:tab pos="657225" algn="l"/>
-                <a:tab pos="1312863" algn="l"/>
-                <a:tab pos="1970088" algn="l"/>
-                <a:tab pos="2627313" algn="l"/>
-              </a:tabLst>
-              <a:defRPr>
-                <a:solidFill>
-                  <a:schemeClr val="tx1"/>
-                </a:solidFill>
-                <a:latin typeface="Arial" charset="0"/>
-                <a:ea typeface="ＭＳ Ｐゴシック" charset="0"/>
-              </a:defRPr>
-            </a:lvl9pPr>
-          </a:lstStyle>
-          <a:p>
-            <a:pPr algn="ctr" eaLnBrk="1">
-              <a:lnSpc>
-                <a:spcPct val="93000"/>
-              </a:lnSpc>
-              <a:buClr>
-                <a:srgbClr val="000000"/>
-              </a:buClr>
-              <a:buSzPct val="45000"/>
-              <a:buFont typeface="Wingdings" charset="0"/>
-              <a:buNone/>
-              <a:defRPr/>
-            </a:pPr>
-            <a:r>
-              <a:rPr lang="fi-FI" sz="2500" b="1">
-                <a:solidFill>
-                  <a:srgbClr val="000000"/>
-                </a:solidFill>
-                <a:cs typeface="宋体" charset="0"/>
-              </a:rPr>
-              <a:t>Images</a:t>
-            </a:r>
-          </a:p>
-        </p:txBody>
-      </p:sp>
-      <p:pic>
-        <p:nvPicPr>
-          <p:cNvPr id="29705" name="Picture 5">
-            <a:extLst>
-              <a:ext uri="{FF2B5EF4-FFF2-40B4-BE49-F238E27FC236}">
-                <a16:creationId xmlns:a16="http://schemas.microsoft.com/office/drawing/2014/main" id="{D2C054A2-4241-0449-832D-72EFB17CDD3A}"/>
-              </a:ext>
-            </a:extLst>
-          </p:cNvPr>
-          <p:cNvPicPr>
-            <a:picLocks noChangeAspect="1" noChangeArrowheads="1"/>
-          </p:cNvPicPr>
-          <p:nvPr/>
-        </p:nvPicPr>
-        <p:blipFill>
-          <a:blip r:embed="rId5">
-            <a:extLst>
-              <a:ext uri="{28A0092B-C50C-407E-A947-70E740481C1C}">
-                <a14:useLocalDpi xmlns:a14="http://schemas.microsoft.com/office/drawing/2010/main" val="0"/>
-              </a:ext>
-            </a:extLst>
-          </a:blip>
-          <a:srcRect/>
-          <a:stretch>
-            <a:fillRect/>
-          </a:stretch>
-        </p:blipFill>
-        <p:spPr bwMode="auto">
-          <a:xfrm>
-            <a:off x="5334001" y="4751917"/>
-            <a:ext cx="4900084" cy="1420283"/>
-          </a:xfrm>
-          <a:prstGeom prst="rect">
-            <a:avLst/>
-          </a:prstGeom>
-          <a:noFill/>
-          <a:ln>
-            <a:noFill/>
-          </a:ln>
-          <a:extLst>
-            <a:ext uri="{909E8E84-426E-40DD-AFC4-6F175D3DCCD1}">
-              <a14:hiddenFill xmlns:a14="http://schemas.microsoft.com/office/drawing/2010/main">
-                <a:solidFill>
-                  <a:srgbClr val="FFFFFF"/>
-                </a:solidFill>
-              </a14:hiddenFill>
-            </a:ext>
-            <a:ext uri="{91240B29-F687-4F45-9708-019B960494DF}">
-              <a14:hiddenLine xmlns:a14="http://schemas.microsoft.com/office/drawing/2010/main" w="9525">
-                <a:solidFill>
-                  <a:srgbClr val="000000"/>
-                </a:solidFill>
-                <a:miter lim="800000"/>
-                <a:headEnd/>
-                <a:tailEnd/>
-              </a14:hiddenLine>
-            </a:ext>
-          </a:extLst>
-        </p:spPr>
-      </p:pic>
-      <p:sp>
-        <p:nvSpPr>
-          <p:cNvPr id="29706" name="Slide Number Placeholder 1">
-            <a:extLst>
-              <a:ext uri="{FF2B5EF4-FFF2-40B4-BE49-F238E27FC236}">
-                <a16:creationId xmlns:a16="http://schemas.microsoft.com/office/drawing/2014/main" id="{804F7333-184D-6B44-8514-937A04DCBBC4}"/>
+                <a16:creationId xmlns:a16="http://schemas.microsoft.com/office/drawing/2014/main" id="{5A768221-E23F-C741-A8E0-B756F5F73522}"/>
               </a:ext>
             </a:extLst>
           </p:cNvPr>
@@ -9589,7 +8351,7 @@
               <a:buFontTx/>
               <a:buNone/>
             </a:pPr>
-            <a:fld id="{0E47D225-5875-6746-B745-DB667EBBEB81}" type="slidenum">
+            <a:fld id="{BEB7CD5F-7443-784D-8591-1CF2BC7B1754}" type="slidenum">
               <a:rPr lang="en-US" altLang="en-US" sz="1333">
                 <a:ea typeface="宋体" panose="02010600030101010101" pitchFamily="2" charset="-122"/>
               </a:rPr>
@@ -9601,257 +8363,6 @@
                 <a:buNone/>
               </a:pPr>
               <a:t>10</a:t>
-            </a:fld>
-            <a:endParaRPr lang="en-US" altLang="en-US" sz="1333">
-              <a:ea typeface="宋体" panose="02010600030101010101" pitchFamily="2" charset="-122"/>
-            </a:endParaRPr>
-          </a:p>
-        </p:txBody>
-      </p:sp>
-    </p:spTree>
-  </p:cSld>
-  <p:clrMapOvr>
-    <a:masterClrMapping/>
-  </p:clrMapOvr>
-  <p:transition spd="med"/>
-  <p:timing>
-    <p:tnLst>
-      <p:par>
-        <p:cTn id="1" dur="indefinite" restart="never" nodeType="tmRoot">
-          <p:childTnLst>
-            <p:seq concurrent="1" nextAc="seek">
-              <p:cTn id="2" dur="0" nodeType="mainSeq"/>
-              <p:prevCondLst>
-                <p:cond evt="onPrev" delay="0">
-                  <p:tgtEl>
-                    <p:sldTgt/>
-                  </p:tgtEl>
-                </p:cond>
-              </p:prevCondLst>
-              <p:nextCondLst>
-                <p:cond evt="onNext" delay="0">
-                  <p:tgtEl>
-                    <p:sldTgt/>
-                  </p:tgtEl>
-                </p:cond>
-              </p:nextCondLst>
-            </p:seq>
-          </p:childTnLst>
-        </p:cTn>
-      </p:par>
-    </p:tnLst>
-  </p:timing>
-</p:sld>
-</file>
-
-<file path=ppt/slides/slide11.xml><?xml version="1.0" encoding="utf-8"?>
-<p:sld xmlns:a="http://schemas.openxmlformats.org/drawingml/2006/main" xmlns:r="http://schemas.openxmlformats.org/officeDocument/2006/relationships" xmlns:p="http://schemas.openxmlformats.org/presentationml/2006/main">
-  <p:cSld>
-    <p:spTree>
-      <p:nvGrpSpPr>
-        <p:cNvPr id="1" name=""/>
-        <p:cNvGrpSpPr/>
-        <p:nvPr/>
-      </p:nvGrpSpPr>
-      <p:grpSpPr>
-        <a:xfrm>
-          <a:off x="0" y="0"/>
-          <a:ext cx="0" cy="0"/>
-          <a:chOff x="0" y="0"/>
-          <a:chExt cx="0" cy="0"/>
-        </a:xfrm>
-      </p:grpSpPr>
-      <p:sp>
-        <p:nvSpPr>
-          <p:cNvPr id="31745" name="Slide Number Placeholder 5">
-            <a:extLst>
-              <a:ext uri="{FF2B5EF4-FFF2-40B4-BE49-F238E27FC236}">
-                <a16:creationId xmlns:a16="http://schemas.microsoft.com/office/drawing/2014/main" id="{5A768221-E23F-C741-A8E0-B756F5F73522}"/>
-              </a:ext>
-            </a:extLst>
-          </p:cNvPr>
-          <p:cNvSpPr>
-            <a:spLocks noGrp="1" noChangeArrowheads="1"/>
-          </p:cNvSpPr>
-          <p:nvPr>
-            <p:ph type="sldNum" sz="quarter" idx="12"/>
-          </p:nvPr>
-        </p:nvSpPr>
-        <p:spPr>
-          <a:noFill/>
-          <a:extLst>
-            <a:ext uri="{909E8E84-426E-40DD-AFC4-6F175D3DCCD1}">
-              <a14:hiddenFill xmlns:a14="http://schemas.microsoft.com/office/drawing/2010/main">
-                <a:solidFill>
-                  <a:srgbClr val="FFFFFF"/>
-                </a:solidFill>
-              </a14:hiddenFill>
-            </a:ext>
-            <a:ext uri="{91240B29-F687-4F45-9708-019B960494DF}">
-              <a14:hiddenLine xmlns:a14="http://schemas.microsoft.com/office/drawing/2010/main" w="9525">
-                <a:solidFill>
-                  <a:srgbClr val="000000"/>
-                </a:solidFill>
-                <a:miter lim="800000"/>
-                <a:headEnd/>
-                <a:tailEnd/>
-              </a14:hiddenLine>
-            </a:ext>
-          </a:extLst>
-        </p:spPr>
-        <p:txBody>
-          <a:bodyPr/>
-          <a:lstStyle>
-            <a:lvl1pPr>
-              <a:spcBef>
-                <a:spcPct val="20000"/>
-              </a:spcBef>
-              <a:buChar char="•"/>
-              <a:defRPr sz="2800">
-                <a:solidFill>
-                  <a:schemeClr val="tx1"/>
-                </a:solidFill>
-                <a:latin typeface="Arial" panose="020B0604020202020204" pitchFamily="34" charset="0"/>
-                <a:ea typeface="ＭＳ Ｐゴシック" panose="020B0600070205080204" pitchFamily="34" charset="-128"/>
-              </a:defRPr>
-            </a:lvl1pPr>
-            <a:lvl2pPr marL="742932" indent="-285744">
-              <a:spcBef>
-                <a:spcPct val="20000"/>
-              </a:spcBef>
-              <a:buChar char="–"/>
-              <a:defRPr>
-                <a:solidFill>
-                  <a:schemeClr val="tx1"/>
-                </a:solidFill>
-                <a:latin typeface="Arial" panose="020B0604020202020204" pitchFamily="34" charset="0"/>
-                <a:ea typeface="ＭＳ Ｐゴシック" panose="020B0600070205080204" pitchFamily="34" charset="-128"/>
-              </a:defRPr>
-            </a:lvl2pPr>
-            <a:lvl3pPr marL="1142971" indent="-228594">
-              <a:spcBef>
-                <a:spcPct val="20000"/>
-              </a:spcBef>
-              <a:buChar char="•"/>
-              <a:defRPr>
-                <a:solidFill>
-                  <a:schemeClr val="tx1"/>
-                </a:solidFill>
-                <a:latin typeface="Arial" panose="020B0604020202020204" pitchFamily="34" charset="0"/>
-                <a:ea typeface="ＭＳ Ｐゴシック" panose="020B0600070205080204" pitchFamily="34" charset="-128"/>
-              </a:defRPr>
-            </a:lvl3pPr>
-            <a:lvl4pPr marL="1600160" indent="-228594">
-              <a:spcBef>
-                <a:spcPct val="20000"/>
-              </a:spcBef>
-              <a:buChar char="–"/>
-              <a:defRPr sz="2000">
-                <a:solidFill>
-                  <a:schemeClr val="tx1"/>
-                </a:solidFill>
-                <a:latin typeface="Arial" panose="020B0604020202020204" pitchFamily="34" charset="0"/>
-                <a:ea typeface="ＭＳ Ｐゴシック" panose="020B0600070205080204" pitchFamily="34" charset="-128"/>
-              </a:defRPr>
-            </a:lvl4pPr>
-            <a:lvl5pPr marL="2057349" indent="-228594">
-              <a:spcBef>
-                <a:spcPct val="20000"/>
-              </a:spcBef>
-              <a:buChar char="»"/>
-              <a:defRPr sz="2000">
-                <a:solidFill>
-                  <a:schemeClr val="tx1"/>
-                </a:solidFill>
-                <a:latin typeface="Arial" panose="020B0604020202020204" pitchFamily="34" charset="0"/>
-                <a:ea typeface="ＭＳ Ｐゴシック" panose="020B0600070205080204" pitchFamily="34" charset="-128"/>
-              </a:defRPr>
-            </a:lvl5pPr>
-            <a:lvl6pPr marL="2666933" indent="-228594" eaLnBrk="0" fontAlgn="base" hangingPunct="0">
-              <a:spcBef>
-                <a:spcPct val="20000"/>
-              </a:spcBef>
-              <a:spcAft>
-                <a:spcPct val="0"/>
-              </a:spcAft>
-              <a:buChar char="»"/>
-              <a:defRPr sz="2000">
-                <a:solidFill>
-                  <a:schemeClr val="tx1"/>
-                </a:solidFill>
-                <a:latin typeface="Arial" panose="020B0604020202020204" pitchFamily="34" charset="0"/>
-                <a:ea typeface="ＭＳ Ｐゴシック" panose="020B0600070205080204" pitchFamily="34" charset="-128"/>
-              </a:defRPr>
-            </a:lvl6pPr>
-            <a:lvl7pPr marL="3276518" indent="-228594" eaLnBrk="0" fontAlgn="base" hangingPunct="0">
-              <a:spcBef>
-                <a:spcPct val="20000"/>
-              </a:spcBef>
-              <a:spcAft>
-                <a:spcPct val="0"/>
-              </a:spcAft>
-              <a:buChar char="»"/>
-              <a:defRPr sz="2000">
-                <a:solidFill>
-                  <a:schemeClr val="tx1"/>
-                </a:solidFill>
-                <a:latin typeface="Arial" panose="020B0604020202020204" pitchFamily="34" charset="0"/>
-                <a:ea typeface="ＭＳ Ｐゴシック" panose="020B0600070205080204" pitchFamily="34" charset="-128"/>
-              </a:defRPr>
-            </a:lvl7pPr>
-            <a:lvl8pPr marL="3886103" indent="-228594" eaLnBrk="0" fontAlgn="base" hangingPunct="0">
-              <a:spcBef>
-                <a:spcPct val="20000"/>
-              </a:spcBef>
-              <a:spcAft>
-                <a:spcPct val="0"/>
-              </a:spcAft>
-              <a:buChar char="»"/>
-              <a:defRPr sz="2000">
-                <a:solidFill>
-                  <a:schemeClr val="tx1"/>
-                </a:solidFill>
-                <a:latin typeface="Arial" panose="020B0604020202020204" pitchFamily="34" charset="0"/>
-                <a:ea typeface="ＭＳ Ｐゴシック" panose="020B0600070205080204" pitchFamily="34" charset="-128"/>
-              </a:defRPr>
-            </a:lvl8pPr>
-            <a:lvl9pPr marL="4495688" indent="-228594" eaLnBrk="0" fontAlgn="base" hangingPunct="0">
-              <a:spcBef>
-                <a:spcPct val="20000"/>
-              </a:spcBef>
-              <a:spcAft>
-                <a:spcPct val="0"/>
-              </a:spcAft>
-              <a:buChar char="»"/>
-              <a:defRPr sz="2000">
-                <a:solidFill>
-                  <a:schemeClr val="tx1"/>
-                </a:solidFill>
-                <a:latin typeface="Arial" panose="020B0604020202020204" pitchFamily="34" charset="0"/>
-                <a:ea typeface="ＭＳ Ｐゴシック" panose="020B0600070205080204" pitchFamily="34" charset="-128"/>
-              </a:defRPr>
-            </a:lvl9pPr>
-          </a:lstStyle>
-          <a:p>
-            <a:pPr>
-              <a:spcBef>
-                <a:spcPct val="0"/>
-              </a:spcBef>
-              <a:buFontTx/>
-              <a:buNone/>
-            </a:pPr>
-            <a:fld id="{BEB7CD5F-7443-784D-8591-1CF2BC7B1754}" type="slidenum">
-              <a:rPr lang="en-US" altLang="en-US" sz="1333">
-                <a:ea typeface="宋体" panose="02010600030101010101" pitchFamily="2" charset="-122"/>
-              </a:rPr>
-              <a:pPr>
-                <a:spcBef>
-                  <a:spcPct val="0"/>
-                </a:spcBef>
-                <a:buFontTx/>
-                <a:buNone/>
-              </a:pPr>
-              <a:t>11</a:t>
             </a:fld>
             <a:endParaRPr lang="en-US" altLang="en-US" sz="1333">
               <a:ea typeface="宋体" panose="02010600030101010101" pitchFamily="2" charset="-122"/>
@@ -10150,7 +8661,7 @@
 </p:sld>
 </file>
 
-<file path=ppt/slides/slide12.xml><?xml version="1.0" encoding="utf-8"?>
+<file path=ppt/slides/slide11.xml><?xml version="1.0" encoding="utf-8"?>
 <p:sld xmlns:a="http://schemas.openxmlformats.org/drawingml/2006/main" xmlns:r="http://schemas.openxmlformats.org/officeDocument/2006/relationships" xmlns:p="http://schemas.openxmlformats.org/presentationml/2006/main">
   <p:cSld>
     <p:spTree>
@@ -12180,7 +10691,7 @@
 </p:sld>
 </file>
 
-<file path=ppt/slides/slide13.xml><?xml version="1.0" encoding="utf-8"?>
+<file path=ppt/slides/slide12.xml><?xml version="1.0" encoding="utf-8"?>
 <p:sld xmlns:a="http://schemas.openxmlformats.org/drawingml/2006/main" xmlns:r="http://schemas.openxmlformats.org/officeDocument/2006/relationships" xmlns:p="http://schemas.openxmlformats.org/presentationml/2006/main">
   <p:cSld>
     <p:spTree>
@@ -12586,7 +11097,7 @@
                 <a:buFontTx/>
                 <a:buNone/>
               </a:pPr>
-              <a:t>13</a:t>
+              <a:t>12</a:t>
             </a:fld>
             <a:endParaRPr lang="en-US" altLang="en-US" sz="1333">
               <a:ea typeface="宋体" panose="02010600030101010101" pitchFamily="2" charset="-122"/>
@@ -12774,7 +11285,7 @@
 </p:sld>
 </file>
 
-<file path=ppt/slides/slide14.xml><?xml version="1.0" encoding="utf-8"?>
+<file path=ppt/slides/slide13.xml><?xml version="1.0" encoding="utf-8"?>
 <p:sld xmlns:a="http://schemas.openxmlformats.org/drawingml/2006/main" xmlns:r="http://schemas.openxmlformats.org/officeDocument/2006/relationships" xmlns:p="http://schemas.openxmlformats.org/presentationml/2006/main">
   <p:cSld>
     <p:spTree>
@@ -13225,7 +11736,7 @@
                 <a:buFontTx/>
                 <a:buNone/>
               </a:pPr>
-              <a:t>14</a:t>
+              <a:t>13</a:t>
             </a:fld>
             <a:endParaRPr lang="en-US" altLang="en-US" sz="1333">
               <a:ea typeface="宋体" panose="02010600030101010101" pitchFamily="2" charset="-122"/>
@@ -13610,7 +12121,7 @@
 </p:sld>
 </file>
 
-<file path=ppt/slides/slide15.xml><?xml version="1.0" encoding="utf-8"?>
+<file path=ppt/slides/slide14.xml><?xml version="1.0" encoding="utf-8"?>
 <p:sld xmlns:a="http://schemas.openxmlformats.org/drawingml/2006/main" xmlns:r="http://schemas.openxmlformats.org/officeDocument/2006/relationships" xmlns:p="http://schemas.openxmlformats.org/presentationml/2006/main">
   <p:cSld>
     <p:spTree>
@@ -13817,7 +12328,7 @@
                 <a:buFontTx/>
                 <a:buNone/>
               </a:pPr>
-              <a:t>15</a:t>
+              <a:t>14</a:t>
             </a:fld>
             <a:endParaRPr lang="en-US" altLang="en-US" sz="1333">
               <a:ea typeface="宋体" panose="02010600030101010101" pitchFamily="2" charset="-122"/>
@@ -14329,7 +12840,7 @@
 </p:sld>
 </file>
 
-<file path=ppt/slides/slide16.xml><?xml version="1.0" encoding="utf-8"?>
+<file path=ppt/slides/slide15.xml><?xml version="1.0" encoding="utf-8"?>
 <p:sld xmlns:a="http://schemas.openxmlformats.org/drawingml/2006/main" xmlns:r="http://schemas.openxmlformats.org/officeDocument/2006/relationships" xmlns:p="http://schemas.openxmlformats.org/presentationml/2006/main">
   <p:cSld>
     <p:spTree>
@@ -14536,7 +13047,7 @@
                 <a:buFontTx/>
                 <a:buNone/>
               </a:pPr>
-              <a:t>16</a:t>
+              <a:t>15</a:t>
             </a:fld>
             <a:endParaRPr lang="en-US" altLang="en-US" sz="1333">
               <a:ea typeface="宋体" panose="02010600030101010101" pitchFamily="2" charset="-122"/>
@@ -15299,6 +13810,355 @@
 </p:sld>
 </file>
 
+<file path=ppt/slides/slide16.xml><?xml version="1.0" encoding="utf-8"?>
+<p:sld xmlns:a="http://schemas.openxmlformats.org/drawingml/2006/main" xmlns:r="http://schemas.openxmlformats.org/officeDocument/2006/relationships" xmlns:p="http://schemas.openxmlformats.org/presentationml/2006/main">
+  <p:cSld>
+    <p:spTree>
+      <p:nvGrpSpPr>
+        <p:cNvPr id="1" name=""/>
+        <p:cNvGrpSpPr/>
+        <p:nvPr/>
+      </p:nvGrpSpPr>
+      <p:grpSpPr>
+        <a:xfrm>
+          <a:off x="0" y="0"/>
+          <a:ext cx="0" cy="0"/>
+          <a:chOff x="0" y="0"/>
+          <a:chExt cx="0" cy="0"/>
+        </a:xfrm>
+      </p:grpSpPr>
+      <p:sp>
+        <p:nvSpPr>
+          <p:cNvPr id="46081" name="Title 1">
+            <a:extLst>
+              <a:ext uri="{FF2B5EF4-FFF2-40B4-BE49-F238E27FC236}">
+                <a16:creationId xmlns:a16="http://schemas.microsoft.com/office/drawing/2014/main" id="{D58106A4-7A4D-4F42-BCCE-F24E25E785C5}"/>
+              </a:ext>
+            </a:extLst>
+          </p:cNvPr>
+          <p:cNvSpPr>
+            <a:spLocks noGrp="1" noChangeArrowheads="1"/>
+          </p:cNvSpPr>
+          <p:nvPr>
+            <p:ph type="title"/>
+          </p:nvPr>
+        </p:nvSpPr>
+        <p:spPr/>
+        <p:txBody>
+          <a:bodyPr/>
+          <a:lstStyle/>
+          <a:p>
+            <a:r>
+              <a:rPr lang="en-US" altLang="en-US" sz="3200"/>
+              <a:t>Going Back Earlier in Time:</a:t>
+            </a:r>
+            <a:br>
+              <a:rPr lang="en-US" altLang="en-US" sz="3200"/>
+            </a:br>
+            <a:r>
+              <a:rPr lang="en-US" altLang="en-US" sz="3200"/>
+              <a:t>Attackers Use the Domain Name System</a:t>
+            </a:r>
+          </a:p>
+        </p:txBody>
+      </p:sp>
+      <p:sp>
+        <p:nvSpPr>
+          <p:cNvPr id="3" name="Content Placeholder 2">
+            <a:extLst>
+              <a:ext uri="{FF2B5EF4-FFF2-40B4-BE49-F238E27FC236}">
+                <a16:creationId xmlns:a16="http://schemas.microsoft.com/office/drawing/2014/main" id="{362EE499-5B2A-4748-AF45-5CDC22EC1A6A}"/>
+              </a:ext>
+            </a:extLst>
+          </p:cNvPr>
+          <p:cNvSpPr>
+            <a:spLocks noGrp="1"/>
+          </p:cNvSpPr>
+          <p:nvPr>
+            <p:ph idx="1"/>
+          </p:nvPr>
+        </p:nvSpPr>
+        <p:spPr/>
+        <p:txBody>
+          <a:bodyPr>
+            <a:normAutofit/>
+          </a:bodyPr>
+          <a:lstStyle/>
+          <a:p>
+            <a:pPr>
+              <a:defRPr/>
+            </a:pPr>
+            <a:r>
+              <a:rPr lang="en-US" dirty="0"/>
+              <a:t>Attackers use URLs to propagate scams and malware</a:t>
+            </a:r>
+          </a:p>
+          <a:p>
+            <a:pPr lvl="1">
+              <a:defRPr/>
+            </a:pPr>
+            <a:r>
+              <a:rPr lang="en-US" b="1" dirty="0">
+                <a:solidFill>
+                  <a:srgbClr val="2D2D8A"/>
+                </a:solidFill>
+              </a:rPr>
+              <a:t>Idea:</a:t>
+            </a:r>
+            <a:r>
+              <a:rPr lang="en-US" dirty="0"/>
+              <a:t> Use properties of the registered domains to identify spam, scams, etc.</a:t>
+            </a:r>
+          </a:p>
+          <a:p>
+            <a:pPr lvl="1">
+              <a:defRPr/>
+            </a:pPr>
+            <a:r>
+              <a:rPr lang="en-US" dirty="0"/>
+              <a:t>Problem: How to identify the reputation of a domain?</a:t>
+            </a:r>
+          </a:p>
+          <a:p>
+            <a:pPr>
+              <a:defRPr/>
+            </a:pPr>
+            <a:endParaRPr lang="en-US" dirty="0"/>
+          </a:p>
+          <a:p>
+            <a:pPr>
+              <a:defRPr/>
+            </a:pPr>
+            <a:r>
+              <a:rPr lang="en-US" dirty="0"/>
+              <a:t>Previous work relies on observing record changes, which may take time to observe.</a:t>
+            </a:r>
+          </a:p>
+          <a:p>
+            <a:pPr>
+              <a:defRPr/>
+            </a:pPr>
+            <a:r>
+              <a:rPr lang="en-US" b="1" dirty="0">
+                <a:solidFill>
+                  <a:schemeClr val="accent6"/>
+                </a:solidFill>
+              </a:rPr>
+              <a:t>Alternative: </a:t>
+            </a:r>
+            <a:r>
+              <a:rPr lang="en-US" dirty="0"/>
+              <a:t>Look for query patterns within short time of registration.</a:t>
+            </a:r>
+          </a:p>
+        </p:txBody>
+      </p:sp>
+      <p:sp>
+        <p:nvSpPr>
+          <p:cNvPr id="46083" name="Slide Number Placeholder 3">
+            <a:extLst>
+              <a:ext uri="{FF2B5EF4-FFF2-40B4-BE49-F238E27FC236}">
+                <a16:creationId xmlns:a16="http://schemas.microsoft.com/office/drawing/2014/main" id="{E6E3A84D-DDFB-4D4F-A6AE-2B2678AE3783}"/>
+              </a:ext>
+            </a:extLst>
+          </p:cNvPr>
+          <p:cNvSpPr>
+            <a:spLocks noGrp="1" noChangeArrowheads="1"/>
+          </p:cNvSpPr>
+          <p:nvPr>
+            <p:ph type="sldNum" sz="quarter" idx="12"/>
+          </p:nvPr>
+        </p:nvSpPr>
+        <p:spPr>
+          <a:noFill/>
+          <a:extLst>
+            <a:ext uri="{909E8E84-426E-40DD-AFC4-6F175D3DCCD1}">
+              <a14:hiddenFill xmlns:a14="http://schemas.microsoft.com/office/drawing/2010/main">
+                <a:solidFill>
+                  <a:srgbClr val="FFFFFF"/>
+                </a:solidFill>
+              </a14:hiddenFill>
+            </a:ext>
+            <a:ext uri="{91240B29-F687-4F45-9708-019B960494DF}">
+              <a14:hiddenLine xmlns:a14="http://schemas.microsoft.com/office/drawing/2010/main" w="9525">
+                <a:solidFill>
+                  <a:srgbClr val="000000"/>
+                </a:solidFill>
+                <a:miter lim="800000"/>
+                <a:headEnd/>
+                <a:tailEnd/>
+              </a14:hiddenLine>
+            </a:ext>
+          </a:extLst>
+        </p:spPr>
+        <p:txBody>
+          <a:bodyPr/>
+          <a:lstStyle>
+            <a:lvl1pPr>
+              <a:spcBef>
+                <a:spcPct val="20000"/>
+              </a:spcBef>
+              <a:buChar char="•"/>
+              <a:defRPr sz="2800">
+                <a:solidFill>
+                  <a:schemeClr val="tx1"/>
+                </a:solidFill>
+                <a:latin typeface="Arial" panose="020B0604020202020204" pitchFamily="34" charset="0"/>
+                <a:ea typeface="ＭＳ Ｐゴシック" panose="020B0600070205080204" pitchFamily="34" charset="-128"/>
+              </a:defRPr>
+            </a:lvl1pPr>
+            <a:lvl2pPr marL="742932" indent="-285744">
+              <a:spcBef>
+                <a:spcPct val="20000"/>
+              </a:spcBef>
+              <a:buChar char="–"/>
+              <a:defRPr>
+                <a:solidFill>
+                  <a:schemeClr val="tx1"/>
+                </a:solidFill>
+                <a:latin typeface="Arial" panose="020B0604020202020204" pitchFamily="34" charset="0"/>
+                <a:ea typeface="ＭＳ Ｐゴシック" panose="020B0600070205080204" pitchFamily="34" charset="-128"/>
+              </a:defRPr>
+            </a:lvl2pPr>
+            <a:lvl3pPr marL="1142971" indent="-228594">
+              <a:spcBef>
+                <a:spcPct val="20000"/>
+              </a:spcBef>
+              <a:buChar char="•"/>
+              <a:defRPr>
+                <a:solidFill>
+                  <a:schemeClr val="tx1"/>
+                </a:solidFill>
+                <a:latin typeface="Arial" panose="020B0604020202020204" pitchFamily="34" charset="0"/>
+                <a:ea typeface="ＭＳ Ｐゴシック" panose="020B0600070205080204" pitchFamily="34" charset="-128"/>
+              </a:defRPr>
+            </a:lvl3pPr>
+            <a:lvl4pPr marL="1600160" indent="-228594">
+              <a:spcBef>
+                <a:spcPct val="20000"/>
+              </a:spcBef>
+              <a:buChar char="–"/>
+              <a:defRPr sz="2000">
+                <a:solidFill>
+                  <a:schemeClr val="tx1"/>
+                </a:solidFill>
+                <a:latin typeface="Arial" panose="020B0604020202020204" pitchFamily="34" charset="0"/>
+                <a:ea typeface="ＭＳ Ｐゴシック" panose="020B0600070205080204" pitchFamily="34" charset="-128"/>
+              </a:defRPr>
+            </a:lvl4pPr>
+            <a:lvl5pPr marL="2057349" indent="-228594">
+              <a:spcBef>
+                <a:spcPct val="20000"/>
+              </a:spcBef>
+              <a:buChar char="»"/>
+              <a:defRPr sz="2000">
+                <a:solidFill>
+                  <a:schemeClr val="tx1"/>
+                </a:solidFill>
+                <a:latin typeface="Arial" panose="020B0604020202020204" pitchFamily="34" charset="0"/>
+                <a:ea typeface="ＭＳ Ｐゴシック" panose="020B0600070205080204" pitchFamily="34" charset="-128"/>
+              </a:defRPr>
+            </a:lvl5pPr>
+            <a:lvl6pPr marL="2666933" indent="-228594" eaLnBrk="0" fontAlgn="base" hangingPunct="0">
+              <a:spcBef>
+                <a:spcPct val="20000"/>
+              </a:spcBef>
+              <a:spcAft>
+                <a:spcPct val="0"/>
+              </a:spcAft>
+              <a:buChar char="»"/>
+              <a:defRPr sz="2000">
+                <a:solidFill>
+                  <a:schemeClr val="tx1"/>
+                </a:solidFill>
+                <a:latin typeface="Arial" panose="020B0604020202020204" pitchFamily="34" charset="0"/>
+                <a:ea typeface="ＭＳ Ｐゴシック" panose="020B0600070205080204" pitchFamily="34" charset="-128"/>
+              </a:defRPr>
+            </a:lvl6pPr>
+            <a:lvl7pPr marL="3276518" indent="-228594" eaLnBrk="0" fontAlgn="base" hangingPunct="0">
+              <a:spcBef>
+                <a:spcPct val="20000"/>
+              </a:spcBef>
+              <a:spcAft>
+                <a:spcPct val="0"/>
+              </a:spcAft>
+              <a:buChar char="»"/>
+              <a:defRPr sz="2000">
+                <a:solidFill>
+                  <a:schemeClr val="tx1"/>
+                </a:solidFill>
+                <a:latin typeface="Arial" panose="020B0604020202020204" pitchFamily="34" charset="0"/>
+                <a:ea typeface="ＭＳ Ｐゴシック" panose="020B0600070205080204" pitchFamily="34" charset="-128"/>
+              </a:defRPr>
+            </a:lvl7pPr>
+            <a:lvl8pPr marL="3886103" indent="-228594" eaLnBrk="0" fontAlgn="base" hangingPunct="0">
+              <a:spcBef>
+                <a:spcPct val="20000"/>
+              </a:spcBef>
+              <a:spcAft>
+                <a:spcPct val="0"/>
+              </a:spcAft>
+              <a:buChar char="»"/>
+              <a:defRPr sz="2000">
+                <a:solidFill>
+                  <a:schemeClr val="tx1"/>
+                </a:solidFill>
+                <a:latin typeface="Arial" panose="020B0604020202020204" pitchFamily="34" charset="0"/>
+                <a:ea typeface="ＭＳ Ｐゴシック" panose="020B0600070205080204" pitchFamily="34" charset="-128"/>
+              </a:defRPr>
+            </a:lvl8pPr>
+            <a:lvl9pPr marL="4495688" indent="-228594" eaLnBrk="0" fontAlgn="base" hangingPunct="0">
+              <a:spcBef>
+                <a:spcPct val="20000"/>
+              </a:spcBef>
+              <a:spcAft>
+                <a:spcPct val="0"/>
+              </a:spcAft>
+              <a:buChar char="»"/>
+              <a:defRPr sz="2000">
+                <a:solidFill>
+                  <a:schemeClr val="tx1"/>
+                </a:solidFill>
+                <a:latin typeface="Arial" panose="020B0604020202020204" pitchFamily="34" charset="0"/>
+                <a:ea typeface="ＭＳ Ｐゴシック" panose="020B0600070205080204" pitchFamily="34" charset="-128"/>
+              </a:defRPr>
+            </a:lvl9pPr>
+          </a:lstStyle>
+          <a:p>
+            <a:pPr>
+              <a:spcBef>
+                <a:spcPct val="0"/>
+              </a:spcBef>
+              <a:buFontTx/>
+              <a:buNone/>
+            </a:pPr>
+            <a:fld id="{E34E72CB-A212-1E4F-8F6E-1B04437D67FC}" type="slidenum">
+              <a:rPr lang="en-US" altLang="en-US" sz="1333">
+                <a:ea typeface="宋体" panose="02010600030101010101" pitchFamily="2" charset="-122"/>
+              </a:rPr>
+              <a:pPr>
+                <a:spcBef>
+                  <a:spcPct val="0"/>
+                </a:spcBef>
+                <a:buFontTx/>
+                <a:buNone/>
+              </a:pPr>
+              <a:t>16</a:t>
+            </a:fld>
+            <a:endParaRPr lang="en-US" altLang="en-US" sz="1333">
+              <a:ea typeface="宋体" panose="02010600030101010101" pitchFamily="2" charset="-122"/>
+            </a:endParaRPr>
+          </a:p>
+        </p:txBody>
+      </p:sp>
+    </p:spTree>
+  </p:cSld>
+  <p:clrMapOvr>
+    <a:masterClrMapping/>
+  </p:clrMapOvr>
+</p:sld>
+</file>
+
 <file path=ppt/slides/slide17.xml><?xml version="1.0" encoding="utf-8"?>
 <p:sld xmlns:a="http://schemas.openxmlformats.org/drawingml/2006/main" xmlns:r="http://schemas.openxmlformats.org/officeDocument/2006/relationships" xmlns:p="http://schemas.openxmlformats.org/presentationml/2006/main">
   <p:cSld>
@@ -15318,10 +14178,10 @@
       </p:grpSpPr>
       <p:sp>
         <p:nvSpPr>
-          <p:cNvPr id="46081" name="Title 1">
+          <p:cNvPr id="47105" name="Title 1">
             <a:extLst>
               <a:ext uri="{FF2B5EF4-FFF2-40B4-BE49-F238E27FC236}">
-                <a16:creationId xmlns:a16="http://schemas.microsoft.com/office/drawing/2014/main" id="{D58106A4-7A4D-4F42-BCCE-F24E25E785C5}"/>
+                <a16:creationId xmlns:a16="http://schemas.microsoft.com/office/drawing/2014/main" id="{3EFCC70A-7AB7-194E-AF8C-5DA62D9D9E57}"/>
               </a:ext>
             </a:extLst>
           </p:cNvPr>
@@ -15338,30 +14198,23 @@
           <a:lstStyle/>
           <a:p>
             <a:r>
-              <a:rPr lang="en-US" altLang="en-US" sz="3200"/>
-              <a:t>Going Back Earlier in Time:</a:t>
-            </a:r>
-            <a:br>
-              <a:rPr lang="en-US" altLang="en-US" sz="3200"/>
-            </a:br>
-            <a:r>
-              <a:rPr lang="en-US" altLang="en-US" sz="3200"/>
-              <a:t>Attackers Use the Domain Name System</a:t>
+              <a:rPr lang="en-US" altLang="en-US"/>
+              <a:t>Predictive Analytics and DNS</a:t>
             </a:r>
           </a:p>
         </p:txBody>
       </p:sp>
       <p:sp>
         <p:nvSpPr>
-          <p:cNvPr id="3" name="Content Placeholder 2">
+          <p:cNvPr id="47106" name="Content Placeholder 2">
             <a:extLst>
               <a:ext uri="{FF2B5EF4-FFF2-40B4-BE49-F238E27FC236}">
-                <a16:creationId xmlns:a16="http://schemas.microsoft.com/office/drawing/2014/main" id="{362EE499-5B2A-4748-AF45-5CDC22EC1A6A}"/>
+                <a16:creationId xmlns:a16="http://schemas.microsoft.com/office/drawing/2014/main" id="{E4B7236E-CD10-B843-AF09-5C50F2710148}"/>
               </a:ext>
             </a:extLst>
           </p:cNvPr>
           <p:cNvSpPr>
-            <a:spLocks noGrp="1"/>
+            <a:spLocks noGrp="1" noChangeArrowheads="1"/>
           </p:cNvSpPr>
           <p:nvPr>
             <p:ph idx="1"/>
@@ -15369,85 +14222,62 @@
         </p:nvSpPr>
         <p:spPr/>
         <p:txBody>
-          <a:bodyPr>
-            <a:normAutofit/>
-          </a:bodyPr>
+          <a:bodyPr/>
           <a:lstStyle/>
           <a:p>
-            <a:pPr>
-              <a:defRPr/>
-            </a:pPr>
-            <a:r>
-              <a:rPr lang="en-US" dirty="0"/>
-              <a:t>Attackers use URLs to propagate scams and malware</a:t>
-            </a:r>
-          </a:p>
-          <a:p>
-            <a:pPr lvl="1">
-              <a:defRPr/>
-            </a:pPr>
-            <a:r>
-              <a:rPr lang="en-US" b="1" dirty="0">
-                <a:solidFill>
-                  <a:srgbClr val="2D2D8A"/>
+            <a:r>
+              <a:rPr lang="en-US" altLang="en-US"/>
+              <a:t>Domain registration and resource record establishment </a:t>
+            </a:r>
+            <a:r>
+              <a:rPr lang="en-US" altLang="en-US" b="1">
+                <a:solidFill>
+                  <a:srgbClr val="333399"/>
                 </a:solidFill>
               </a:rPr>
-              <a:t>Idea:</a:t>
-            </a:r>
-            <a:r>
-              <a:rPr lang="en-US" dirty="0"/>
-              <a:t> Use properties of the registered domains to identify spam, scams, etc.</a:t>
-            </a:r>
-          </a:p>
-          <a:p>
-            <a:pPr lvl="1">
-              <a:defRPr/>
-            </a:pPr>
-            <a:r>
-              <a:rPr lang="en-US" dirty="0"/>
-              <a:t>Problem: How to identify the reputation of a domain?</a:t>
-            </a:r>
-          </a:p>
-          <a:p>
-            <a:pPr>
-              <a:defRPr/>
-            </a:pPr>
-            <a:endParaRPr lang="en-US" dirty="0"/>
-          </a:p>
-          <a:p>
-            <a:pPr>
-              <a:defRPr/>
-            </a:pPr>
-            <a:r>
-              <a:rPr lang="en-US" dirty="0"/>
-              <a:t>Previous work relies on observing record changes, which may take time to observe.</a:t>
-            </a:r>
-          </a:p>
-          <a:p>
-            <a:pPr>
-              <a:defRPr/>
-            </a:pPr>
-            <a:r>
-              <a:rPr lang="en-US" b="1" dirty="0">
-                <a:solidFill>
-                  <a:schemeClr val="accent6"/>
+              <a:t>occur before attacks take place</a:t>
+            </a:r>
+          </a:p>
+          <a:p>
+            <a:r>
+              <a:rPr lang="en-US" altLang="en-US"/>
+              <a:t>DNS infrastructure for scam domains is located in </a:t>
+            </a:r>
+            <a:r>
+              <a:rPr lang="en-US" altLang="en-US" b="1">
+                <a:solidFill>
+                  <a:srgbClr val="333399"/>
                 </a:solidFill>
               </a:rPr>
-              <a:t>Alternative: </a:t>
-            </a:r>
-            <a:r>
-              <a:rPr lang="en-US" dirty="0"/>
-              <a:t>Look for query patterns within short time of registration.</a:t>
+              <a:t>different address space regions and autonomous systems</a:t>
+            </a:r>
+            <a:r>
+              <a:rPr lang="en-US" altLang="en-US"/>
+              <a:t> than the infrastructure for legitimate domains.</a:t>
+            </a:r>
+          </a:p>
+          <a:p>
+            <a:r>
+              <a:rPr lang="en-US" altLang="en-US" b="1">
+                <a:solidFill>
+                  <a:srgbClr val="333399"/>
+                </a:solidFill>
+              </a:rPr>
+              <a:t>Early lookup patterns </a:t>
+            </a:r>
+            <a:r>
+              <a:rPr lang="en-US" altLang="en-US"/>
+              <a:t>for a newly registered malicious domain differ significantly from the patterns for a legitimate domain</a:t>
             </a:r>
           </a:p>
         </p:txBody>
       </p:sp>
       <p:sp>
         <p:nvSpPr>
-          <p:cNvPr id="46083" name="Slide Number Placeholder 3">
+          <p:cNvPr id="47107" name="Slide Number Placeholder 3">
             <a:extLst>
               <a:ext uri="{FF2B5EF4-FFF2-40B4-BE49-F238E27FC236}">
-                <a16:creationId xmlns:a16="http://schemas.microsoft.com/office/drawing/2014/main" id="{E6E3A84D-DDFB-4D4F-A6AE-2B2678AE3783}"/>
+                <a16:creationId xmlns:a16="http://schemas.microsoft.com/office/drawing/2014/main" id="{2E313DB7-7ABA-C84A-ABFB-B3D956B86DFE}"/>
               </a:ext>
             </a:extLst>
           </p:cNvPr>
@@ -15621,7 +14451,7 @@
               <a:buFontTx/>
               <a:buNone/>
             </a:pPr>
-            <a:fld id="{E34E72CB-A212-1E4F-8F6E-1B04437D67FC}" type="slidenum">
+            <a:fld id="{B7C00FC7-0E71-6A4C-9E75-A8B18797298A}" type="slidenum">
               <a:rPr lang="en-US" altLang="en-US" sz="1333">
                 <a:ea typeface="宋体" panose="02010600030101010101" pitchFamily="2" charset="-122"/>
               </a:rPr>
@@ -15633,325 +14463,6 @@
                 <a:buNone/>
               </a:pPr>
               <a:t>17</a:t>
-            </a:fld>
-            <a:endParaRPr lang="en-US" altLang="en-US" sz="1333">
-              <a:ea typeface="宋体" panose="02010600030101010101" pitchFamily="2" charset="-122"/>
-            </a:endParaRPr>
-          </a:p>
-        </p:txBody>
-      </p:sp>
-    </p:spTree>
-  </p:cSld>
-  <p:clrMapOvr>
-    <a:masterClrMapping/>
-  </p:clrMapOvr>
-</p:sld>
-</file>
-
-<file path=ppt/slides/slide18.xml><?xml version="1.0" encoding="utf-8"?>
-<p:sld xmlns:a="http://schemas.openxmlformats.org/drawingml/2006/main" xmlns:r="http://schemas.openxmlformats.org/officeDocument/2006/relationships" xmlns:p="http://schemas.openxmlformats.org/presentationml/2006/main">
-  <p:cSld>
-    <p:spTree>
-      <p:nvGrpSpPr>
-        <p:cNvPr id="1" name=""/>
-        <p:cNvGrpSpPr/>
-        <p:nvPr/>
-      </p:nvGrpSpPr>
-      <p:grpSpPr>
-        <a:xfrm>
-          <a:off x="0" y="0"/>
-          <a:ext cx="0" cy="0"/>
-          <a:chOff x="0" y="0"/>
-          <a:chExt cx="0" cy="0"/>
-        </a:xfrm>
-      </p:grpSpPr>
-      <p:sp>
-        <p:nvSpPr>
-          <p:cNvPr id="47105" name="Title 1">
-            <a:extLst>
-              <a:ext uri="{FF2B5EF4-FFF2-40B4-BE49-F238E27FC236}">
-                <a16:creationId xmlns:a16="http://schemas.microsoft.com/office/drawing/2014/main" id="{3EFCC70A-7AB7-194E-AF8C-5DA62D9D9E57}"/>
-              </a:ext>
-            </a:extLst>
-          </p:cNvPr>
-          <p:cNvSpPr>
-            <a:spLocks noGrp="1" noChangeArrowheads="1"/>
-          </p:cNvSpPr>
-          <p:nvPr>
-            <p:ph type="title"/>
-          </p:nvPr>
-        </p:nvSpPr>
-        <p:spPr/>
-        <p:txBody>
-          <a:bodyPr/>
-          <a:lstStyle/>
-          <a:p>
-            <a:r>
-              <a:rPr lang="en-US" altLang="en-US"/>
-              <a:t>Predictive Analytics and DNS</a:t>
-            </a:r>
-          </a:p>
-        </p:txBody>
-      </p:sp>
-      <p:sp>
-        <p:nvSpPr>
-          <p:cNvPr id="47106" name="Content Placeholder 2">
-            <a:extLst>
-              <a:ext uri="{FF2B5EF4-FFF2-40B4-BE49-F238E27FC236}">
-                <a16:creationId xmlns:a16="http://schemas.microsoft.com/office/drawing/2014/main" id="{E4B7236E-CD10-B843-AF09-5C50F2710148}"/>
-              </a:ext>
-            </a:extLst>
-          </p:cNvPr>
-          <p:cNvSpPr>
-            <a:spLocks noGrp="1" noChangeArrowheads="1"/>
-          </p:cNvSpPr>
-          <p:nvPr>
-            <p:ph idx="1"/>
-          </p:nvPr>
-        </p:nvSpPr>
-        <p:spPr/>
-        <p:txBody>
-          <a:bodyPr/>
-          <a:lstStyle/>
-          <a:p>
-            <a:r>
-              <a:rPr lang="en-US" altLang="en-US"/>
-              <a:t>Domain registration and resource record establishment </a:t>
-            </a:r>
-            <a:r>
-              <a:rPr lang="en-US" altLang="en-US" b="1">
-                <a:solidFill>
-                  <a:srgbClr val="333399"/>
-                </a:solidFill>
-              </a:rPr>
-              <a:t>occur before attacks take place</a:t>
-            </a:r>
-          </a:p>
-          <a:p>
-            <a:r>
-              <a:rPr lang="en-US" altLang="en-US"/>
-              <a:t>DNS infrastructure for scam domains is located in </a:t>
-            </a:r>
-            <a:r>
-              <a:rPr lang="en-US" altLang="en-US" b="1">
-                <a:solidFill>
-                  <a:srgbClr val="333399"/>
-                </a:solidFill>
-              </a:rPr>
-              <a:t>different address space regions and autonomous systems</a:t>
-            </a:r>
-            <a:r>
-              <a:rPr lang="en-US" altLang="en-US"/>
-              <a:t> than the infrastructure for legitimate domains.</a:t>
-            </a:r>
-          </a:p>
-          <a:p>
-            <a:r>
-              <a:rPr lang="en-US" altLang="en-US" b="1">
-                <a:solidFill>
-                  <a:srgbClr val="333399"/>
-                </a:solidFill>
-              </a:rPr>
-              <a:t>Early lookup patterns </a:t>
-            </a:r>
-            <a:r>
-              <a:rPr lang="en-US" altLang="en-US"/>
-              <a:t>for a newly registered malicious domain differ significantly from the patterns for a legitimate domain</a:t>
-            </a:r>
-          </a:p>
-        </p:txBody>
-      </p:sp>
-      <p:sp>
-        <p:nvSpPr>
-          <p:cNvPr id="47107" name="Slide Number Placeholder 3">
-            <a:extLst>
-              <a:ext uri="{FF2B5EF4-FFF2-40B4-BE49-F238E27FC236}">
-                <a16:creationId xmlns:a16="http://schemas.microsoft.com/office/drawing/2014/main" id="{2E313DB7-7ABA-C84A-ABFB-B3D956B86DFE}"/>
-              </a:ext>
-            </a:extLst>
-          </p:cNvPr>
-          <p:cNvSpPr>
-            <a:spLocks noGrp="1" noChangeArrowheads="1"/>
-          </p:cNvSpPr>
-          <p:nvPr>
-            <p:ph type="sldNum" sz="quarter" idx="12"/>
-          </p:nvPr>
-        </p:nvSpPr>
-        <p:spPr>
-          <a:noFill/>
-          <a:extLst>
-            <a:ext uri="{909E8E84-426E-40DD-AFC4-6F175D3DCCD1}">
-              <a14:hiddenFill xmlns:a14="http://schemas.microsoft.com/office/drawing/2010/main">
-                <a:solidFill>
-                  <a:srgbClr val="FFFFFF"/>
-                </a:solidFill>
-              </a14:hiddenFill>
-            </a:ext>
-            <a:ext uri="{91240B29-F687-4F45-9708-019B960494DF}">
-              <a14:hiddenLine xmlns:a14="http://schemas.microsoft.com/office/drawing/2010/main" w="9525">
-                <a:solidFill>
-                  <a:srgbClr val="000000"/>
-                </a:solidFill>
-                <a:miter lim="800000"/>
-                <a:headEnd/>
-                <a:tailEnd/>
-              </a14:hiddenLine>
-            </a:ext>
-          </a:extLst>
-        </p:spPr>
-        <p:txBody>
-          <a:bodyPr/>
-          <a:lstStyle>
-            <a:lvl1pPr>
-              <a:spcBef>
-                <a:spcPct val="20000"/>
-              </a:spcBef>
-              <a:buChar char="•"/>
-              <a:defRPr sz="2800">
-                <a:solidFill>
-                  <a:schemeClr val="tx1"/>
-                </a:solidFill>
-                <a:latin typeface="Arial" panose="020B0604020202020204" pitchFamily="34" charset="0"/>
-                <a:ea typeface="ＭＳ Ｐゴシック" panose="020B0600070205080204" pitchFamily="34" charset="-128"/>
-              </a:defRPr>
-            </a:lvl1pPr>
-            <a:lvl2pPr marL="742932" indent="-285744">
-              <a:spcBef>
-                <a:spcPct val="20000"/>
-              </a:spcBef>
-              <a:buChar char="–"/>
-              <a:defRPr>
-                <a:solidFill>
-                  <a:schemeClr val="tx1"/>
-                </a:solidFill>
-                <a:latin typeface="Arial" panose="020B0604020202020204" pitchFamily="34" charset="0"/>
-                <a:ea typeface="ＭＳ Ｐゴシック" panose="020B0600070205080204" pitchFamily="34" charset="-128"/>
-              </a:defRPr>
-            </a:lvl2pPr>
-            <a:lvl3pPr marL="1142971" indent="-228594">
-              <a:spcBef>
-                <a:spcPct val="20000"/>
-              </a:spcBef>
-              <a:buChar char="•"/>
-              <a:defRPr>
-                <a:solidFill>
-                  <a:schemeClr val="tx1"/>
-                </a:solidFill>
-                <a:latin typeface="Arial" panose="020B0604020202020204" pitchFamily="34" charset="0"/>
-                <a:ea typeface="ＭＳ Ｐゴシック" panose="020B0600070205080204" pitchFamily="34" charset="-128"/>
-              </a:defRPr>
-            </a:lvl3pPr>
-            <a:lvl4pPr marL="1600160" indent="-228594">
-              <a:spcBef>
-                <a:spcPct val="20000"/>
-              </a:spcBef>
-              <a:buChar char="–"/>
-              <a:defRPr sz="2000">
-                <a:solidFill>
-                  <a:schemeClr val="tx1"/>
-                </a:solidFill>
-                <a:latin typeface="Arial" panose="020B0604020202020204" pitchFamily="34" charset="0"/>
-                <a:ea typeface="ＭＳ Ｐゴシック" panose="020B0600070205080204" pitchFamily="34" charset="-128"/>
-              </a:defRPr>
-            </a:lvl4pPr>
-            <a:lvl5pPr marL="2057349" indent="-228594">
-              <a:spcBef>
-                <a:spcPct val="20000"/>
-              </a:spcBef>
-              <a:buChar char="»"/>
-              <a:defRPr sz="2000">
-                <a:solidFill>
-                  <a:schemeClr val="tx1"/>
-                </a:solidFill>
-                <a:latin typeface="Arial" panose="020B0604020202020204" pitchFamily="34" charset="0"/>
-                <a:ea typeface="ＭＳ Ｐゴシック" panose="020B0600070205080204" pitchFamily="34" charset="-128"/>
-              </a:defRPr>
-            </a:lvl5pPr>
-            <a:lvl6pPr marL="2666933" indent="-228594" eaLnBrk="0" fontAlgn="base" hangingPunct="0">
-              <a:spcBef>
-                <a:spcPct val="20000"/>
-              </a:spcBef>
-              <a:spcAft>
-                <a:spcPct val="0"/>
-              </a:spcAft>
-              <a:buChar char="»"/>
-              <a:defRPr sz="2000">
-                <a:solidFill>
-                  <a:schemeClr val="tx1"/>
-                </a:solidFill>
-                <a:latin typeface="Arial" panose="020B0604020202020204" pitchFamily="34" charset="0"/>
-                <a:ea typeface="ＭＳ Ｐゴシック" panose="020B0600070205080204" pitchFamily="34" charset="-128"/>
-              </a:defRPr>
-            </a:lvl6pPr>
-            <a:lvl7pPr marL="3276518" indent="-228594" eaLnBrk="0" fontAlgn="base" hangingPunct="0">
-              <a:spcBef>
-                <a:spcPct val="20000"/>
-              </a:spcBef>
-              <a:spcAft>
-                <a:spcPct val="0"/>
-              </a:spcAft>
-              <a:buChar char="»"/>
-              <a:defRPr sz="2000">
-                <a:solidFill>
-                  <a:schemeClr val="tx1"/>
-                </a:solidFill>
-                <a:latin typeface="Arial" panose="020B0604020202020204" pitchFamily="34" charset="0"/>
-                <a:ea typeface="ＭＳ Ｐゴシック" panose="020B0600070205080204" pitchFamily="34" charset="-128"/>
-              </a:defRPr>
-            </a:lvl7pPr>
-            <a:lvl8pPr marL="3886103" indent="-228594" eaLnBrk="0" fontAlgn="base" hangingPunct="0">
-              <a:spcBef>
-                <a:spcPct val="20000"/>
-              </a:spcBef>
-              <a:spcAft>
-                <a:spcPct val="0"/>
-              </a:spcAft>
-              <a:buChar char="»"/>
-              <a:defRPr sz="2000">
-                <a:solidFill>
-                  <a:schemeClr val="tx1"/>
-                </a:solidFill>
-                <a:latin typeface="Arial" panose="020B0604020202020204" pitchFamily="34" charset="0"/>
-                <a:ea typeface="ＭＳ Ｐゴシック" panose="020B0600070205080204" pitchFamily="34" charset="-128"/>
-              </a:defRPr>
-            </a:lvl8pPr>
-            <a:lvl9pPr marL="4495688" indent="-228594" eaLnBrk="0" fontAlgn="base" hangingPunct="0">
-              <a:spcBef>
-                <a:spcPct val="20000"/>
-              </a:spcBef>
-              <a:spcAft>
-                <a:spcPct val="0"/>
-              </a:spcAft>
-              <a:buChar char="»"/>
-              <a:defRPr sz="2000">
-                <a:solidFill>
-                  <a:schemeClr val="tx1"/>
-                </a:solidFill>
-                <a:latin typeface="Arial" panose="020B0604020202020204" pitchFamily="34" charset="0"/>
-                <a:ea typeface="ＭＳ Ｐゴシック" panose="020B0600070205080204" pitchFamily="34" charset="-128"/>
-              </a:defRPr>
-            </a:lvl9pPr>
-          </a:lstStyle>
-          <a:p>
-            <a:pPr>
-              <a:spcBef>
-                <a:spcPct val="0"/>
-              </a:spcBef>
-              <a:buFontTx/>
-              <a:buNone/>
-            </a:pPr>
-            <a:fld id="{B7C00FC7-0E71-6A4C-9E75-A8B18797298A}" type="slidenum">
-              <a:rPr lang="en-US" altLang="en-US" sz="1333">
-                <a:ea typeface="宋体" panose="02010600030101010101" pitchFamily="2" charset="-122"/>
-              </a:rPr>
-              <a:pPr>
-                <a:spcBef>
-                  <a:spcPct val="0"/>
-                </a:spcBef>
-                <a:buFontTx/>
-                <a:buNone/>
-              </a:pPr>
-              <a:t>18</a:t>
             </a:fld>
             <a:endParaRPr lang="en-US" altLang="en-US" sz="1333">
               <a:ea typeface="宋体" panose="02010600030101010101" pitchFamily="2" charset="-122"/>
@@ -16129,7 +14640,7 @@
 </p:sld>
 </file>
 
-<file path=ppt/slides/slide19.xml><?xml version="1.0" encoding="utf-8"?>
+<file path=ppt/slides/slide18.xml><?xml version="1.0" encoding="utf-8"?>
 <p:sld xmlns:a="http://schemas.openxmlformats.org/drawingml/2006/main" xmlns:r="http://schemas.openxmlformats.org/officeDocument/2006/relationships" xmlns:p="http://schemas.openxmlformats.org/presentationml/2006/main">
   <p:cSld>
     <p:spTree>
@@ -16371,7 +14882,7 @@
                 <a:buFontTx/>
                 <a:buNone/>
               </a:pPr>
-              <a:t>19</a:t>
+              <a:t>18</a:t>
             </a:fld>
             <a:endParaRPr lang="en-US" altLang="en-US" sz="1333">
               <a:ea typeface="宋体" panose="02010600030101010101" pitchFamily="2" charset="-122"/>
@@ -16462,7 +14973,10 @@
             <a:avLst/>
           </a:prstGeom>
           <a:solidFill>
-            <a:schemeClr val="accent1"/>
+            <a:schemeClr val="accent1">
+              <a:lumMod val="40000"/>
+              <a:lumOff val="60000"/>
+            </a:schemeClr>
           </a:solidFill>
           <a:ln>
             <a:noFill/>
@@ -16584,12 +15098,478 @@
               <a:defRPr/>
             </a:pPr>
             <a:r>
-              <a:rPr lang="en-US" altLang="en-US" sz="1800" b="1">
+              <a:rPr lang="en-US" altLang="en-US" sz="1800" b="1" dirty="0">
                 <a:solidFill>
                   <a:srgbClr val="FF0000"/>
                 </a:solidFill>
               </a:rPr>
               <a:t>More than 55% of the malicious domains appeared in spam campaigns more than one day after they were registered.</a:t>
+            </a:r>
+          </a:p>
+        </p:txBody>
+      </p:sp>
+    </p:spTree>
+  </p:cSld>
+  <p:clrMapOvr>
+    <a:masterClrMapping/>
+  </p:clrMapOvr>
+</p:sld>
+</file>
+
+<file path=ppt/slides/slide19.xml><?xml version="1.0" encoding="utf-8"?>
+<p:sld xmlns:a="http://schemas.openxmlformats.org/drawingml/2006/main" xmlns:r="http://schemas.openxmlformats.org/officeDocument/2006/relationships" xmlns:p="http://schemas.openxmlformats.org/presentationml/2006/main">
+  <p:cSld>
+    <p:spTree>
+      <p:nvGrpSpPr>
+        <p:cNvPr id="1" name=""/>
+        <p:cNvGrpSpPr/>
+        <p:nvPr/>
+      </p:nvGrpSpPr>
+      <p:grpSpPr>
+        <a:xfrm>
+          <a:off x="0" y="0"/>
+          <a:ext cx="0" cy="0"/>
+          <a:chOff x="0" y="0"/>
+          <a:chExt cx="0" cy="0"/>
+        </a:xfrm>
+      </p:grpSpPr>
+      <p:sp>
+        <p:nvSpPr>
+          <p:cNvPr id="49153" name="Title 4">
+            <a:extLst>
+              <a:ext uri="{FF2B5EF4-FFF2-40B4-BE49-F238E27FC236}">
+                <a16:creationId xmlns:a16="http://schemas.microsoft.com/office/drawing/2014/main" id="{0F4004F1-6BCA-DC44-808F-1333F6F71691}"/>
+              </a:ext>
+            </a:extLst>
+          </p:cNvPr>
+          <p:cNvSpPr>
+            <a:spLocks noGrp="1" noChangeArrowheads="1"/>
+          </p:cNvSpPr>
+          <p:nvPr>
+            <p:ph type="title"/>
+          </p:nvPr>
+        </p:nvSpPr>
+        <p:spPr/>
+        <p:txBody>
+          <a:bodyPr/>
+          <a:lstStyle/>
+          <a:p>
+            <a:r>
+              <a:rPr lang="en-US" altLang="en-US"/>
+              <a:t>DNS Lookups Precede Attacks!</a:t>
+            </a:r>
+          </a:p>
+        </p:txBody>
+      </p:sp>
+      <p:sp>
+        <p:nvSpPr>
+          <p:cNvPr id="49154" name="Slide Number Placeholder 3">
+            <a:extLst>
+              <a:ext uri="{FF2B5EF4-FFF2-40B4-BE49-F238E27FC236}">
+                <a16:creationId xmlns:a16="http://schemas.microsoft.com/office/drawing/2014/main" id="{FCC06F19-823A-E942-9C6F-55E9851A5900}"/>
+              </a:ext>
+            </a:extLst>
+          </p:cNvPr>
+          <p:cNvSpPr>
+            <a:spLocks noGrp="1" noChangeArrowheads="1"/>
+          </p:cNvSpPr>
+          <p:nvPr>
+            <p:ph type="sldNum" sz="quarter" idx="12"/>
+          </p:nvPr>
+        </p:nvSpPr>
+        <p:spPr>
+          <a:noFill/>
+          <a:extLst>
+            <a:ext uri="{909E8E84-426E-40DD-AFC4-6F175D3DCCD1}">
+              <a14:hiddenFill xmlns:a14="http://schemas.microsoft.com/office/drawing/2010/main">
+                <a:solidFill>
+                  <a:srgbClr val="FFFFFF"/>
+                </a:solidFill>
+              </a14:hiddenFill>
+            </a:ext>
+            <a:ext uri="{91240B29-F687-4F45-9708-019B960494DF}">
+              <a14:hiddenLine xmlns:a14="http://schemas.microsoft.com/office/drawing/2010/main" w="9525">
+                <a:solidFill>
+                  <a:srgbClr val="000000"/>
+                </a:solidFill>
+                <a:miter lim="800000"/>
+                <a:headEnd/>
+                <a:tailEnd/>
+              </a14:hiddenLine>
+            </a:ext>
+          </a:extLst>
+        </p:spPr>
+        <p:txBody>
+          <a:bodyPr/>
+          <a:lstStyle>
+            <a:lvl1pPr>
+              <a:spcBef>
+                <a:spcPct val="20000"/>
+              </a:spcBef>
+              <a:buChar char="•"/>
+              <a:defRPr sz="2800">
+                <a:solidFill>
+                  <a:schemeClr val="tx1"/>
+                </a:solidFill>
+                <a:latin typeface="Arial" panose="020B0604020202020204" pitchFamily="34" charset="0"/>
+                <a:ea typeface="ＭＳ Ｐゴシック" panose="020B0600070205080204" pitchFamily="34" charset="-128"/>
+              </a:defRPr>
+            </a:lvl1pPr>
+            <a:lvl2pPr marL="742932" indent="-285744">
+              <a:spcBef>
+                <a:spcPct val="20000"/>
+              </a:spcBef>
+              <a:buChar char="–"/>
+              <a:defRPr>
+                <a:solidFill>
+                  <a:schemeClr val="tx1"/>
+                </a:solidFill>
+                <a:latin typeface="Arial" panose="020B0604020202020204" pitchFamily="34" charset="0"/>
+                <a:ea typeface="ＭＳ Ｐゴシック" panose="020B0600070205080204" pitchFamily="34" charset="-128"/>
+              </a:defRPr>
+            </a:lvl2pPr>
+            <a:lvl3pPr marL="1142971" indent="-228594">
+              <a:spcBef>
+                <a:spcPct val="20000"/>
+              </a:spcBef>
+              <a:buChar char="•"/>
+              <a:defRPr>
+                <a:solidFill>
+                  <a:schemeClr val="tx1"/>
+                </a:solidFill>
+                <a:latin typeface="Arial" panose="020B0604020202020204" pitchFamily="34" charset="0"/>
+                <a:ea typeface="ＭＳ Ｐゴシック" panose="020B0600070205080204" pitchFamily="34" charset="-128"/>
+              </a:defRPr>
+            </a:lvl3pPr>
+            <a:lvl4pPr marL="1600160" indent="-228594">
+              <a:spcBef>
+                <a:spcPct val="20000"/>
+              </a:spcBef>
+              <a:buChar char="–"/>
+              <a:defRPr sz="2000">
+                <a:solidFill>
+                  <a:schemeClr val="tx1"/>
+                </a:solidFill>
+                <a:latin typeface="Arial" panose="020B0604020202020204" pitchFamily="34" charset="0"/>
+                <a:ea typeface="ＭＳ Ｐゴシック" panose="020B0600070205080204" pitchFamily="34" charset="-128"/>
+              </a:defRPr>
+            </a:lvl4pPr>
+            <a:lvl5pPr marL="2057349" indent="-228594">
+              <a:spcBef>
+                <a:spcPct val="20000"/>
+              </a:spcBef>
+              <a:buChar char="»"/>
+              <a:defRPr sz="2000">
+                <a:solidFill>
+                  <a:schemeClr val="tx1"/>
+                </a:solidFill>
+                <a:latin typeface="Arial" panose="020B0604020202020204" pitchFamily="34" charset="0"/>
+                <a:ea typeface="ＭＳ Ｐゴシック" panose="020B0600070205080204" pitchFamily="34" charset="-128"/>
+              </a:defRPr>
+            </a:lvl5pPr>
+            <a:lvl6pPr marL="2666933" indent="-228594" eaLnBrk="0" fontAlgn="base" hangingPunct="0">
+              <a:spcBef>
+                <a:spcPct val="20000"/>
+              </a:spcBef>
+              <a:spcAft>
+                <a:spcPct val="0"/>
+              </a:spcAft>
+              <a:buChar char="»"/>
+              <a:defRPr sz="2000">
+                <a:solidFill>
+                  <a:schemeClr val="tx1"/>
+                </a:solidFill>
+                <a:latin typeface="Arial" panose="020B0604020202020204" pitchFamily="34" charset="0"/>
+                <a:ea typeface="ＭＳ Ｐゴシック" panose="020B0600070205080204" pitchFamily="34" charset="-128"/>
+              </a:defRPr>
+            </a:lvl6pPr>
+            <a:lvl7pPr marL="3276518" indent="-228594" eaLnBrk="0" fontAlgn="base" hangingPunct="0">
+              <a:spcBef>
+                <a:spcPct val="20000"/>
+              </a:spcBef>
+              <a:spcAft>
+                <a:spcPct val="0"/>
+              </a:spcAft>
+              <a:buChar char="»"/>
+              <a:defRPr sz="2000">
+                <a:solidFill>
+                  <a:schemeClr val="tx1"/>
+                </a:solidFill>
+                <a:latin typeface="Arial" panose="020B0604020202020204" pitchFamily="34" charset="0"/>
+                <a:ea typeface="ＭＳ Ｐゴシック" panose="020B0600070205080204" pitchFamily="34" charset="-128"/>
+              </a:defRPr>
+            </a:lvl7pPr>
+            <a:lvl8pPr marL="3886103" indent="-228594" eaLnBrk="0" fontAlgn="base" hangingPunct="0">
+              <a:spcBef>
+                <a:spcPct val="20000"/>
+              </a:spcBef>
+              <a:spcAft>
+                <a:spcPct val="0"/>
+              </a:spcAft>
+              <a:buChar char="»"/>
+              <a:defRPr sz="2000">
+                <a:solidFill>
+                  <a:schemeClr val="tx1"/>
+                </a:solidFill>
+                <a:latin typeface="Arial" panose="020B0604020202020204" pitchFamily="34" charset="0"/>
+                <a:ea typeface="ＭＳ Ｐゴシック" panose="020B0600070205080204" pitchFamily="34" charset="-128"/>
+              </a:defRPr>
+            </a:lvl8pPr>
+            <a:lvl9pPr marL="4495688" indent="-228594" eaLnBrk="0" fontAlgn="base" hangingPunct="0">
+              <a:spcBef>
+                <a:spcPct val="20000"/>
+              </a:spcBef>
+              <a:spcAft>
+                <a:spcPct val="0"/>
+              </a:spcAft>
+              <a:buChar char="»"/>
+              <a:defRPr sz="2000">
+                <a:solidFill>
+                  <a:schemeClr val="tx1"/>
+                </a:solidFill>
+                <a:latin typeface="Arial" panose="020B0604020202020204" pitchFamily="34" charset="0"/>
+                <a:ea typeface="ＭＳ Ｐゴシック" panose="020B0600070205080204" pitchFamily="34" charset="-128"/>
+              </a:defRPr>
+            </a:lvl9pPr>
+          </a:lstStyle>
+          <a:p>
+            <a:pPr>
+              <a:spcBef>
+                <a:spcPct val="0"/>
+              </a:spcBef>
+              <a:buFontTx/>
+              <a:buNone/>
+            </a:pPr>
+            <a:fld id="{7AD264D7-92CD-FC49-ADC3-81B9ABAC683C}" type="slidenum">
+              <a:rPr lang="en-US" altLang="en-US" sz="1333">
+                <a:ea typeface="宋体" panose="02010600030101010101" pitchFamily="2" charset="-122"/>
+              </a:rPr>
+              <a:pPr>
+                <a:spcBef>
+                  <a:spcPct val="0"/>
+                </a:spcBef>
+                <a:buFontTx/>
+                <a:buNone/>
+              </a:pPr>
+              <a:t>19</a:t>
+            </a:fld>
+            <a:endParaRPr lang="en-US" altLang="en-US" sz="1333">
+              <a:ea typeface="宋体" panose="02010600030101010101" pitchFamily="2" charset="-122"/>
+            </a:endParaRPr>
+          </a:p>
+        </p:txBody>
+      </p:sp>
+      <p:pic>
+        <p:nvPicPr>
+          <p:cNvPr id="49155" name="Picture 6">
+            <a:extLst>
+              <a:ext uri="{FF2B5EF4-FFF2-40B4-BE49-F238E27FC236}">
+                <a16:creationId xmlns:a16="http://schemas.microsoft.com/office/drawing/2014/main" id="{5DF1ACA8-2FC7-2C45-9DFF-CA97230A6E0A}"/>
+              </a:ext>
+            </a:extLst>
+          </p:cNvPr>
+          <p:cNvPicPr>
+            <a:picLocks noChangeAspect="1"/>
+          </p:cNvPicPr>
+          <p:nvPr/>
+        </p:nvPicPr>
+        <p:blipFill>
+          <a:blip r:embed="rId2">
+            <a:extLst>
+              <a:ext uri="{28A0092B-C50C-407E-A947-70E740481C1C}">
+                <a14:useLocalDpi xmlns:a14="http://schemas.microsoft.com/office/drawing/2010/main" val="0"/>
+              </a:ext>
+            </a:extLst>
+          </a:blip>
+          <a:srcRect/>
+          <a:stretch>
+            <a:fillRect/>
+          </a:stretch>
+        </p:blipFill>
+        <p:spPr bwMode="auto">
+          <a:xfrm>
+            <a:off x="1909234" y="1538817"/>
+            <a:ext cx="7048500" cy="5334000"/>
+          </a:xfrm>
+          <a:prstGeom prst="rect">
+            <a:avLst/>
+          </a:prstGeom>
+          <a:noFill/>
+          <a:ln>
+            <a:noFill/>
+          </a:ln>
+          <a:extLst>
+            <a:ext uri="{909E8E84-426E-40DD-AFC4-6F175D3DCCD1}">
+              <a14:hiddenFill xmlns:a14="http://schemas.microsoft.com/office/drawing/2010/main">
+                <a:solidFill>
+                  <a:srgbClr val="FFFFFF"/>
+                </a:solidFill>
+              </a14:hiddenFill>
+            </a:ext>
+            <a:ext uri="{91240B29-F687-4F45-9708-019B960494DF}">
+              <a14:hiddenLine xmlns:a14="http://schemas.microsoft.com/office/drawing/2010/main" w="9525">
+                <a:solidFill>
+                  <a:srgbClr val="000000"/>
+                </a:solidFill>
+                <a:miter lim="800000"/>
+                <a:headEnd/>
+                <a:tailEnd/>
+              </a14:hiddenLine>
+            </a:ext>
+          </a:extLst>
+        </p:spPr>
+      </p:pic>
+      <p:sp>
+        <p:nvSpPr>
+          <p:cNvPr id="43012" name="TextBox 7">
+            <a:extLst>
+              <a:ext uri="{FF2B5EF4-FFF2-40B4-BE49-F238E27FC236}">
+                <a16:creationId xmlns:a16="http://schemas.microsoft.com/office/drawing/2014/main" id="{6F6CE38A-49E3-DE41-9F24-43DBCCEEFD22}"/>
+              </a:ext>
+            </a:extLst>
+          </p:cNvPr>
+          <p:cNvSpPr txBox="1">
+            <a:spLocks noChangeArrowheads="1"/>
+          </p:cNvSpPr>
+          <p:nvPr/>
+        </p:nvSpPr>
+        <p:spPr bwMode="auto">
+          <a:xfrm>
+            <a:off x="6671733" y="2499785"/>
+            <a:ext cx="3208867" cy="1754316"/>
+          </a:xfrm>
+          <a:prstGeom prst="rect">
+            <a:avLst/>
+          </a:prstGeom>
+          <a:solidFill>
+            <a:srgbClr val="BBE0E3"/>
+          </a:solidFill>
+          <a:ln>
+            <a:noFill/>
+          </a:ln>
+        </p:spPr>
+        <p:txBody>
+          <a:bodyPr lIns="91431" tIns="45715" rIns="91431" bIns="45715">
+            <a:spAutoFit/>
+          </a:bodyPr>
+          <a:lstStyle>
+            <a:lvl1pPr eaLnBrk="0" hangingPunct="0">
+              <a:defRPr sz="2400">
+                <a:solidFill>
+                  <a:schemeClr val="tx1"/>
+                </a:solidFill>
+                <a:latin typeface="Arial" panose="020B0604020202020204" pitchFamily="34" charset="0"/>
+                <a:ea typeface="宋体" panose="02010600030101010101" pitchFamily="2" charset="-122"/>
+              </a:defRPr>
+            </a:lvl1pPr>
+            <a:lvl2pPr marL="742950" indent="-285750" eaLnBrk="0" hangingPunct="0">
+              <a:defRPr sz="2400">
+                <a:solidFill>
+                  <a:schemeClr val="tx1"/>
+                </a:solidFill>
+                <a:latin typeface="Arial" panose="020B0604020202020204" pitchFamily="34" charset="0"/>
+                <a:ea typeface="宋体" panose="02010600030101010101" pitchFamily="2" charset="-122"/>
+              </a:defRPr>
+            </a:lvl2pPr>
+            <a:lvl3pPr marL="1143000" indent="-228600" eaLnBrk="0" hangingPunct="0">
+              <a:defRPr sz="2400">
+                <a:solidFill>
+                  <a:schemeClr val="tx1"/>
+                </a:solidFill>
+                <a:latin typeface="Arial" panose="020B0604020202020204" pitchFamily="34" charset="0"/>
+                <a:ea typeface="宋体" panose="02010600030101010101" pitchFamily="2" charset="-122"/>
+              </a:defRPr>
+            </a:lvl3pPr>
+            <a:lvl4pPr marL="1600200" indent="-228600" eaLnBrk="0" hangingPunct="0">
+              <a:defRPr sz="2400">
+                <a:solidFill>
+                  <a:schemeClr val="tx1"/>
+                </a:solidFill>
+                <a:latin typeface="Arial" panose="020B0604020202020204" pitchFamily="34" charset="0"/>
+                <a:ea typeface="宋体" panose="02010600030101010101" pitchFamily="2" charset="-122"/>
+              </a:defRPr>
+            </a:lvl4pPr>
+            <a:lvl5pPr marL="2057400" indent="-228600" eaLnBrk="0" hangingPunct="0">
+              <a:defRPr sz="2400">
+                <a:solidFill>
+                  <a:schemeClr val="tx1"/>
+                </a:solidFill>
+                <a:latin typeface="Arial" panose="020B0604020202020204" pitchFamily="34" charset="0"/>
+                <a:ea typeface="宋体" panose="02010600030101010101" pitchFamily="2" charset="-122"/>
+              </a:defRPr>
+            </a:lvl5pPr>
+            <a:lvl6pPr marL="2514600" indent="-228600" eaLnBrk="0" fontAlgn="base" hangingPunct="0">
+              <a:spcBef>
+                <a:spcPct val="0"/>
+              </a:spcBef>
+              <a:spcAft>
+                <a:spcPct val="0"/>
+              </a:spcAft>
+              <a:defRPr sz="2400">
+                <a:solidFill>
+                  <a:schemeClr val="tx1"/>
+                </a:solidFill>
+                <a:latin typeface="Arial" panose="020B0604020202020204" pitchFamily="34" charset="0"/>
+                <a:ea typeface="宋体" panose="02010600030101010101" pitchFamily="2" charset="-122"/>
+              </a:defRPr>
+            </a:lvl6pPr>
+            <a:lvl7pPr marL="2971800" indent="-228600" eaLnBrk="0" fontAlgn="base" hangingPunct="0">
+              <a:spcBef>
+                <a:spcPct val="0"/>
+              </a:spcBef>
+              <a:spcAft>
+                <a:spcPct val="0"/>
+              </a:spcAft>
+              <a:defRPr sz="2400">
+                <a:solidFill>
+                  <a:schemeClr val="tx1"/>
+                </a:solidFill>
+                <a:latin typeface="Arial" panose="020B0604020202020204" pitchFamily="34" charset="0"/>
+                <a:ea typeface="宋体" panose="02010600030101010101" pitchFamily="2" charset="-122"/>
+              </a:defRPr>
+            </a:lvl7pPr>
+            <a:lvl8pPr marL="3429000" indent="-228600" eaLnBrk="0" fontAlgn="base" hangingPunct="0">
+              <a:spcBef>
+                <a:spcPct val="0"/>
+              </a:spcBef>
+              <a:spcAft>
+                <a:spcPct val="0"/>
+              </a:spcAft>
+              <a:defRPr sz="2400">
+                <a:solidFill>
+                  <a:schemeClr val="tx1"/>
+                </a:solidFill>
+                <a:latin typeface="Arial" panose="020B0604020202020204" pitchFamily="34" charset="0"/>
+                <a:ea typeface="宋体" panose="02010600030101010101" pitchFamily="2" charset="-122"/>
+              </a:defRPr>
+            </a:lvl8pPr>
+            <a:lvl9pPr marL="3886200" indent="-228600" eaLnBrk="0" fontAlgn="base" hangingPunct="0">
+              <a:spcBef>
+                <a:spcPct val="0"/>
+              </a:spcBef>
+              <a:spcAft>
+                <a:spcPct val="0"/>
+              </a:spcAft>
+              <a:defRPr sz="2400">
+                <a:solidFill>
+                  <a:schemeClr val="tx1"/>
+                </a:solidFill>
+                <a:latin typeface="Arial" panose="020B0604020202020204" pitchFamily="34" charset="0"/>
+                <a:ea typeface="宋体" panose="02010600030101010101" pitchFamily="2" charset="-122"/>
+              </a:defRPr>
+            </a:lvl9pPr>
+          </a:lstStyle>
+          <a:p>
+            <a:pPr eaLnBrk="1" hangingPunct="1">
+              <a:defRPr/>
+            </a:pPr>
+            <a:r>
+              <a:rPr lang="en-US" altLang="en-US" sz="1800" b="1">
+                <a:solidFill>
+                  <a:srgbClr val="FF0000"/>
+                </a:solidFill>
+              </a:rPr>
+              <a:t>Queries to the scam domains increased quickly after the domains were registered, and usually reach the peak in the first 3–4 days.</a:t>
             </a:r>
           </a:p>
         </p:txBody>
@@ -16909,10 +15889,10 @@
       </p:grpSpPr>
       <p:sp>
         <p:nvSpPr>
-          <p:cNvPr id="49153" name="Title 4">
+          <p:cNvPr id="50177" name="Title 1">
             <a:extLst>
               <a:ext uri="{FF2B5EF4-FFF2-40B4-BE49-F238E27FC236}">
-                <a16:creationId xmlns:a16="http://schemas.microsoft.com/office/drawing/2014/main" id="{0F4004F1-6BCA-DC44-808F-1333F6F71691}"/>
+                <a16:creationId xmlns:a16="http://schemas.microsoft.com/office/drawing/2014/main" id="{393CBF56-27C1-C842-AFBC-1721359898B4}"/>
               </a:ext>
             </a:extLst>
           </p:cNvPr>
@@ -16930,17 +15910,50 @@
           <a:p>
             <a:r>
               <a:rPr lang="en-US" altLang="en-US"/>
-              <a:t>DNS Lookups Precede Attacks!</a:t>
+              <a:t>Early Lookup Behavior</a:t>
             </a:r>
           </a:p>
         </p:txBody>
       </p:sp>
       <p:sp>
         <p:nvSpPr>
-          <p:cNvPr id="49154" name="Slide Number Placeholder 3">
+          <p:cNvPr id="50178" name="Content Placeholder 3">
             <a:extLst>
               <a:ext uri="{FF2B5EF4-FFF2-40B4-BE49-F238E27FC236}">
-                <a16:creationId xmlns:a16="http://schemas.microsoft.com/office/drawing/2014/main" id="{FCC06F19-823A-E942-9C6F-55E9851A5900}"/>
+                <a16:creationId xmlns:a16="http://schemas.microsoft.com/office/drawing/2014/main" id="{6B454E58-6C59-ED4D-91F2-D7BD139EA0B0}"/>
+              </a:ext>
+            </a:extLst>
+          </p:cNvPr>
+          <p:cNvSpPr>
+            <a:spLocks noGrp="1" noChangeArrowheads="1"/>
+          </p:cNvSpPr>
+          <p:nvPr>
+            <p:ph idx="1"/>
+          </p:nvPr>
+        </p:nvSpPr>
+        <p:spPr>
+          <a:xfrm>
+            <a:off x="1843617" y="1600200"/>
+            <a:ext cx="8229600" cy="1949451"/>
+          </a:xfrm>
+        </p:spPr>
+        <p:txBody>
+          <a:bodyPr/>
+          <a:lstStyle/>
+          <a:p>
+            <a:r>
+              <a:rPr lang="en-US" altLang="en-US"/>
+              <a:t>Different malicious domains are looked up by similar group of network blocks, which may indicate that they are part of the same spamming campaign.</a:t>
+            </a:r>
+          </a:p>
+        </p:txBody>
+      </p:sp>
+      <p:sp>
+        <p:nvSpPr>
+          <p:cNvPr id="50179" name="Slide Number Placeholder 2">
+            <a:extLst>
+              <a:ext uri="{FF2B5EF4-FFF2-40B4-BE49-F238E27FC236}">
+                <a16:creationId xmlns:a16="http://schemas.microsoft.com/office/drawing/2014/main" id="{365EF11B-DDCB-8841-9A90-8845B1195D57}"/>
               </a:ext>
             </a:extLst>
           </p:cNvPr>
@@ -17114,7 +16127,7 @@
               <a:buFontTx/>
               <a:buNone/>
             </a:pPr>
-            <a:fld id="{7AD264D7-92CD-FC49-ADC3-81B9ABAC683C}" type="slidenum">
+            <a:fld id="{73273123-EE5F-0E4A-815F-3359A5A891A8}" type="slidenum">
               <a:rPr lang="en-US" altLang="en-US" sz="1333">
                 <a:ea typeface="宋体" panose="02010600030101010101" pitchFamily="2" charset="-122"/>
               </a:rPr>
@@ -17135,10 +16148,10 @@
       </p:sp>
       <p:pic>
         <p:nvPicPr>
-          <p:cNvPr id="49155" name="Picture 6">
+          <p:cNvPr id="50180" name="Picture 4">
             <a:extLst>
               <a:ext uri="{FF2B5EF4-FFF2-40B4-BE49-F238E27FC236}">
-                <a16:creationId xmlns:a16="http://schemas.microsoft.com/office/drawing/2014/main" id="{5DF1ACA8-2FC7-2C45-9DFF-CA97230A6E0A}"/>
+                <a16:creationId xmlns:a16="http://schemas.microsoft.com/office/drawing/2014/main" id="{7DC03BCA-B345-664B-921C-242F4B8FCB9D}"/>
               </a:ext>
             </a:extLst>
           </p:cNvPr>
@@ -17162,8 +16175,8 @@
         </p:blipFill>
         <p:spPr bwMode="auto">
           <a:xfrm>
-            <a:off x="1909234" y="1538817"/>
-            <a:ext cx="7048500" cy="5334000"/>
+            <a:off x="3113618" y="3723217"/>
+            <a:ext cx="5742516" cy="2421467"/>
           </a:xfrm>
           <a:prstGeom prst="rect">
             <a:avLst/>
@@ -17193,161 +16206,6 @@
           </a:extLst>
         </p:spPr>
       </p:pic>
-      <p:sp>
-        <p:nvSpPr>
-          <p:cNvPr id="43012" name="TextBox 7">
-            <a:extLst>
-              <a:ext uri="{FF2B5EF4-FFF2-40B4-BE49-F238E27FC236}">
-                <a16:creationId xmlns:a16="http://schemas.microsoft.com/office/drawing/2014/main" id="{6F6CE38A-49E3-DE41-9F24-43DBCCEEFD22}"/>
-              </a:ext>
-            </a:extLst>
-          </p:cNvPr>
-          <p:cNvSpPr txBox="1">
-            <a:spLocks noChangeArrowheads="1"/>
-          </p:cNvSpPr>
-          <p:nvPr/>
-        </p:nvSpPr>
-        <p:spPr bwMode="auto">
-          <a:xfrm>
-            <a:off x="6671733" y="2499785"/>
-            <a:ext cx="3208867" cy="1754316"/>
-          </a:xfrm>
-          <a:prstGeom prst="rect">
-            <a:avLst/>
-          </a:prstGeom>
-          <a:solidFill>
-            <a:srgbClr val="BBE0E3"/>
-          </a:solidFill>
-          <a:ln>
-            <a:noFill/>
-          </a:ln>
-        </p:spPr>
-        <p:txBody>
-          <a:bodyPr lIns="91431" tIns="45715" rIns="91431" bIns="45715">
-            <a:spAutoFit/>
-          </a:bodyPr>
-          <a:lstStyle>
-            <a:lvl1pPr eaLnBrk="0" hangingPunct="0">
-              <a:defRPr sz="2400">
-                <a:solidFill>
-                  <a:schemeClr val="tx1"/>
-                </a:solidFill>
-                <a:latin typeface="Arial" panose="020B0604020202020204" pitchFamily="34" charset="0"/>
-                <a:ea typeface="宋体" panose="02010600030101010101" pitchFamily="2" charset="-122"/>
-              </a:defRPr>
-            </a:lvl1pPr>
-            <a:lvl2pPr marL="742950" indent="-285750" eaLnBrk="0" hangingPunct="0">
-              <a:defRPr sz="2400">
-                <a:solidFill>
-                  <a:schemeClr val="tx1"/>
-                </a:solidFill>
-                <a:latin typeface="Arial" panose="020B0604020202020204" pitchFamily="34" charset="0"/>
-                <a:ea typeface="宋体" panose="02010600030101010101" pitchFamily="2" charset="-122"/>
-              </a:defRPr>
-            </a:lvl2pPr>
-            <a:lvl3pPr marL="1143000" indent="-228600" eaLnBrk="0" hangingPunct="0">
-              <a:defRPr sz="2400">
-                <a:solidFill>
-                  <a:schemeClr val="tx1"/>
-                </a:solidFill>
-                <a:latin typeface="Arial" panose="020B0604020202020204" pitchFamily="34" charset="0"/>
-                <a:ea typeface="宋体" panose="02010600030101010101" pitchFamily="2" charset="-122"/>
-              </a:defRPr>
-            </a:lvl3pPr>
-            <a:lvl4pPr marL="1600200" indent="-228600" eaLnBrk="0" hangingPunct="0">
-              <a:defRPr sz="2400">
-                <a:solidFill>
-                  <a:schemeClr val="tx1"/>
-                </a:solidFill>
-                <a:latin typeface="Arial" panose="020B0604020202020204" pitchFamily="34" charset="0"/>
-                <a:ea typeface="宋体" panose="02010600030101010101" pitchFamily="2" charset="-122"/>
-              </a:defRPr>
-            </a:lvl4pPr>
-            <a:lvl5pPr marL="2057400" indent="-228600" eaLnBrk="0" hangingPunct="0">
-              <a:defRPr sz="2400">
-                <a:solidFill>
-                  <a:schemeClr val="tx1"/>
-                </a:solidFill>
-                <a:latin typeface="Arial" panose="020B0604020202020204" pitchFamily="34" charset="0"/>
-                <a:ea typeface="宋体" panose="02010600030101010101" pitchFamily="2" charset="-122"/>
-              </a:defRPr>
-            </a:lvl5pPr>
-            <a:lvl6pPr marL="2514600" indent="-228600" eaLnBrk="0" fontAlgn="base" hangingPunct="0">
-              <a:spcBef>
-                <a:spcPct val="0"/>
-              </a:spcBef>
-              <a:spcAft>
-                <a:spcPct val="0"/>
-              </a:spcAft>
-              <a:defRPr sz="2400">
-                <a:solidFill>
-                  <a:schemeClr val="tx1"/>
-                </a:solidFill>
-                <a:latin typeface="Arial" panose="020B0604020202020204" pitchFamily="34" charset="0"/>
-                <a:ea typeface="宋体" panose="02010600030101010101" pitchFamily="2" charset="-122"/>
-              </a:defRPr>
-            </a:lvl6pPr>
-            <a:lvl7pPr marL="2971800" indent="-228600" eaLnBrk="0" fontAlgn="base" hangingPunct="0">
-              <a:spcBef>
-                <a:spcPct val="0"/>
-              </a:spcBef>
-              <a:spcAft>
-                <a:spcPct val="0"/>
-              </a:spcAft>
-              <a:defRPr sz="2400">
-                <a:solidFill>
-                  <a:schemeClr val="tx1"/>
-                </a:solidFill>
-                <a:latin typeface="Arial" panose="020B0604020202020204" pitchFamily="34" charset="0"/>
-                <a:ea typeface="宋体" panose="02010600030101010101" pitchFamily="2" charset="-122"/>
-              </a:defRPr>
-            </a:lvl7pPr>
-            <a:lvl8pPr marL="3429000" indent="-228600" eaLnBrk="0" fontAlgn="base" hangingPunct="0">
-              <a:spcBef>
-                <a:spcPct val="0"/>
-              </a:spcBef>
-              <a:spcAft>
-                <a:spcPct val="0"/>
-              </a:spcAft>
-              <a:defRPr sz="2400">
-                <a:solidFill>
-                  <a:schemeClr val="tx1"/>
-                </a:solidFill>
-                <a:latin typeface="Arial" panose="020B0604020202020204" pitchFamily="34" charset="0"/>
-                <a:ea typeface="宋体" panose="02010600030101010101" pitchFamily="2" charset="-122"/>
-              </a:defRPr>
-            </a:lvl8pPr>
-            <a:lvl9pPr marL="3886200" indent="-228600" eaLnBrk="0" fontAlgn="base" hangingPunct="0">
-              <a:spcBef>
-                <a:spcPct val="0"/>
-              </a:spcBef>
-              <a:spcAft>
-                <a:spcPct val="0"/>
-              </a:spcAft>
-              <a:defRPr sz="2400">
-                <a:solidFill>
-                  <a:schemeClr val="tx1"/>
-                </a:solidFill>
-                <a:latin typeface="Arial" panose="020B0604020202020204" pitchFamily="34" charset="0"/>
-                <a:ea typeface="宋体" panose="02010600030101010101" pitchFamily="2" charset="-122"/>
-              </a:defRPr>
-            </a:lvl9pPr>
-          </a:lstStyle>
-          <a:p>
-            <a:pPr eaLnBrk="1" hangingPunct="1">
-              <a:defRPr/>
-            </a:pPr>
-            <a:r>
-              <a:rPr lang="en-US" altLang="en-US" sz="1800" b="1">
-                <a:solidFill>
-                  <a:srgbClr val="FF0000"/>
-                </a:solidFill>
-              </a:rPr>
-              <a:t>Queries to the scam domains increased quickly after the domains were registered, and usually reach the peak in the first 3–4 days.</a:t>
-            </a:r>
-          </a:p>
-        </p:txBody>
-      </p:sp>
     </p:spTree>
   </p:cSld>
   <p:clrMapOvr>
@@ -17375,350 +16233,6 @@
       </p:grpSpPr>
       <p:sp>
         <p:nvSpPr>
-          <p:cNvPr id="50177" name="Title 1">
-            <a:extLst>
-              <a:ext uri="{FF2B5EF4-FFF2-40B4-BE49-F238E27FC236}">
-                <a16:creationId xmlns:a16="http://schemas.microsoft.com/office/drawing/2014/main" id="{393CBF56-27C1-C842-AFBC-1721359898B4}"/>
-              </a:ext>
-            </a:extLst>
-          </p:cNvPr>
-          <p:cNvSpPr>
-            <a:spLocks noGrp="1" noChangeArrowheads="1"/>
-          </p:cNvSpPr>
-          <p:nvPr>
-            <p:ph type="title"/>
-          </p:nvPr>
-        </p:nvSpPr>
-        <p:spPr/>
-        <p:txBody>
-          <a:bodyPr/>
-          <a:lstStyle/>
-          <a:p>
-            <a:r>
-              <a:rPr lang="en-US" altLang="en-US"/>
-              <a:t>Early Lookup Behavior</a:t>
-            </a:r>
-          </a:p>
-        </p:txBody>
-      </p:sp>
-      <p:sp>
-        <p:nvSpPr>
-          <p:cNvPr id="50178" name="Content Placeholder 3">
-            <a:extLst>
-              <a:ext uri="{FF2B5EF4-FFF2-40B4-BE49-F238E27FC236}">
-                <a16:creationId xmlns:a16="http://schemas.microsoft.com/office/drawing/2014/main" id="{6B454E58-6C59-ED4D-91F2-D7BD139EA0B0}"/>
-              </a:ext>
-            </a:extLst>
-          </p:cNvPr>
-          <p:cNvSpPr>
-            <a:spLocks noGrp="1" noChangeArrowheads="1"/>
-          </p:cNvSpPr>
-          <p:nvPr>
-            <p:ph idx="1"/>
-          </p:nvPr>
-        </p:nvSpPr>
-        <p:spPr>
-          <a:xfrm>
-            <a:off x="1843617" y="1600200"/>
-            <a:ext cx="8229600" cy="1949451"/>
-          </a:xfrm>
-        </p:spPr>
-        <p:txBody>
-          <a:bodyPr/>
-          <a:lstStyle/>
-          <a:p>
-            <a:r>
-              <a:rPr lang="en-US" altLang="en-US"/>
-              <a:t>Different malicious domains are looked up by similar group of network blocks, which may indicate that they are part of the same spamming campaign.</a:t>
-            </a:r>
-          </a:p>
-        </p:txBody>
-      </p:sp>
-      <p:sp>
-        <p:nvSpPr>
-          <p:cNvPr id="50179" name="Slide Number Placeholder 2">
-            <a:extLst>
-              <a:ext uri="{FF2B5EF4-FFF2-40B4-BE49-F238E27FC236}">
-                <a16:creationId xmlns:a16="http://schemas.microsoft.com/office/drawing/2014/main" id="{365EF11B-DDCB-8841-9A90-8845B1195D57}"/>
-              </a:ext>
-            </a:extLst>
-          </p:cNvPr>
-          <p:cNvSpPr>
-            <a:spLocks noGrp="1" noChangeArrowheads="1"/>
-          </p:cNvSpPr>
-          <p:nvPr>
-            <p:ph type="sldNum" sz="quarter" idx="12"/>
-          </p:nvPr>
-        </p:nvSpPr>
-        <p:spPr>
-          <a:noFill/>
-          <a:extLst>
-            <a:ext uri="{909E8E84-426E-40DD-AFC4-6F175D3DCCD1}">
-              <a14:hiddenFill xmlns:a14="http://schemas.microsoft.com/office/drawing/2010/main">
-                <a:solidFill>
-                  <a:srgbClr val="FFFFFF"/>
-                </a:solidFill>
-              </a14:hiddenFill>
-            </a:ext>
-            <a:ext uri="{91240B29-F687-4F45-9708-019B960494DF}">
-              <a14:hiddenLine xmlns:a14="http://schemas.microsoft.com/office/drawing/2010/main" w="9525">
-                <a:solidFill>
-                  <a:srgbClr val="000000"/>
-                </a:solidFill>
-                <a:miter lim="800000"/>
-                <a:headEnd/>
-                <a:tailEnd/>
-              </a14:hiddenLine>
-            </a:ext>
-          </a:extLst>
-        </p:spPr>
-        <p:txBody>
-          <a:bodyPr/>
-          <a:lstStyle>
-            <a:lvl1pPr>
-              <a:spcBef>
-                <a:spcPct val="20000"/>
-              </a:spcBef>
-              <a:buChar char="•"/>
-              <a:defRPr sz="2800">
-                <a:solidFill>
-                  <a:schemeClr val="tx1"/>
-                </a:solidFill>
-                <a:latin typeface="Arial" panose="020B0604020202020204" pitchFamily="34" charset="0"/>
-                <a:ea typeface="ＭＳ Ｐゴシック" panose="020B0600070205080204" pitchFamily="34" charset="-128"/>
-              </a:defRPr>
-            </a:lvl1pPr>
-            <a:lvl2pPr marL="742932" indent="-285744">
-              <a:spcBef>
-                <a:spcPct val="20000"/>
-              </a:spcBef>
-              <a:buChar char="–"/>
-              <a:defRPr>
-                <a:solidFill>
-                  <a:schemeClr val="tx1"/>
-                </a:solidFill>
-                <a:latin typeface="Arial" panose="020B0604020202020204" pitchFamily="34" charset="0"/>
-                <a:ea typeface="ＭＳ Ｐゴシック" panose="020B0600070205080204" pitchFamily="34" charset="-128"/>
-              </a:defRPr>
-            </a:lvl2pPr>
-            <a:lvl3pPr marL="1142971" indent="-228594">
-              <a:spcBef>
-                <a:spcPct val="20000"/>
-              </a:spcBef>
-              <a:buChar char="•"/>
-              <a:defRPr>
-                <a:solidFill>
-                  <a:schemeClr val="tx1"/>
-                </a:solidFill>
-                <a:latin typeface="Arial" panose="020B0604020202020204" pitchFamily="34" charset="0"/>
-                <a:ea typeface="ＭＳ Ｐゴシック" panose="020B0600070205080204" pitchFamily="34" charset="-128"/>
-              </a:defRPr>
-            </a:lvl3pPr>
-            <a:lvl4pPr marL="1600160" indent="-228594">
-              <a:spcBef>
-                <a:spcPct val="20000"/>
-              </a:spcBef>
-              <a:buChar char="–"/>
-              <a:defRPr sz="2000">
-                <a:solidFill>
-                  <a:schemeClr val="tx1"/>
-                </a:solidFill>
-                <a:latin typeface="Arial" panose="020B0604020202020204" pitchFamily="34" charset="0"/>
-                <a:ea typeface="ＭＳ Ｐゴシック" panose="020B0600070205080204" pitchFamily="34" charset="-128"/>
-              </a:defRPr>
-            </a:lvl4pPr>
-            <a:lvl5pPr marL="2057349" indent="-228594">
-              <a:spcBef>
-                <a:spcPct val="20000"/>
-              </a:spcBef>
-              <a:buChar char="»"/>
-              <a:defRPr sz="2000">
-                <a:solidFill>
-                  <a:schemeClr val="tx1"/>
-                </a:solidFill>
-                <a:latin typeface="Arial" panose="020B0604020202020204" pitchFamily="34" charset="0"/>
-                <a:ea typeface="ＭＳ Ｐゴシック" panose="020B0600070205080204" pitchFamily="34" charset="-128"/>
-              </a:defRPr>
-            </a:lvl5pPr>
-            <a:lvl6pPr marL="2666933" indent="-228594" eaLnBrk="0" fontAlgn="base" hangingPunct="0">
-              <a:spcBef>
-                <a:spcPct val="20000"/>
-              </a:spcBef>
-              <a:spcAft>
-                <a:spcPct val="0"/>
-              </a:spcAft>
-              <a:buChar char="»"/>
-              <a:defRPr sz="2000">
-                <a:solidFill>
-                  <a:schemeClr val="tx1"/>
-                </a:solidFill>
-                <a:latin typeface="Arial" panose="020B0604020202020204" pitchFamily="34" charset="0"/>
-                <a:ea typeface="ＭＳ Ｐゴシック" panose="020B0600070205080204" pitchFamily="34" charset="-128"/>
-              </a:defRPr>
-            </a:lvl6pPr>
-            <a:lvl7pPr marL="3276518" indent="-228594" eaLnBrk="0" fontAlgn="base" hangingPunct="0">
-              <a:spcBef>
-                <a:spcPct val="20000"/>
-              </a:spcBef>
-              <a:spcAft>
-                <a:spcPct val="0"/>
-              </a:spcAft>
-              <a:buChar char="»"/>
-              <a:defRPr sz="2000">
-                <a:solidFill>
-                  <a:schemeClr val="tx1"/>
-                </a:solidFill>
-                <a:latin typeface="Arial" panose="020B0604020202020204" pitchFamily="34" charset="0"/>
-                <a:ea typeface="ＭＳ Ｐゴシック" panose="020B0600070205080204" pitchFamily="34" charset="-128"/>
-              </a:defRPr>
-            </a:lvl7pPr>
-            <a:lvl8pPr marL="3886103" indent="-228594" eaLnBrk="0" fontAlgn="base" hangingPunct="0">
-              <a:spcBef>
-                <a:spcPct val="20000"/>
-              </a:spcBef>
-              <a:spcAft>
-                <a:spcPct val="0"/>
-              </a:spcAft>
-              <a:buChar char="»"/>
-              <a:defRPr sz="2000">
-                <a:solidFill>
-                  <a:schemeClr val="tx1"/>
-                </a:solidFill>
-                <a:latin typeface="Arial" panose="020B0604020202020204" pitchFamily="34" charset="0"/>
-                <a:ea typeface="ＭＳ Ｐゴシック" panose="020B0600070205080204" pitchFamily="34" charset="-128"/>
-              </a:defRPr>
-            </a:lvl8pPr>
-            <a:lvl9pPr marL="4495688" indent="-228594" eaLnBrk="0" fontAlgn="base" hangingPunct="0">
-              <a:spcBef>
-                <a:spcPct val="20000"/>
-              </a:spcBef>
-              <a:spcAft>
-                <a:spcPct val="0"/>
-              </a:spcAft>
-              <a:buChar char="»"/>
-              <a:defRPr sz="2000">
-                <a:solidFill>
-                  <a:schemeClr val="tx1"/>
-                </a:solidFill>
-                <a:latin typeface="Arial" panose="020B0604020202020204" pitchFamily="34" charset="0"/>
-                <a:ea typeface="ＭＳ Ｐゴシック" panose="020B0600070205080204" pitchFamily="34" charset="-128"/>
-              </a:defRPr>
-            </a:lvl9pPr>
-          </a:lstStyle>
-          <a:p>
-            <a:pPr>
-              <a:spcBef>
-                <a:spcPct val="0"/>
-              </a:spcBef>
-              <a:buFontTx/>
-              <a:buNone/>
-            </a:pPr>
-            <a:fld id="{73273123-EE5F-0E4A-815F-3359A5A891A8}" type="slidenum">
-              <a:rPr lang="en-US" altLang="en-US" sz="1333">
-                <a:ea typeface="宋体" panose="02010600030101010101" pitchFamily="2" charset="-122"/>
-              </a:rPr>
-              <a:pPr>
-                <a:spcBef>
-                  <a:spcPct val="0"/>
-                </a:spcBef>
-                <a:buFontTx/>
-                <a:buNone/>
-              </a:pPr>
-              <a:t>21</a:t>
-            </a:fld>
-            <a:endParaRPr lang="en-US" altLang="en-US" sz="1333">
-              <a:ea typeface="宋体" panose="02010600030101010101" pitchFamily="2" charset="-122"/>
-            </a:endParaRPr>
-          </a:p>
-        </p:txBody>
-      </p:sp>
-      <p:pic>
-        <p:nvPicPr>
-          <p:cNvPr id="50180" name="Picture 4">
-            <a:extLst>
-              <a:ext uri="{FF2B5EF4-FFF2-40B4-BE49-F238E27FC236}">
-                <a16:creationId xmlns:a16="http://schemas.microsoft.com/office/drawing/2014/main" id="{7DC03BCA-B345-664B-921C-242F4B8FCB9D}"/>
-              </a:ext>
-            </a:extLst>
-          </p:cNvPr>
-          <p:cNvPicPr>
-            <a:picLocks noChangeAspect="1"/>
-          </p:cNvPicPr>
-          <p:nvPr/>
-        </p:nvPicPr>
-        <p:blipFill>
-          <a:blip r:embed="rId2">
-            <a:extLst>
-              <a:ext uri="{28A0092B-C50C-407E-A947-70E740481C1C}">
-                <a14:useLocalDpi xmlns:a14="http://schemas.microsoft.com/office/drawing/2010/main" val="0"/>
-              </a:ext>
-            </a:extLst>
-          </a:blip>
-          <a:srcRect/>
-          <a:stretch>
-            <a:fillRect/>
-          </a:stretch>
-        </p:blipFill>
-        <p:spPr bwMode="auto">
-          <a:xfrm>
-            <a:off x="3113618" y="3723217"/>
-            <a:ext cx="5742516" cy="2421467"/>
-          </a:xfrm>
-          <a:prstGeom prst="rect">
-            <a:avLst/>
-          </a:prstGeom>
-          <a:noFill/>
-          <a:ln>
-            <a:noFill/>
-          </a:ln>
-          <a:extLst>
-            <a:ext uri="{909E8E84-426E-40DD-AFC4-6F175D3DCCD1}">
-              <a14:hiddenFill xmlns:a14="http://schemas.microsoft.com/office/drawing/2010/main">
-                <a:solidFill>
-                  <a:srgbClr val="FFFFFF"/>
-                </a:solidFill>
-              </a14:hiddenFill>
-            </a:ext>
-            <a:ext uri="{91240B29-F687-4F45-9708-019B960494DF}">
-              <a14:hiddenLine xmlns:a14="http://schemas.microsoft.com/office/drawing/2010/main" w="9525">
-                <a:solidFill>
-                  <a:srgbClr val="000000"/>
-                </a:solidFill>
-                <a:miter lim="800000"/>
-                <a:headEnd/>
-                <a:tailEnd/>
-              </a14:hiddenLine>
-            </a:ext>
-          </a:extLst>
-        </p:spPr>
-      </p:pic>
-    </p:spTree>
-  </p:cSld>
-  <p:clrMapOvr>
-    <a:masterClrMapping/>
-  </p:clrMapOvr>
-</p:sld>
-</file>
-
-<file path=ppt/slides/slide22.xml><?xml version="1.0" encoding="utf-8"?>
-<p:sld xmlns:a="http://schemas.openxmlformats.org/drawingml/2006/main" xmlns:r="http://schemas.openxmlformats.org/officeDocument/2006/relationships" xmlns:p="http://schemas.openxmlformats.org/presentationml/2006/main">
-  <p:cSld>
-    <p:spTree>
-      <p:nvGrpSpPr>
-        <p:cNvPr id="1" name=""/>
-        <p:cNvGrpSpPr/>
-        <p:nvPr/>
-      </p:nvGrpSpPr>
-      <p:grpSpPr>
-        <a:xfrm>
-          <a:off x="0" y="0"/>
-          <a:ext cx="0" cy="0"/>
-          <a:chOff x="0" y="0"/>
-          <a:chExt cx="0" cy="0"/>
-        </a:xfrm>
-      </p:grpSpPr>
-      <p:sp>
-        <p:nvSpPr>
           <p:cNvPr id="51201" name="Title 4">
             <a:extLst>
               <a:ext uri="{FF2B5EF4-FFF2-40B4-BE49-F238E27FC236}">
@@ -17747,9 +16261,9 @@
           <a:p>
             <a:pPr algn="ctr"/>
             <a:r>
-              <a:rPr lang="en-US" altLang="en-US">
-                <a:solidFill>
-                  <a:schemeClr val="accent2"/>
+              <a:rPr lang="en-US" altLang="en-US" dirty="0">
+                <a:solidFill>
+                  <a:srgbClr val="FF0000"/>
                 </a:solidFill>
               </a:rPr>
               <a:t>With Better Data, Possible to Predict Attacks Even Earlier!</a:t>
@@ -17947,7 +16461,7 @@
                 <a:buFontTx/>
                 <a:buNone/>
               </a:pPr>
-              <a:t>22</a:t>
+              <a:t>21</a:t>
             </a:fld>
             <a:endParaRPr lang="en-US" altLang="en-US" sz="1333">
               <a:ea typeface="宋体" panose="02010600030101010101" pitchFamily="2" charset="-122"/>
@@ -17963,7 +16477,7 @@
 </p:sld>
 </file>
 
-<file path=ppt/slides/slide23.xml><?xml version="1.0" encoding="utf-8"?>
+<file path=ppt/slides/slide22.xml><?xml version="1.0" encoding="utf-8"?>
 <p:sld xmlns:a="http://schemas.openxmlformats.org/drawingml/2006/main" xmlns:r="http://schemas.openxmlformats.org/officeDocument/2006/relationships" xmlns:p="http://schemas.openxmlformats.org/presentationml/2006/main">
   <p:cSld>
     <p:spTree>
@@ -19571,7 +18085,7 @@
 </p:sld>
 </file>
 
-<file path=ppt/slides/slide24.xml><?xml version="1.0" encoding="utf-8"?>
+<file path=ppt/slides/slide23.xml><?xml version="1.0" encoding="utf-8"?>
 <p:sld xmlns:a="http://schemas.openxmlformats.org/drawingml/2006/main" xmlns:r="http://schemas.openxmlformats.org/officeDocument/2006/relationships" xmlns:p="http://schemas.openxmlformats.org/presentationml/2006/main">
   <p:cSld>
     <p:spTree>
@@ -21259,7 +19773,7 @@
 </p:sld>
 </file>
 
-<file path=ppt/slides/slide25.xml><?xml version="1.0" encoding="utf-8"?>
+<file path=ppt/slides/slide24.xml><?xml version="1.0" encoding="utf-8"?>
 <p:sld xmlns:a="http://schemas.openxmlformats.org/drawingml/2006/main" xmlns:r="http://schemas.openxmlformats.org/officeDocument/2006/relationships" xmlns:p="http://schemas.openxmlformats.org/presentationml/2006/main">
   <p:cSld>
     <p:spTree>
@@ -21364,7 +19878,7 @@
 </p:sld>
 </file>
 
-<file path=ppt/slides/slide26.xml><?xml version="1.0" encoding="utf-8"?>
+<file path=ppt/slides/slide25.xml><?xml version="1.0" encoding="utf-8"?>
 <p:sld xmlns:a="http://schemas.openxmlformats.org/drawingml/2006/main" xmlns:r="http://schemas.openxmlformats.org/officeDocument/2006/relationships" xmlns:p="http://schemas.openxmlformats.org/presentationml/2006/main">
   <p:cSld>
     <p:spTree>
@@ -22316,7 +20830,7 @@
 </p:sld>
 </file>
 
-<file path=ppt/slides/slide27.xml><?xml version="1.0" encoding="utf-8"?>
+<file path=ppt/slides/slide26.xml><?xml version="1.0" encoding="utf-8"?>
 <p:sld xmlns:a="http://schemas.openxmlformats.org/drawingml/2006/main" xmlns:r="http://schemas.openxmlformats.org/officeDocument/2006/relationships" xmlns:p="http://schemas.openxmlformats.org/presentationml/2006/main">
   <p:cSld>
     <p:spTree>
@@ -22471,7 +20985,7 @@
               <a:pPr>
                 <a:defRPr/>
               </a:pPr>
-              <a:t>27</a:t>
+              <a:t>26</a:t>
             </a:fld>
             <a:endParaRPr lang="en-US"/>
           </a:p>
@@ -22894,7 +21408,7 @@
 </p:sld>
 </file>
 
-<file path=ppt/slides/slide28.xml><?xml version="1.0" encoding="utf-8"?>
+<file path=ppt/slides/slide27.xml><?xml version="1.0" encoding="utf-8"?>
 <p:sld xmlns:a="http://schemas.openxmlformats.org/drawingml/2006/main" xmlns:r="http://schemas.openxmlformats.org/officeDocument/2006/relationships" xmlns:p="http://schemas.openxmlformats.org/presentationml/2006/main">
   <p:cSld>
     <p:spTree>
@@ -22982,7 +21496,7 @@
 </p:sld>
 </file>
 
-<file path=ppt/slides/slide29.xml><?xml version="1.0" encoding="utf-8"?>
+<file path=ppt/slides/slide28.xml><?xml version="1.0" encoding="utf-8"?>
 <p:sld xmlns:a="http://schemas.openxmlformats.org/drawingml/2006/main" xmlns:r="http://schemas.openxmlformats.org/officeDocument/2006/relationships" xmlns:p="http://schemas.openxmlformats.org/presentationml/2006/main">
   <p:cSld>
     <p:spTree>
@@ -23070,257 +21584,7 @@
 </p:sld>
 </file>
 
-<file path=ppt/slides/slide3.xml><?xml version="1.0" encoding="utf-8"?>
-<p:sld xmlns:a="http://schemas.openxmlformats.org/drawingml/2006/main" xmlns:r="http://schemas.openxmlformats.org/officeDocument/2006/relationships" xmlns:p="http://schemas.openxmlformats.org/presentationml/2006/main">
-  <p:cSld>
-    <p:spTree>
-      <p:nvGrpSpPr>
-        <p:cNvPr id="1" name=""/>
-        <p:cNvGrpSpPr/>
-        <p:nvPr/>
-      </p:nvGrpSpPr>
-      <p:grpSpPr>
-        <a:xfrm>
-          <a:off x="0" y="0"/>
-          <a:ext cx="0" cy="0"/>
-          <a:chOff x="0" y="0"/>
-          <a:chExt cx="0" cy="0"/>
-        </a:xfrm>
-      </p:grpSpPr>
-      <p:sp>
-        <p:nvSpPr>
-          <p:cNvPr id="75777" name="Title 1">
-            <a:extLst>
-              <a:ext uri="{FF2B5EF4-FFF2-40B4-BE49-F238E27FC236}">
-                <a16:creationId xmlns:a16="http://schemas.microsoft.com/office/drawing/2014/main" id="{82E25CAA-157D-9A4D-9A65-2F849EEFF4F8}"/>
-              </a:ext>
-            </a:extLst>
-          </p:cNvPr>
-          <p:cNvSpPr>
-            <a:spLocks noGrp="1" noChangeArrowheads="1"/>
-          </p:cNvSpPr>
-          <p:nvPr>
-            <p:ph type="title"/>
-          </p:nvPr>
-        </p:nvSpPr>
-        <p:spPr/>
-        <p:txBody>
-          <a:bodyPr/>
-          <a:lstStyle/>
-          <a:p>
-            <a:r>
-              <a:rPr lang="en-US" altLang="en-US"/>
-              <a:t>Security and Privacy Ideals</a:t>
-            </a:r>
-          </a:p>
-        </p:txBody>
-      </p:sp>
-      <p:sp>
-        <p:nvSpPr>
-          <p:cNvPr id="3" name="Content Placeholder 2">
-            <a:extLst>
-              <a:ext uri="{FF2B5EF4-FFF2-40B4-BE49-F238E27FC236}">
-                <a16:creationId xmlns:a16="http://schemas.microsoft.com/office/drawing/2014/main" id="{C8114C1E-41F5-D443-ABA8-E94A95598235}"/>
-              </a:ext>
-            </a:extLst>
-          </p:cNvPr>
-          <p:cNvSpPr>
-            <a:spLocks noGrp="1"/>
-          </p:cNvSpPr>
-          <p:nvPr>
-            <p:ph idx="1"/>
-          </p:nvPr>
-        </p:nvSpPr>
-        <p:spPr/>
-        <p:txBody>
-          <a:bodyPr>
-            <a:normAutofit/>
-          </a:bodyPr>
-          <a:lstStyle/>
-          <a:p>
-            <a:pPr>
-              <a:lnSpc>
-                <a:spcPct val="80000"/>
-              </a:lnSpc>
-              <a:defRPr/>
-            </a:pPr>
-            <a:r>
-              <a:rPr lang="en-US" altLang="en-US" sz="2200" b="1"/>
-              <a:t>Monitoring:</a:t>
-            </a:r>
-            <a:r>
-              <a:rPr lang="en-US" altLang="en-US" sz="2200"/>
-              <a:t> Gather only what’s needed</a:t>
-            </a:r>
-          </a:p>
-          <a:p>
-            <a:pPr lvl="1">
-              <a:lnSpc>
-                <a:spcPct val="80000"/>
-              </a:lnSpc>
-              <a:defRPr/>
-            </a:pPr>
-            <a:r>
-              <a:rPr lang="en-US" altLang="en-US" sz="1900"/>
-              <a:t>Use queries to drive data collection (IPFIX, packet traces, payload, DNS)</a:t>
-            </a:r>
-          </a:p>
-          <a:p>
-            <a:pPr lvl="1">
-              <a:lnSpc>
-                <a:spcPct val="80000"/>
-              </a:lnSpc>
-              <a:defRPr/>
-            </a:pPr>
-            <a:r>
-              <a:rPr lang="en-US" altLang="en-US" sz="1900"/>
-              <a:t>Trigger “deep dives” based on lightweight thresholds (script de-obfuscation)</a:t>
-            </a:r>
-          </a:p>
-          <a:p>
-            <a:pPr>
-              <a:lnSpc>
-                <a:spcPct val="80000"/>
-              </a:lnSpc>
-              <a:buFontTx/>
-              <a:buNone/>
-              <a:defRPr/>
-            </a:pPr>
-            <a:endParaRPr lang="en-US" altLang="en-US" sz="2200"/>
-          </a:p>
-          <a:p>
-            <a:pPr>
-              <a:lnSpc>
-                <a:spcPct val="80000"/>
-              </a:lnSpc>
-              <a:defRPr/>
-            </a:pPr>
-            <a:r>
-              <a:rPr lang="en-US" altLang="en-US" sz="2200" b="1"/>
-              <a:t>Inference: </a:t>
-            </a:r>
-            <a:r>
-              <a:rPr lang="en-US" altLang="en-US" sz="2200"/>
-              <a:t>Detect attacks in real-time (not just offline traces)</a:t>
-            </a:r>
-          </a:p>
-          <a:p>
-            <a:pPr lvl="1">
-              <a:lnSpc>
-                <a:spcPct val="80000"/>
-              </a:lnSpc>
-              <a:defRPr/>
-            </a:pPr>
-            <a:r>
-              <a:rPr lang="en-US" altLang="en-US" sz="1900"/>
-              <a:t>“Compile” machine learning-based inference models to line-rate targets</a:t>
-            </a:r>
-          </a:p>
-          <a:p>
-            <a:pPr lvl="1">
-              <a:lnSpc>
-                <a:spcPct val="80000"/>
-              </a:lnSpc>
-              <a:defRPr/>
-            </a:pPr>
-            <a:r>
-              <a:rPr lang="en-US" altLang="en-US" sz="1900"/>
-              <a:t>Trigger gathering of more information as needed </a:t>
-            </a:r>
-            <a:br>
-              <a:rPr lang="en-US" altLang="en-US" sz="1900"/>
-            </a:br>
-            <a:r>
-              <a:rPr lang="en-US" altLang="en-US" sz="1900"/>
-              <a:t>(networking meets active learning)</a:t>
-            </a:r>
-          </a:p>
-          <a:p>
-            <a:pPr>
-              <a:lnSpc>
-                <a:spcPct val="80000"/>
-              </a:lnSpc>
-              <a:defRPr/>
-            </a:pPr>
-            <a:endParaRPr lang="en-US" altLang="en-US" sz="2200"/>
-          </a:p>
-          <a:p>
-            <a:pPr>
-              <a:lnSpc>
-                <a:spcPct val="80000"/>
-              </a:lnSpc>
-              <a:defRPr/>
-            </a:pPr>
-            <a:r>
-              <a:rPr lang="en-US" altLang="en-US" sz="2200" b="1"/>
-              <a:t>Control: </a:t>
-            </a:r>
-            <a:r>
-              <a:rPr lang="en-US" altLang="en-US" sz="2200"/>
-              <a:t>Automate (some) decisions</a:t>
-            </a:r>
-          </a:p>
-          <a:p>
-            <a:pPr lvl="1">
-              <a:lnSpc>
-                <a:spcPct val="80000"/>
-              </a:lnSpc>
-              <a:defRPr/>
-            </a:pPr>
-            <a:r>
-              <a:rPr lang="en-US" altLang="en-US" sz="1900"/>
-              <a:t>Rate limiting decisions (DNS response rate-limiting in-network)</a:t>
-            </a:r>
-          </a:p>
-          <a:p>
-            <a:pPr lvl="1">
-              <a:lnSpc>
-                <a:spcPct val="80000"/>
-              </a:lnSpc>
-              <a:defRPr/>
-            </a:pPr>
-            <a:r>
-              <a:rPr lang="en-US" altLang="en-US" sz="1900"/>
-              <a:t>Traffic redirection (e.g., to scrubbers, middleboxes)</a:t>
-            </a:r>
-          </a:p>
-          <a:p>
-            <a:pPr lvl="1">
-              <a:lnSpc>
-                <a:spcPct val="80000"/>
-              </a:lnSpc>
-              <a:defRPr/>
-            </a:pPr>
-            <a:r>
-              <a:rPr lang="en-US" altLang="en-US" sz="1900"/>
-              <a:t>On-the-fly placement of virtual middleboxes</a:t>
-            </a:r>
-          </a:p>
-          <a:p>
-            <a:pPr lvl="1">
-              <a:lnSpc>
-                <a:spcPct val="80000"/>
-              </a:lnSpc>
-              <a:defRPr/>
-            </a:pPr>
-            <a:endParaRPr lang="en-US" altLang="en-US" sz="1900"/>
-          </a:p>
-        </p:txBody>
-      </p:sp>
-    </p:spTree>
-    <p:extLst>
-      <p:ext uri="{BB962C8B-B14F-4D97-AF65-F5344CB8AC3E}">
-        <p14:creationId xmlns:p14="http://schemas.microsoft.com/office/powerpoint/2010/main" val="1642718853"/>
-      </p:ext>
-    </p:extLst>
-  </p:cSld>
-  <p:clrMapOvr>
-    <a:masterClrMapping/>
-  </p:clrMapOvr>
-</p:sld>
-</file>
-
-<file path=ppt/slides/slide30.xml><?xml version="1.0" encoding="utf-8"?>
+<file path=ppt/slides/slide29.xml><?xml version="1.0" encoding="utf-8"?>
 <p:sld xmlns:a="http://schemas.openxmlformats.org/drawingml/2006/main" xmlns:r="http://schemas.openxmlformats.org/officeDocument/2006/relationships" xmlns:p="http://schemas.openxmlformats.org/presentationml/2006/main">
   <p:cSld>
     <p:spTree>
@@ -23615,6 +21879,387 @@
 </p:sld>
 </file>
 
+<file path=ppt/slides/slide3.xml><?xml version="1.0" encoding="utf-8"?>
+<p:sld xmlns:a="http://schemas.openxmlformats.org/drawingml/2006/main" xmlns:r="http://schemas.openxmlformats.org/officeDocument/2006/relationships" xmlns:p="http://schemas.openxmlformats.org/presentationml/2006/main">
+  <p:cSld>
+    <p:spTree>
+      <p:nvGrpSpPr>
+        <p:cNvPr id="1" name=""/>
+        <p:cNvGrpSpPr/>
+        <p:nvPr/>
+      </p:nvGrpSpPr>
+      <p:grpSpPr>
+        <a:xfrm>
+          <a:off x="0" y="0"/>
+          <a:ext cx="0" cy="0"/>
+          <a:chOff x="0" y="0"/>
+          <a:chExt cx="0" cy="0"/>
+        </a:xfrm>
+      </p:grpSpPr>
+      <p:sp>
+        <p:nvSpPr>
+          <p:cNvPr id="75777" name="Title 1">
+            <a:extLst>
+              <a:ext uri="{FF2B5EF4-FFF2-40B4-BE49-F238E27FC236}">
+                <a16:creationId xmlns:a16="http://schemas.microsoft.com/office/drawing/2014/main" id="{82E25CAA-157D-9A4D-9A65-2F849EEFF4F8}"/>
+              </a:ext>
+            </a:extLst>
+          </p:cNvPr>
+          <p:cNvSpPr>
+            <a:spLocks noGrp="1" noChangeArrowheads="1"/>
+          </p:cNvSpPr>
+          <p:nvPr>
+            <p:ph type="title"/>
+          </p:nvPr>
+        </p:nvSpPr>
+        <p:spPr/>
+        <p:txBody>
+          <a:bodyPr/>
+          <a:lstStyle/>
+          <a:p>
+            <a:r>
+              <a:rPr lang="en-US" altLang="en-US"/>
+              <a:t>Security and Privacy Ideals</a:t>
+            </a:r>
+          </a:p>
+        </p:txBody>
+      </p:sp>
+      <p:sp>
+        <p:nvSpPr>
+          <p:cNvPr id="3" name="Content Placeholder 2">
+            <a:extLst>
+              <a:ext uri="{FF2B5EF4-FFF2-40B4-BE49-F238E27FC236}">
+                <a16:creationId xmlns:a16="http://schemas.microsoft.com/office/drawing/2014/main" id="{C8114C1E-41F5-D443-ABA8-E94A95598235}"/>
+              </a:ext>
+            </a:extLst>
+          </p:cNvPr>
+          <p:cNvSpPr>
+            <a:spLocks noGrp="1"/>
+          </p:cNvSpPr>
+          <p:nvPr>
+            <p:ph idx="1"/>
+          </p:nvPr>
+        </p:nvSpPr>
+        <p:spPr/>
+        <p:txBody>
+          <a:bodyPr>
+            <a:normAutofit/>
+          </a:bodyPr>
+          <a:lstStyle/>
+          <a:p>
+            <a:pPr>
+              <a:lnSpc>
+                <a:spcPct val="80000"/>
+              </a:lnSpc>
+              <a:defRPr/>
+            </a:pPr>
+            <a:r>
+              <a:rPr lang="en-US" altLang="en-US" sz="2200" b="1"/>
+              <a:t>Monitoring:</a:t>
+            </a:r>
+            <a:r>
+              <a:rPr lang="en-US" altLang="en-US" sz="2200"/>
+              <a:t> Gather only what’s needed</a:t>
+            </a:r>
+          </a:p>
+          <a:p>
+            <a:pPr lvl="1">
+              <a:lnSpc>
+                <a:spcPct val="80000"/>
+              </a:lnSpc>
+              <a:defRPr/>
+            </a:pPr>
+            <a:r>
+              <a:rPr lang="en-US" altLang="en-US" sz="1900"/>
+              <a:t>Use queries to drive data collection (IPFIX, packet traces, payload, DNS)</a:t>
+            </a:r>
+          </a:p>
+          <a:p>
+            <a:pPr lvl="1">
+              <a:lnSpc>
+                <a:spcPct val="80000"/>
+              </a:lnSpc>
+              <a:defRPr/>
+            </a:pPr>
+            <a:r>
+              <a:rPr lang="en-US" altLang="en-US" sz="1900"/>
+              <a:t>Trigger “deep dives” based on lightweight thresholds (script de-obfuscation)</a:t>
+            </a:r>
+          </a:p>
+          <a:p>
+            <a:pPr>
+              <a:lnSpc>
+                <a:spcPct val="80000"/>
+              </a:lnSpc>
+              <a:buFontTx/>
+              <a:buNone/>
+              <a:defRPr/>
+            </a:pPr>
+            <a:endParaRPr lang="en-US" altLang="en-US" sz="2200"/>
+          </a:p>
+          <a:p>
+            <a:pPr>
+              <a:lnSpc>
+                <a:spcPct val="80000"/>
+              </a:lnSpc>
+              <a:defRPr/>
+            </a:pPr>
+            <a:r>
+              <a:rPr lang="en-US" altLang="en-US" sz="2200" b="1"/>
+              <a:t>Inference: </a:t>
+            </a:r>
+            <a:r>
+              <a:rPr lang="en-US" altLang="en-US" sz="2200"/>
+              <a:t>Detect attacks in real-time (not just offline traces)</a:t>
+            </a:r>
+          </a:p>
+          <a:p>
+            <a:pPr lvl="1">
+              <a:lnSpc>
+                <a:spcPct val="80000"/>
+              </a:lnSpc>
+              <a:defRPr/>
+            </a:pPr>
+            <a:r>
+              <a:rPr lang="en-US" altLang="en-US" sz="1900"/>
+              <a:t>“Compile” machine learning-based inference models to line-rate targets</a:t>
+            </a:r>
+          </a:p>
+          <a:p>
+            <a:pPr lvl="1">
+              <a:lnSpc>
+                <a:spcPct val="80000"/>
+              </a:lnSpc>
+              <a:defRPr/>
+            </a:pPr>
+            <a:r>
+              <a:rPr lang="en-US" altLang="en-US" sz="1900"/>
+              <a:t>Trigger gathering of more information as needed </a:t>
+            </a:r>
+            <a:br>
+              <a:rPr lang="en-US" altLang="en-US" sz="1900"/>
+            </a:br>
+            <a:r>
+              <a:rPr lang="en-US" altLang="en-US" sz="1900"/>
+              <a:t>(networking meets active learning)</a:t>
+            </a:r>
+          </a:p>
+          <a:p>
+            <a:pPr>
+              <a:lnSpc>
+                <a:spcPct val="80000"/>
+              </a:lnSpc>
+              <a:defRPr/>
+            </a:pPr>
+            <a:endParaRPr lang="en-US" altLang="en-US" sz="2200"/>
+          </a:p>
+          <a:p>
+            <a:pPr>
+              <a:lnSpc>
+                <a:spcPct val="80000"/>
+              </a:lnSpc>
+              <a:defRPr/>
+            </a:pPr>
+            <a:r>
+              <a:rPr lang="en-US" altLang="en-US" sz="2200" b="1"/>
+              <a:t>Control: </a:t>
+            </a:r>
+            <a:r>
+              <a:rPr lang="en-US" altLang="en-US" sz="2200"/>
+              <a:t>Automate (some) decisions</a:t>
+            </a:r>
+          </a:p>
+          <a:p>
+            <a:pPr lvl="1">
+              <a:lnSpc>
+                <a:spcPct val="80000"/>
+              </a:lnSpc>
+              <a:defRPr/>
+            </a:pPr>
+            <a:r>
+              <a:rPr lang="en-US" altLang="en-US" sz="1900"/>
+              <a:t>Rate limiting decisions (DNS response rate-limiting in-network)</a:t>
+            </a:r>
+          </a:p>
+          <a:p>
+            <a:pPr lvl="1">
+              <a:lnSpc>
+                <a:spcPct val="80000"/>
+              </a:lnSpc>
+              <a:defRPr/>
+            </a:pPr>
+            <a:r>
+              <a:rPr lang="en-US" altLang="en-US" sz="1900"/>
+              <a:t>Traffic redirection (e.g., to scrubbers, middleboxes)</a:t>
+            </a:r>
+          </a:p>
+          <a:p>
+            <a:pPr lvl="1">
+              <a:lnSpc>
+                <a:spcPct val="80000"/>
+              </a:lnSpc>
+              <a:defRPr/>
+            </a:pPr>
+            <a:r>
+              <a:rPr lang="en-US" altLang="en-US" sz="1900"/>
+              <a:t>On-the-fly placement of virtual middleboxes</a:t>
+            </a:r>
+          </a:p>
+          <a:p>
+            <a:pPr lvl="1">
+              <a:lnSpc>
+                <a:spcPct val="80000"/>
+              </a:lnSpc>
+              <a:defRPr/>
+            </a:pPr>
+            <a:endParaRPr lang="en-US" altLang="en-US" sz="1900"/>
+          </a:p>
+        </p:txBody>
+      </p:sp>
+    </p:spTree>
+    <p:extLst>
+      <p:ext uri="{BB962C8B-B14F-4D97-AF65-F5344CB8AC3E}">
+        <p14:creationId xmlns:p14="http://schemas.microsoft.com/office/powerpoint/2010/main" val="1642718853"/>
+      </p:ext>
+    </p:extLst>
+  </p:cSld>
+  <p:clrMapOvr>
+    <a:masterClrMapping/>
+  </p:clrMapOvr>
+</p:sld>
+</file>
+
+<file path=ppt/slides/slide30.xml><?xml version="1.0" encoding="utf-8"?>
+<p:sld xmlns:a="http://schemas.openxmlformats.org/drawingml/2006/main" xmlns:r="http://schemas.openxmlformats.org/officeDocument/2006/relationships" xmlns:p="http://schemas.openxmlformats.org/presentationml/2006/main">
+  <p:cSld>
+    <p:spTree>
+      <p:nvGrpSpPr>
+        <p:cNvPr id="1" name=""/>
+        <p:cNvGrpSpPr/>
+        <p:nvPr/>
+      </p:nvGrpSpPr>
+      <p:grpSpPr>
+        <a:xfrm>
+          <a:off x="0" y="0"/>
+          <a:ext cx="0" cy="0"/>
+          <a:chOff x="0" y="0"/>
+          <a:chExt cx="0" cy="0"/>
+        </a:xfrm>
+      </p:grpSpPr>
+      <p:sp>
+        <p:nvSpPr>
+          <p:cNvPr id="2" name="Title 1">
+            <a:extLst>
+              <a:ext uri="{FF2B5EF4-FFF2-40B4-BE49-F238E27FC236}">
+                <a16:creationId xmlns:a16="http://schemas.microsoft.com/office/drawing/2014/main" id="{C9DE2A2C-8484-9F4E-94F1-830C446A9052}"/>
+              </a:ext>
+            </a:extLst>
+          </p:cNvPr>
+          <p:cNvSpPr>
+            <a:spLocks noGrp="1"/>
+          </p:cNvSpPr>
+          <p:nvPr>
+            <p:ph type="title"/>
+          </p:nvPr>
+        </p:nvSpPr>
+        <p:spPr/>
+        <p:txBody>
+          <a:bodyPr/>
+          <a:lstStyle/>
+          <a:p>
+            <a:r>
+              <a:rPr lang="en-US" dirty="0"/>
+              <a:t>Challenges</a:t>
+            </a:r>
+          </a:p>
+        </p:txBody>
+      </p:sp>
+      <p:sp>
+        <p:nvSpPr>
+          <p:cNvPr id="3" name="Content Placeholder 2">
+            <a:extLst>
+              <a:ext uri="{FF2B5EF4-FFF2-40B4-BE49-F238E27FC236}">
+                <a16:creationId xmlns:a16="http://schemas.microsoft.com/office/drawing/2014/main" id="{359918A6-8264-C347-B58D-FE7261063402}"/>
+              </a:ext>
+            </a:extLst>
+          </p:cNvPr>
+          <p:cNvSpPr>
+            <a:spLocks noGrp="1"/>
+          </p:cNvSpPr>
+          <p:nvPr>
+            <p:ph idx="1"/>
+          </p:nvPr>
+        </p:nvSpPr>
+        <p:spPr/>
+        <p:txBody>
+          <a:bodyPr/>
+          <a:lstStyle/>
+          <a:p>
+            <a:r>
+              <a:rPr lang="en-US" dirty="0"/>
+              <a:t>Defining “disinformation” in the first place</a:t>
+            </a:r>
+          </a:p>
+          <a:p>
+            <a:pPr lvl="1"/>
+            <a:r>
+              <a:rPr lang="en-US" dirty="0"/>
+              <a:t>Everything that’s false?</a:t>
+            </a:r>
+          </a:p>
+          <a:p>
+            <a:pPr lvl="1"/>
+            <a:r>
+              <a:rPr lang="en-US" dirty="0"/>
+              <a:t>Information that is false but is made to look true?</a:t>
+            </a:r>
+          </a:p>
+          <a:p>
+            <a:pPr lvl="1"/>
+            <a:r>
+              <a:rPr lang="en-US" dirty="0"/>
+              <a:t>What about motives? (profit, political, otherwise, …)</a:t>
+            </a:r>
+          </a:p>
+          <a:p>
+            <a:pPr lvl="1"/>
+            <a:r>
+              <a:rPr lang="en-US" dirty="0"/>
+              <a:t>Partisan bias is not the same as disinformation</a:t>
+            </a:r>
+          </a:p>
+          <a:p>
+            <a:pPr lvl="1"/>
+            <a:endParaRPr lang="en-US" dirty="0"/>
+          </a:p>
+          <a:p>
+            <a:r>
+              <a:rPr lang="en-US" dirty="0"/>
+              <a:t>Importance of early detection</a:t>
+            </a:r>
+          </a:p>
+          <a:p>
+            <a:pPr lvl="1"/>
+            <a:r>
+              <a:rPr lang="en-US" dirty="0"/>
+              <a:t>Once misinformation spreads, in some sense it may already be too late</a:t>
+            </a:r>
+          </a:p>
+        </p:txBody>
+      </p:sp>
+    </p:spTree>
+    <p:extLst>
+      <p:ext uri="{BB962C8B-B14F-4D97-AF65-F5344CB8AC3E}">
+        <p14:creationId xmlns:p14="http://schemas.microsoft.com/office/powerpoint/2010/main" val="3619449231"/>
+      </p:ext>
+    </p:extLst>
+  </p:cSld>
+  <p:clrMapOvr>
+    <a:masterClrMapping/>
+  </p:clrMapOvr>
+</p:sld>
+</file>
+
 <file path=ppt/slides/slide31.xml><?xml version="1.0" encoding="utf-8"?>
 <p:sld xmlns:a="http://schemas.openxmlformats.org/drawingml/2006/main" xmlns:r="http://schemas.openxmlformats.org/officeDocument/2006/relationships" xmlns:p="http://schemas.openxmlformats.org/presentationml/2006/main">
   <p:cSld>
@@ -23637,137 +22282,6 @@
           <p:cNvPr id="2" name="Title 1">
             <a:extLst>
               <a:ext uri="{FF2B5EF4-FFF2-40B4-BE49-F238E27FC236}">
-                <a16:creationId xmlns:a16="http://schemas.microsoft.com/office/drawing/2014/main" id="{C9DE2A2C-8484-9F4E-94F1-830C446A9052}"/>
-              </a:ext>
-            </a:extLst>
-          </p:cNvPr>
-          <p:cNvSpPr>
-            <a:spLocks noGrp="1"/>
-          </p:cNvSpPr>
-          <p:nvPr>
-            <p:ph type="title"/>
-          </p:nvPr>
-        </p:nvSpPr>
-        <p:spPr/>
-        <p:txBody>
-          <a:bodyPr/>
-          <a:lstStyle/>
-          <a:p>
-            <a:r>
-              <a:rPr lang="en-US" dirty="0"/>
-              <a:t>Challenges</a:t>
-            </a:r>
-          </a:p>
-        </p:txBody>
-      </p:sp>
-      <p:sp>
-        <p:nvSpPr>
-          <p:cNvPr id="3" name="Content Placeholder 2">
-            <a:extLst>
-              <a:ext uri="{FF2B5EF4-FFF2-40B4-BE49-F238E27FC236}">
-                <a16:creationId xmlns:a16="http://schemas.microsoft.com/office/drawing/2014/main" id="{359918A6-8264-C347-B58D-FE7261063402}"/>
-              </a:ext>
-            </a:extLst>
-          </p:cNvPr>
-          <p:cNvSpPr>
-            <a:spLocks noGrp="1"/>
-          </p:cNvSpPr>
-          <p:nvPr>
-            <p:ph idx="1"/>
-          </p:nvPr>
-        </p:nvSpPr>
-        <p:spPr/>
-        <p:txBody>
-          <a:bodyPr/>
-          <a:lstStyle/>
-          <a:p>
-            <a:r>
-              <a:rPr lang="en-US" dirty="0"/>
-              <a:t>Defining “disinformation” in the first place</a:t>
-            </a:r>
-          </a:p>
-          <a:p>
-            <a:pPr lvl="1"/>
-            <a:r>
-              <a:rPr lang="en-US" dirty="0"/>
-              <a:t>Everything that’s false?</a:t>
-            </a:r>
-          </a:p>
-          <a:p>
-            <a:pPr lvl="1"/>
-            <a:r>
-              <a:rPr lang="en-US" dirty="0"/>
-              <a:t>Information that is false but is made to look true?</a:t>
-            </a:r>
-          </a:p>
-          <a:p>
-            <a:pPr lvl="1"/>
-            <a:r>
-              <a:rPr lang="en-US" dirty="0"/>
-              <a:t>What about motives? (profit, political, otherwise, …)</a:t>
-            </a:r>
-          </a:p>
-          <a:p>
-            <a:pPr lvl="1"/>
-            <a:r>
-              <a:rPr lang="en-US" dirty="0"/>
-              <a:t>Partisan bias is not the same as disinformation</a:t>
-            </a:r>
-          </a:p>
-          <a:p>
-            <a:pPr lvl="1"/>
-            <a:endParaRPr lang="en-US" dirty="0"/>
-          </a:p>
-          <a:p>
-            <a:r>
-              <a:rPr lang="en-US" dirty="0"/>
-              <a:t>Importance of early detection</a:t>
-            </a:r>
-          </a:p>
-          <a:p>
-            <a:pPr lvl="1"/>
-            <a:r>
-              <a:rPr lang="en-US" dirty="0"/>
-              <a:t>Once misinformation spreads, in some sense it may already be too late</a:t>
-            </a:r>
-          </a:p>
-        </p:txBody>
-      </p:sp>
-    </p:spTree>
-    <p:extLst>
-      <p:ext uri="{BB962C8B-B14F-4D97-AF65-F5344CB8AC3E}">
-        <p14:creationId xmlns:p14="http://schemas.microsoft.com/office/powerpoint/2010/main" val="3619449231"/>
-      </p:ext>
-    </p:extLst>
-  </p:cSld>
-  <p:clrMapOvr>
-    <a:masterClrMapping/>
-  </p:clrMapOvr>
-</p:sld>
-</file>
-
-<file path=ppt/slides/slide32.xml><?xml version="1.0" encoding="utf-8"?>
-<p:sld xmlns:a="http://schemas.openxmlformats.org/drawingml/2006/main" xmlns:r="http://schemas.openxmlformats.org/officeDocument/2006/relationships" xmlns:p="http://schemas.openxmlformats.org/presentationml/2006/main">
-  <p:cSld>
-    <p:spTree>
-      <p:nvGrpSpPr>
-        <p:cNvPr id="1" name=""/>
-        <p:cNvGrpSpPr/>
-        <p:nvPr/>
-      </p:nvGrpSpPr>
-      <p:grpSpPr>
-        <a:xfrm>
-          <a:off x="0" y="0"/>
-          <a:ext cx="0" cy="0"/>
-          <a:chOff x="0" y="0"/>
-          <a:chExt cx="0" cy="0"/>
-        </a:xfrm>
-      </p:grpSpPr>
-      <p:sp>
-        <p:nvSpPr>
-          <p:cNvPr id="2" name="Title 1">
-            <a:extLst>
-              <a:ext uri="{FF2B5EF4-FFF2-40B4-BE49-F238E27FC236}">
                 <a16:creationId xmlns:a16="http://schemas.microsoft.com/office/drawing/2014/main" id="{4A37D394-4FE1-284A-B5E5-1947EFAAECDE}"/>
               </a:ext>
             </a:extLst>
@@ -23867,7 +22381,7 @@
 </p:sld>
 </file>
 
-<file path=ppt/slides/slide33.xml><?xml version="1.0" encoding="utf-8"?>
+<file path=ppt/slides/slide32.xml><?xml version="1.0" encoding="utf-8"?>
 <p:sld xmlns:a="http://schemas.openxmlformats.org/drawingml/2006/main" xmlns:r="http://schemas.openxmlformats.org/officeDocument/2006/relationships" xmlns:p="http://schemas.openxmlformats.org/presentationml/2006/main">
   <p:cSld>
     <p:spTree>
@@ -24027,7 +22541,7 @@
 </p:sld>
 </file>
 
-<file path=ppt/slides/slide34.xml><?xml version="1.0" encoding="utf-8"?>
+<file path=ppt/slides/slide33.xml><?xml version="1.0" encoding="utf-8"?>
 <p:sld xmlns:a="http://schemas.openxmlformats.org/drawingml/2006/main" xmlns:r="http://schemas.openxmlformats.org/officeDocument/2006/relationships" xmlns:p="http://schemas.openxmlformats.org/presentationml/2006/main">
   <p:cSld>
     <p:spTree>
@@ -24115,7 +22629,7 @@
 </p:sld>
 </file>
 
-<file path=ppt/slides/slide35.xml><?xml version="1.0" encoding="utf-8"?>
+<file path=ppt/slides/slide34.xml><?xml version="1.0" encoding="utf-8"?>
 <p:sld xmlns:a="http://schemas.openxmlformats.org/drawingml/2006/main" xmlns:r="http://schemas.openxmlformats.org/officeDocument/2006/relationships" xmlns:p="http://schemas.openxmlformats.org/presentationml/2006/main">
   <p:cSld>
     <p:spTree>
@@ -24268,7 +22782,7 @@
 </p:sld>
 </file>
 
-<file path=ppt/slides/slide36.xml><?xml version="1.0" encoding="utf-8"?>
+<file path=ppt/slides/slide35.xml><?xml version="1.0" encoding="utf-8"?>
 <p:sld xmlns:a="http://schemas.openxmlformats.org/drawingml/2006/main" xmlns:r="http://schemas.openxmlformats.org/officeDocument/2006/relationships" xmlns:p="http://schemas.openxmlformats.org/presentationml/2006/main">
   <p:cSld>
     <p:spTree>
@@ -24356,7 +22870,7 @@
 </p:sld>
 </file>
 
-<file path=ppt/slides/slide37.xml><?xml version="1.0" encoding="utf-8"?>
+<file path=ppt/slides/slide36.xml><?xml version="1.0" encoding="utf-8"?>
 <p:sld xmlns:a="http://schemas.openxmlformats.org/drawingml/2006/main" xmlns:r="http://schemas.openxmlformats.org/officeDocument/2006/relationships" xmlns:p="http://schemas.openxmlformats.org/presentationml/2006/main">
   <p:cSld>
     <p:spTree>
@@ -24480,7 +22994,7 @@
 </p:sld>
 </file>
 
-<file path=ppt/slides/slide38.xml><?xml version="1.0" encoding="utf-8"?>
+<file path=ppt/slides/slide37.xml><?xml version="1.0" encoding="utf-8"?>
 <p:sld xmlns:a="http://schemas.openxmlformats.org/drawingml/2006/main" xmlns:r="http://schemas.openxmlformats.org/officeDocument/2006/relationships" xmlns:p="http://schemas.openxmlformats.org/presentationml/2006/main">
   <p:cSld>
     <p:spTree>
@@ -24568,7 +23082,7 @@
 </p:sld>
 </file>
 
-<file path=ppt/slides/slide39.xml><?xml version="1.0" encoding="utf-8"?>
+<file path=ppt/slides/slide38.xml><?xml version="1.0" encoding="utf-8"?>
 <p:sld xmlns:a="http://schemas.openxmlformats.org/drawingml/2006/main" xmlns:r="http://schemas.openxmlformats.org/officeDocument/2006/relationships" xmlns:p="http://schemas.openxmlformats.org/presentationml/2006/main">
   <p:cSld>
     <p:spTree>
@@ -26678,91 +25192,6 @@
         </p:txBody>
       </p:sp>
     </p:spTree>
-  </p:cSld>
-  <p:clrMapOvr>
-    <a:masterClrMapping/>
-  </p:clrMapOvr>
-</p:sld>
-</file>
-
-<file path=ppt/slides/slide40.xml><?xml version="1.0" encoding="utf-8"?>
-<p:sld xmlns:a="http://schemas.openxmlformats.org/drawingml/2006/main" xmlns:r="http://schemas.openxmlformats.org/officeDocument/2006/relationships" xmlns:p="http://schemas.openxmlformats.org/presentationml/2006/main">
-  <p:cSld>
-    <p:spTree>
-      <p:nvGrpSpPr>
-        <p:cNvPr id="1" name=""/>
-        <p:cNvGrpSpPr/>
-        <p:nvPr/>
-      </p:nvGrpSpPr>
-      <p:grpSpPr>
-        <a:xfrm>
-          <a:off x="0" y="0"/>
-          <a:ext cx="0" cy="0"/>
-          <a:chOff x="0" y="0"/>
-          <a:chExt cx="0" cy="0"/>
-        </a:xfrm>
-      </p:grpSpPr>
-      <p:sp>
-        <p:nvSpPr>
-          <p:cNvPr id="2" name="Title 1">
-            <a:extLst>
-              <a:ext uri="{FF2B5EF4-FFF2-40B4-BE49-F238E27FC236}">
-                <a16:creationId xmlns:a16="http://schemas.microsoft.com/office/drawing/2014/main" id="{B848BF39-FC52-0C44-87FC-F0EC348BCE03}"/>
-              </a:ext>
-            </a:extLst>
-          </p:cNvPr>
-          <p:cNvSpPr>
-            <a:spLocks noGrp="1"/>
-          </p:cNvSpPr>
-          <p:nvPr>
-            <p:ph type="title"/>
-          </p:nvPr>
-        </p:nvSpPr>
-        <p:spPr/>
-        <p:txBody>
-          <a:bodyPr/>
-          <a:lstStyle/>
-          <a:p>
-            <a:r>
-              <a:rPr lang="en-US" dirty="0"/>
-              <a:t>Looking Ahead</a:t>
-            </a:r>
-          </a:p>
-        </p:txBody>
-      </p:sp>
-      <p:sp>
-        <p:nvSpPr>
-          <p:cNvPr id="3" name="Content Placeholder 2">
-            <a:extLst>
-              <a:ext uri="{FF2B5EF4-FFF2-40B4-BE49-F238E27FC236}">
-                <a16:creationId xmlns:a16="http://schemas.microsoft.com/office/drawing/2014/main" id="{94CBBA2D-860A-7545-91D6-F5FA0739BAFC}"/>
-              </a:ext>
-            </a:extLst>
-          </p:cNvPr>
-          <p:cNvSpPr>
-            <a:spLocks noGrp="1"/>
-          </p:cNvSpPr>
-          <p:nvPr>
-            <p:ph idx="1"/>
-          </p:nvPr>
-        </p:nvSpPr>
-        <p:spPr/>
-        <p:txBody>
-          <a:bodyPr>
-            <a:normAutofit/>
-          </a:bodyPr>
-          <a:lstStyle/>
-          <a:p>
-            <a:endParaRPr lang="en-US" dirty="0"/>
-          </a:p>
-        </p:txBody>
-      </p:sp>
-    </p:spTree>
-    <p:extLst>
-      <p:ext uri="{BB962C8B-B14F-4D97-AF65-F5344CB8AC3E}">
-        <p14:creationId xmlns:p14="http://schemas.microsoft.com/office/powerpoint/2010/main" val="3552459509"/>
-      </p:ext>
-    </p:extLst>
   </p:cSld>
   <p:clrMapOvr>
     <a:masterClrMapping/>
@@ -31170,15 +29599,15 @@
       </p:grpSpPr>
       <p:sp>
         <p:nvSpPr>
-          <p:cNvPr id="2" name="Title 1">
+          <p:cNvPr id="27649" name="Title 7">
             <a:extLst>
               <a:ext uri="{FF2B5EF4-FFF2-40B4-BE49-F238E27FC236}">
-                <a16:creationId xmlns:a16="http://schemas.microsoft.com/office/drawing/2014/main" id="{5CC596BA-47D6-B645-AEBE-1E3BABA3929A}"/>
+                <a16:creationId xmlns:a16="http://schemas.microsoft.com/office/drawing/2014/main" id="{8D7F41B4-34C4-1C41-8661-E46EB219E1EF}"/>
               </a:ext>
             </a:extLst>
           </p:cNvPr>
           <p:cNvSpPr>
-            <a:spLocks noGrp="1"/>
+            <a:spLocks noGrp="1" noChangeArrowheads="1"/>
           </p:cNvSpPr>
           <p:nvPr>
             <p:ph type="title"/>
@@ -31186,28 +29615,368 @@
         </p:nvSpPr>
         <p:spPr>
           <a:xfrm>
-            <a:off x="838200" y="1918504"/>
+            <a:off x="532088" y="18255"/>
             <a:ext cx="10515600" cy="1325563"/>
           </a:xfrm>
         </p:spPr>
         <p:txBody>
+          <a:bodyPr>
+            <a:noAutofit/>
+          </a:bodyPr>
+          <a:lstStyle/>
+          <a:p>
+            <a:pPr algn="l"/>
+            <a:r>
+              <a:rPr lang="en-US" altLang="en-US" sz="4000" b="0" dirty="0">
+                <a:latin typeface="+mj-lt"/>
+              </a:rPr>
+              <a:t>Unwanted Traffic: Spam, Phishing, Attacks</a:t>
+            </a:r>
+          </a:p>
+        </p:txBody>
+      </p:sp>
+      <p:sp>
+        <p:nvSpPr>
+          <p:cNvPr id="2" name="Content Placeholder 1">
+            <a:extLst>
+              <a:ext uri="{FF2B5EF4-FFF2-40B4-BE49-F238E27FC236}">
+                <a16:creationId xmlns:a16="http://schemas.microsoft.com/office/drawing/2014/main" id="{4AEE0020-900B-3240-9B2C-F28ED983D6FA}"/>
+              </a:ext>
+            </a:extLst>
+          </p:cNvPr>
+          <p:cNvSpPr>
+            <a:spLocks noGrp="1"/>
+          </p:cNvSpPr>
+          <p:nvPr>
+            <p:ph idx="1"/>
+          </p:nvPr>
+        </p:nvSpPr>
+        <p:spPr>
+          <a:xfrm>
+            <a:off x="751115" y="1116884"/>
+            <a:ext cx="10515600" cy="881110"/>
+          </a:xfrm>
+        </p:spPr>
+        <p:txBody>
+          <a:bodyPr>
+            <a:normAutofit/>
+          </a:bodyPr>
+          <a:lstStyle/>
+          <a:p>
+            <a:pPr>
+              <a:defRPr/>
+            </a:pPr>
+            <a:r>
+              <a:rPr lang="en-US" sz="2400" dirty="0">
+                <a:solidFill>
+                  <a:srgbClr val="FF0000"/>
+                </a:solidFill>
+              </a:rPr>
+              <a:t>Spam rates are declining, but phishing attacks are on the rise.</a:t>
+            </a:r>
+            <a:endParaRPr lang="en-US" sz="2400" dirty="0"/>
+          </a:p>
+          <a:p>
+            <a:pPr marL="0" indent="0">
+              <a:buNone/>
+              <a:defRPr/>
+            </a:pPr>
+            <a:r>
+              <a:rPr lang="en-US" sz="1400" dirty="0"/>
+              <a:t>	</a:t>
+            </a:r>
+            <a:endParaRPr lang="en-US" dirty="0"/>
+          </a:p>
+        </p:txBody>
+      </p:sp>
+      <p:sp>
+        <p:nvSpPr>
+          <p:cNvPr id="5" name="Slide Number Placeholder 4">
+            <a:extLst>
+              <a:ext uri="{FF2B5EF4-FFF2-40B4-BE49-F238E27FC236}">
+                <a16:creationId xmlns:a16="http://schemas.microsoft.com/office/drawing/2014/main" id="{9CE6DBFA-1474-D1C2-2CD4-17DE43768ADD}"/>
+              </a:ext>
+            </a:extLst>
+          </p:cNvPr>
+          <p:cNvSpPr>
+            <a:spLocks noGrp="1"/>
+          </p:cNvSpPr>
+          <p:nvPr>
+            <p:ph type="sldNum" sz="quarter" idx="12"/>
+          </p:nvPr>
+        </p:nvSpPr>
+        <p:spPr/>
+        <p:txBody>
           <a:bodyPr/>
           <a:lstStyle/>
           <a:p>
-            <a:pPr algn="ctr"/>
-            <a:r>
-              <a:rPr lang="en-US" dirty="0"/>
-              <a:t>(Classical) Example: Email Spam</a:t>
-            </a:r>
+            <a:fld id="{C1FF6DA9-008F-8B48-92A6-B652298478BF}" type="slidenum">
+              <a:rPr lang="en-US" smtClean="0"/>
+              <a:t>8</a:t>
+            </a:fld>
+            <a:endParaRPr lang="en-US"/>
+          </a:p>
+        </p:txBody>
+      </p:sp>
+      <p:sp>
+        <p:nvSpPr>
+          <p:cNvPr id="4" name="TextBox 3">
+            <a:extLst>
+              <a:ext uri="{FF2B5EF4-FFF2-40B4-BE49-F238E27FC236}">
+                <a16:creationId xmlns:a16="http://schemas.microsoft.com/office/drawing/2014/main" id="{C1E5A3F4-BA54-65A1-702E-FF049D41DECC}"/>
+              </a:ext>
+            </a:extLst>
+          </p:cNvPr>
+          <p:cNvSpPr txBox="1"/>
+          <p:nvPr/>
+        </p:nvSpPr>
+        <p:spPr>
+          <a:xfrm>
+            <a:off x="472191" y="5844698"/>
+            <a:ext cx="6094476" cy="369332"/>
+          </a:xfrm>
+          <a:prstGeom prst="rect">
+            <a:avLst/>
+          </a:prstGeom>
+          <a:noFill/>
+        </p:spPr>
+        <p:txBody>
+          <a:bodyPr wrap="square">
+            <a:spAutoFit/>
+          </a:bodyPr>
+          <a:lstStyle/>
+          <a:p>
+            <a:pPr marL="0" indent="0">
+              <a:buNone/>
+              <a:defRPr/>
+            </a:pPr>
+            <a:r>
+              <a:rPr lang="en-US" sz="1800" dirty="0"/>
+              <a:t>(Sources: Symantec, MAAWG, Cisco)</a:t>
+            </a:r>
+            <a:endParaRPr lang="en-US" dirty="0"/>
+          </a:p>
+        </p:txBody>
+      </p:sp>
+      <p:pic>
+        <p:nvPicPr>
+          <p:cNvPr id="6" name="Picture 5" descr="A graph showing the number of spam rate and phishing attacks&#10;&#10;Description automatically generated">
+            <a:extLst>
+              <a:ext uri="{FF2B5EF4-FFF2-40B4-BE49-F238E27FC236}">
+                <a16:creationId xmlns:a16="http://schemas.microsoft.com/office/drawing/2014/main" id="{74631E2A-FC81-8E9B-7316-FC5D4E8A0C8A}"/>
+              </a:ext>
+            </a:extLst>
+          </p:cNvPr>
+          <p:cNvPicPr>
+            <a:picLocks noChangeAspect="1"/>
+          </p:cNvPicPr>
+          <p:nvPr/>
+        </p:nvPicPr>
+        <p:blipFill>
+          <a:blip r:embed="rId3"/>
+          <a:stretch>
+            <a:fillRect/>
+          </a:stretch>
+        </p:blipFill>
+        <p:spPr>
+          <a:xfrm>
+            <a:off x="300734" y="2211736"/>
+            <a:ext cx="5187099" cy="3088946"/>
+          </a:xfrm>
+          <a:prstGeom prst="rect">
+            <a:avLst/>
+          </a:prstGeom>
+        </p:spPr>
+      </p:pic>
+      <p:sp>
+        <p:nvSpPr>
+          <p:cNvPr id="12" name="TextBox 11">
+            <a:extLst>
+              <a:ext uri="{FF2B5EF4-FFF2-40B4-BE49-F238E27FC236}">
+                <a16:creationId xmlns:a16="http://schemas.microsoft.com/office/drawing/2014/main" id="{F51D275A-E468-4F4F-506A-E87E14FEA1B7}"/>
+              </a:ext>
+            </a:extLst>
+          </p:cNvPr>
+          <p:cNvSpPr txBox="1"/>
+          <p:nvPr/>
+        </p:nvSpPr>
+        <p:spPr>
+          <a:xfrm>
+            <a:off x="6180463" y="2211736"/>
+            <a:ext cx="4384713" cy="3693319"/>
+          </a:xfrm>
+          <a:prstGeom prst="rect">
+            <a:avLst/>
+          </a:prstGeom>
+          <a:noFill/>
+        </p:spPr>
+        <p:txBody>
+          <a:bodyPr wrap="square" rtlCol="0">
+            <a:spAutoFit/>
+          </a:bodyPr>
+          <a:lstStyle/>
+          <a:p>
+            <a:pPr lvl="0" eaLnBrk="0" fontAlgn="base" hangingPunct="0">
+              <a:spcBef>
+                <a:spcPct val="0"/>
+              </a:spcBef>
+              <a:spcAft>
+                <a:spcPct val="0"/>
+              </a:spcAft>
+              <a:buFontTx/>
+              <a:buChar char="•"/>
+            </a:pPr>
+            <a:r>
+              <a:rPr lang="en-US" altLang="en-US" dirty="0">
+                <a:latin typeface="Arial" panose="020B0604020202020204" pitchFamily="34" charset="0"/>
+              </a:rPr>
+              <a:t> Spam volume has declined, but </a:t>
+            </a:r>
+            <a:r>
+              <a:rPr lang="en-US" altLang="en-US" b="1" dirty="0">
+                <a:latin typeface="Arial" panose="020B0604020202020204" pitchFamily="34" charset="0"/>
+              </a:rPr>
+              <a:t>phishing and spear-phishing attacks are increasing</a:t>
+            </a:r>
+            <a:r>
+              <a:rPr lang="en-US" altLang="en-US" dirty="0">
+                <a:latin typeface="Arial" panose="020B0604020202020204" pitchFamily="34" charset="0"/>
+              </a:rPr>
+              <a:t>. </a:t>
+            </a:r>
+            <a:br>
+              <a:rPr lang="en-US" altLang="en-US" dirty="0">
+                <a:latin typeface="Arial" panose="020B0604020202020204" pitchFamily="34" charset="0"/>
+              </a:rPr>
+            </a:br>
+            <a:endParaRPr lang="en-US" altLang="en-US" dirty="0">
+              <a:latin typeface="Arial" panose="020B0604020202020204" pitchFamily="34" charset="0"/>
+            </a:endParaRPr>
+          </a:p>
+          <a:p>
+            <a:pPr lvl="0" eaLnBrk="0" fontAlgn="base" hangingPunct="0">
+              <a:spcBef>
+                <a:spcPct val="0"/>
+              </a:spcBef>
+              <a:spcAft>
+                <a:spcPct val="0"/>
+              </a:spcAft>
+              <a:buFontTx/>
+              <a:buChar char="•"/>
+            </a:pPr>
+            <a:r>
+              <a:rPr lang="en-US" altLang="en-US" dirty="0">
+                <a:latin typeface="Arial" panose="020B0604020202020204" pitchFamily="34" charset="0"/>
+              </a:rPr>
+              <a:t> Attackers now use </a:t>
+            </a:r>
+            <a:r>
+              <a:rPr lang="en-US" altLang="en-US" b="1" dirty="0">
+                <a:latin typeface="Arial" panose="020B0604020202020204" pitchFamily="34" charset="0"/>
+              </a:rPr>
+              <a:t>AI-generated content</a:t>
+            </a:r>
+            <a:r>
+              <a:rPr lang="en-US" altLang="en-US" dirty="0">
+                <a:latin typeface="Arial" panose="020B0604020202020204" pitchFamily="34" charset="0"/>
+              </a:rPr>
+              <a:t> and </a:t>
+            </a:r>
+            <a:r>
+              <a:rPr lang="en-US" altLang="en-US" b="1" dirty="0">
+                <a:latin typeface="Arial" panose="020B0604020202020204" pitchFamily="34" charset="0"/>
+              </a:rPr>
+              <a:t>deepfake media</a:t>
+            </a:r>
+            <a:r>
+              <a:rPr lang="en-US" altLang="en-US" dirty="0">
+                <a:latin typeface="Arial" panose="020B0604020202020204" pitchFamily="34" charset="0"/>
+              </a:rPr>
+              <a:t>. </a:t>
+            </a:r>
+            <a:br>
+              <a:rPr lang="en-US" altLang="en-US" dirty="0">
+                <a:latin typeface="Arial" panose="020B0604020202020204" pitchFamily="34" charset="0"/>
+              </a:rPr>
+            </a:br>
+            <a:endParaRPr lang="en-US" altLang="en-US" dirty="0">
+              <a:latin typeface="Arial" panose="020B0604020202020204" pitchFamily="34" charset="0"/>
+            </a:endParaRPr>
+          </a:p>
+          <a:p>
+            <a:pPr lvl="0" eaLnBrk="0" fontAlgn="base" hangingPunct="0">
+              <a:spcBef>
+                <a:spcPct val="0"/>
+              </a:spcBef>
+              <a:spcAft>
+                <a:spcPct val="0"/>
+              </a:spcAft>
+              <a:buFontTx/>
+              <a:buChar char="•"/>
+            </a:pPr>
+            <a:r>
+              <a:rPr lang="en-US" altLang="en-US" b="1" dirty="0">
+                <a:latin typeface="Arial" panose="020B0604020202020204" pitchFamily="34" charset="0"/>
+              </a:rPr>
+              <a:t> Evasion tactics:</a:t>
+            </a:r>
+            <a:r>
+              <a:rPr lang="en-US" altLang="en-US" dirty="0">
+                <a:latin typeface="Arial" panose="020B0604020202020204" pitchFamily="34" charset="0"/>
+              </a:rPr>
+              <a:t> Fast-flux DNS, disposable domains, encrypted payloads. </a:t>
+            </a:r>
+            <a:br>
+              <a:rPr lang="en-US" altLang="en-US" dirty="0">
+                <a:latin typeface="Arial" panose="020B0604020202020204" pitchFamily="34" charset="0"/>
+              </a:rPr>
+            </a:br>
+            <a:endParaRPr lang="en-US" altLang="en-US" dirty="0">
+              <a:latin typeface="Arial" panose="020B0604020202020204" pitchFamily="34" charset="0"/>
+            </a:endParaRPr>
+          </a:p>
+          <a:p>
+            <a:pPr lvl="0" eaLnBrk="0" fontAlgn="base" hangingPunct="0">
+              <a:spcBef>
+                <a:spcPct val="0"/>
+              </a:spcBef>
+              <a:spcAft>
+                <a:spcPct val="0"/>
+              </a:spcAft>
+              <a:buFontTx/>
+              <a:buChar char="•"/>
+            </a:pPr>
+            <a:r>
+              <a:rPr lang="en-US" altLang="en-US" b="1" dirty="0">
+                <a:latin typeface="Arial" panose="020B0604020202020204" pitchFamily="34" charset="0"/>
+              </a:rPr>
+              <a:t> Modern challenge:</a:t>
+            </a:r>
+            <a:r>
+              <a:rPr lang="en-US" altLang="en-US" dirty="0">
+                <a:latin typeface="Arial" panose="020B0604020202020204" pitchFamily="34" charset="0"/>
+              </a:rPr>
+              <a:t> Detecting malicious content in </a:t>
+            </a:r>
+            <a:r>
+              <a:rPr lang="en-US" altLang="en-US" b="1" dirty="0">
+                <a:latin typeface="Arial" panose="020B0604020202020204" pitchFamily="34" charset="0"/>
+              </a:rPr>
+              <a:t>encrypted traffic</a:t>
+            </a:r>
+            <a:r>
+              <a:rPr lang="en-US" altLang="en-US" dirty="0">
+                <a:latin typeface="Arial" panose="020B0604020202020204" pitchFamily="34" charset="0"/>
+              </a:rPr>
+              <a:t>.</a:t>
+            </a:r>
+          </a:p>
+          <a:p>
+            <a:endParaRPr lang="en-US" dirty="0"/>
           </a:p>
         </p:txBody>
       </p:sp>
     </p:spTree>
-    <p:extLst>
-      <p:ext uri="{BB962C8B-B14F-4D97-AF65-F5344CB8AC3E}">
-        <p14:creationId xmlns:p14="http://schemas.microsoft.com/office/powerpoint/2010/main" val="1917180440"/>
-      </p:ext>
-    </p:extLst>
   </p:cSld>
   <p:clrMapOvr>
     <a:masterClrMapping/>
@@ -31234,10 +30003,10 @@
       </p:grpSpPr>
       <p:sp>
         <p:nvSpPr>
-          <p:cNvPr id="27649" name="Title 7">
+          <p:cNvPr id="29697" name="Rectangle 2">
             <a:extLst>
               <a:ext uri="{FF2B5EF4-FFF2-40B4-BE49-F238E27FC236}">
-                <a16:creationId xmlns:a16="http://schemas.microsoft.com/office/drawing/2014/main" id="{8D7F41B4-34C4-1C41-8661-E46EB219E1EF}"/>
+                <a16:creationId xmlns:a16="http://schemas.microsoft.com/office/drawing/2014/main" id="{CE38007A-DF5D-6846-8470-68D0E43F1D2A}"/>
               </a:ext>
             </a:extLst>
           </p:cNvPr>
@@ -31250,184 +30019,1455 @@
         </p:nvSpPr>
         <p:spPr>
           <a:xfrm>
-            <a:off x="532088" y="18255"/>
-            <a:ext cx="10515600" cy="1325563"/>
+            <a:off x="1752600" y="332318"/>
+            <a:ext cx="8688917" cy="1060449"/>
           </a:xfrm>
         </p:spPr>
         <p:txBody>
-          <a:bodyPr>
-            <a:noAutofit/>
+          <a:bodyPr vert="horz" lIns="0" tIns="0" rIns="0" bIns="0" rtlCol="0" anchor="ctr">
+            <a:normAutofit fontScale="90000"/>
           </a:bodyPr>
           <a:lstStyle/>
           <a:p>
-            <a:pPr algn="l"/>
-            <a:r>
-              <a:rPr lang="en-US" altLang="en-US" sz="4000" b="0" dirty="0">
-                <a:latin typeface="+mj-lt"/>
+            <a:pPr defTabSz="448722">
+              <a:tabLst>
+                <a:tab pos="723882" algn="l"/>
+                <a:tab pos="1447764" algn="l"/>
+                <a:tab pos="2171646" algn="l"/>
+                <a:tab pos="2895528" algn="l"/>
+                <a:tab pos="3619410" algn="l"/>
+                <a:tab pos="4343291" algn="l"/>
+                <a:tab pos="5067173" algn="l"/>
+                <a:tab pos="5788939" algn="l"/>
+                <a:tab pos="6514937" algn="l"/>
+                <a:tab pos="7236703" algn="l"/>
+                <a:tab pos="7960585" algn="l"/>
+                <a:tab pos="8686583" algn="l"/>
+              </a:tabLst>
+            </a:pPr>
+            <a:r>
+              <a:rPr lang="fi-FI" altLang="en-US"/>
+              <a:t>Conventional Approach #1: </a:t>
+            </a:r>
+            <a:br>
+              <a:rPr lang="fi-FI" altLang="en-US"/>
+            </a:br>
+            <a:r>
+              <a:rPr lang="fi-FI" altLang="en-US"/>
+              <a:t>Content Filters</a:t>
+            </a:r>
+          </a:p>
+        </p:txBody>
+      </p:sp>
+      <p:pic>
+        <p:nvPicPr>
+          <p:cNvPr id="29698" name="Picture 4">
+            <a:extLst>
+              <a:ext uri="{FF2B5EF4-FFF2-40B4-BE49-F238E27FC236}">
+                <a16:creationId xmlns:a16="http://schemas.microsoft.com/office/drawing/2014/main" id="{61EFA9A4-2D4A-5241-B158-C70B73E7A3D9}"/>
+              </a:ext>
+            </a:extLst>
+          </p:cNvPr>
+          <p:cNvPicPr>
+            <a:picLocks noChangeAspect="1" noChangeArrowheads="1"/>
+          </p:cNvPicPr>
+          <p:nvPr/>
+        </p:nvPicPr>
+        <p:blipFill>
+          <a:blip r:embed="rId3">
+            <a:extLst>
+              <a:ext uri="{28A0092B-C50C-407E-A947-70E740481C1C}">
+                <a14:useLocalDpi xmlns:a14="http://schemas.microsoft.com/office/drawing/2010/main" val="0"/>
+              </a:ext>
+            </a:extLst>
+          </a:blip>
+          <a:srcRect/>
+          <a:stretch>
+            <a:fillRect/>
+          </a:stretch>
+        </p:blipFill>
+        <p:spPr bwMode="auto">
+          <a:xfrm>
+            <a:off x="1828800" y="1627718"/>
+            <a:ext cx="4114800" cy="3086100"/>
+          </a:xfrm>
+          <a:prstGeom prst="rect">
+            <a:avLst/>
+          </a:prstGeom>
+          <a:noFill/>
+          <a:ln>
+            <a:noFill/>
+          </a:ln>
+          <a:extLst>
+            <a:ext uri="{909E8E84-426E-40DD-AFC4-6F175D3DCCD1}">
+              <a14:hiddenFill xmlns:a14="http://schemas.microsoft.com/office/drawing/2010/main">
+                <a:solidFill>
+                  <a:srgbClr val="FFFFFF"/>
+                </a:solidFill>
+              </a14:hiddenFill>
+            </a:ext>
+            <a:ext uri="{91240B29-F687-4F45-9708-019B960494DF}">
+              <a14:hiddenLine xmlns:a14="http://schemas.microsoft.com/office/drawing/2010/main" w="9525">
+                <a:solidFill>
+                  <a:srgbClr val="000000"/>
+                </a:solidFill>
+                <a:miter lim="800000"/>
+                <a:headEnd/>
+                <a:tailEnd/>
+              </a14:hiddenLine>
+            </a:ext>
+          </a:extLst>
+        </p:spPr>
+      </p:pic>
+      <p:pic>
+        <p:nvPicPr>
+          <p:cNvPr id="29699" name="Picture 6">
+            <a:extLst>
+              <a:ext uri="{FF2B5EF4-FFF2-40B4-BE49-F238E27FC236}">
+                <a16:creationId xmlns:a16="http://schemas.microsoft.com/office/drawing/2014/main" id="{6B216FEE-D8C3-A440-9210-383F35CA3F1B}"/>
+              </a:ext>
+            </a:extLst>
+          </p:cNvPr>
+          <p:cNvPicPr>
+            <a:picLocks noChangeAspect="1" noChangeArrowheads="1"/>
+          </p:cNvPicPr>
+          <p:nvPr/>
+        </p:nvPicPr>
+        <p:blipFill>
+          <a:blip r:embed="rId4">
+            <a:extLst>
+              <a:ext uri="{28A0092B-C50C-407E-A947-70E740481C1C}">
+                <a14:useLocalDpi xmlns:a14="http://schemas.microsoft.com/office/drawing/2010/main" val="0"/>
+              </a:ext>
+            </a:extLst>
+          </a:blip>
+          <a:srcRect/>
+          <a:stretch>
+            <a:fillRect/>
+          </a:stretch>
+        </p:blipFill>
+        <p:spPr bwMode="auto">
+          <a:xfrm>
+            <a:off x="3657600" y="2694518"/>
+            <a:ext cx="3505200" cy="3155949"/>
+          </a:xfrm>
+          <a:prstGeom prst="rect">
+            <a:avLst/>
+          </a:prstGeom>
+          <a:noFill/>
+          <a:ln>
+            <a:noFill/>
+          </a:ln>
+          <a:extLst>
+            <a:ext uri="{909E8E84-426E-40DD-AFC4-6F175D3DCCD1}">
+              <a14:hiddenFill xmlns:a14="http://schemas.microsoft.com/office/drawing/2010/main">
+                <a:solidFill>
+                  <a:srgbClr val="FFFFFF"/>
+                </a:solidFill>
+              </a14:hiddenFill>
+            </a:ext>
+            <a:ext uri="{91240B29-F687-4F45-9708-019B960494DF}">
+              <a14:hiddenLine xmlns:a14="http://schemas.microsoft.com/office/drawing/2010/main" w="9525">
+                <a:solidFill>
+                  <a:srgbClr val="000000"/>
+                </a:solidFill>
+                <a:miter lim="800000"/>
+                <a:headEnd/>
+                <a:tailEnd/>
+              </a14:hiddenLine>
+            </a:ext>
+          </a:extLst>
+        </p:spPr>
+      </p:pic>
+      <p:sp>
+        <p:nvSpPr>
+          <p:cNvPr id="169991" name="Text Box 7">
+            <a:extLst>
+              <a:ext uri="{FF2B5EF4-FFF2-40B4-BE49-F238E27FC236}">
+                <a16:creationId xmlns:a16="http://schemas.microsoft.com/office/drawing/2014/main" id="{40DE7304-3046-8D48-8DB2-B7CEBF342F3C}"/>
+              </a:ext>
+            </a:extLst>
+          </p:cNvPr>
+          <p:cNvSpPr txBox="1">
+            <a:spLocks noChangeArrowheads="1"/>
+          </p:cNvSpPr>
+          <p:nvPr/>
+        </p:nvSpPr>
+        <p:spPr bwMode="auto">
+          <a:xfrm>
+            <a:off x="4648200" y="6263218"/>
+            <a:ext cx="2734733" cy="442383"/>
+          </a:xfrm>
+          <a:prstGeom prst="rect">
+            <a:avLst/>
+          </a:prstGeom>
+          <a:noFill/>
+          <a:ln>
+            <a:noFill/>
+          </a:ln>
+          <a:effectLst/>
+        </p:spPr>
+        <p:txBody>
+          <a:bodyPr wrap="none" lIns="81631" tIns="40816" rIns="81631" bIns="40816"/>
+          <a:lstStyle>
+            <a:lvl1pPr defTabSz="407988">
+              <a:tabLst>
+                <a:tab pos="657225" algn="l"/>
+                <a:tab pos="1312863" algn="l"/>
+                <a:tab pos="1970088" algn="l"/>
+                <a:tab pos="2627313" algn="l"/>
+              </a:tabLst>
+              <a:defRPr>
+                <a:solidFill>
+                  <a:schemeClr val="tx1"/>
+                </a:solidFill>
+                <a:latin typeface="Arial" charset="0"/>
+                <a:ea typeface="ＭＳ Ｐゴシック" charset="0"/>
+              </a:defRPr>
+            </a:lvl1pPr>
+            <a:lvl2pPr marL="392113" indent="-196850" defTabSz="407988">
+              <a:tabLst>
+                <a:tab pos="657225" algn="l"/>
+                <a:tab pos="1312863" algn="l"/>
+                <a:tab pos="1970088" algn="l"/>
+                <a:tab pos="2627313" algn="l"/>
+              </a:tabLst>
+              <a:defRPr>
+                <a:solidFill>
+                  <a:schemeClr val="tx1"/>
+                </a:solidFill>
+                <a:latin typeface="Arial" charset="0"/>
+                <a:ea typeface="ＭＳ Ｐゴシック" charset="0"/>
+              </a:defRPr>
+            </a:lvl2pPr>
+            <a:lvl3pPr marL="587375" indent="-195263" defTabSz="407988">
+              <a:tabLst>
+                <a:tab pos="657225" algn="l"/>
+                <a:tab pos="1312863" algn="l"/>
+                <a:tab pos="1970088" algn="l"/>
+                <a:tab pos="2627313" algn="l"/>
+              </a:tabLst>
+              <a:defRPr>
+                <a:solidFill>
+                  <a:schemeClr val="tx1"/>
+                </a:solidFill>
+                <a:latin typeface="Arial" charset="0"/>
+                <a:ea typeface="ＭＳ Ｐゴシック" charset="0"/>
+              </a:defRPr>
+            </a:lvl3pPr>
+            <a:lvl4pPr marL="782638" indent="-195263" defTabSz="407988">
+              <a:tabLst>
+                <a:tab pos="657225" algn="l"/>
+                <a:tab pos="1312863" algn="l"/>
+                <a:tab pos="1970088" algn="l"/>
+                <a:tab pos="2627313" algn="l"/>
+              </a:tabLst>
+              <a:defRPr>
+                <a:solidFill>
+                  <a:schemeClr val="tx1"/>
+                </a:solidFill>
+                <a:latin typeface="Arial" charset="0"/>
+                <a:ea typeface="ＭＳ Ｐゴシック" charset="0"/>
+              </a:defRPr>
+            </a:lvl4pPr>
+            <a:lvl5pPr marL="979488" indent="-196850" defTabSz="407988">
+              <a:tabLst>
+                <a:tab pos="657225" algn="l"/>
+                <a:tab pos="1312863" algn="l"/>
+                <a:tab pos="1970088" algn="l"/>
+                <a:tab pos="2627313" algn="l"/>
+              </a:tabLst>
+              <a:defRPr>
+                <a:solidFill>
+                  <a:schemeClr val="tx1"/>
+                </a:solidFill>
+                <a:latin typeface="Arial" charset="0"/>
+                <a:ea typeface="ＭＳ Ｐゴシック" charset="0"/>
+              </a:defRPr>
+            </a:lvl5pPr>
+            <a:lvl6pPr marL="1436688" indent="-196850" defTabSz="407988" fontAlgn="base">
+              <a:spcBef>
+                <a:spcPct val="0"/>
+              </a:spcBef>
+              <a:spcAft>
+                <a:spcPct val="0"/>
+              </a:spcAft>
+              <a:tabLst>
+                <a:tab pos="657225" algn="l"/>
+                <a:tab pos="1312863" algn="l"/>
+                <a:tab pos="1970088" algn="l"/>
+                <a:tab pos="2627313" algn="l"/>
+              </a:tabLst>
+              <a:defRPr>
+                <a:solidFill>
+                  <a:schemeClr val="tx1"/>
+                </a:solidFill>
+                <a:latin typeface="Arial" charset="0"/>
+                <a:ea typeface="ＭＳ Ｐゴシック" charset="0"/>
+              </a:defRPr>
+            </a:lvl6pPr>
+            <a:lvl7pPr marL="1893888" indent="-196850" defTabSz="407988" fontAlgn="base">
+              <a:spcBef>
+                <a:spcPct val="0"/>
+              </a:spcBef>
+              <a:spcAft>
+                <a:spcPct val="0"/>
+              </a:spcAft>
+              <a:tabLst>
+                <a:tab pos="657225" algn="l"/>
+                <a:tab pos="1312863" algn="l"/>
+                <a:tab pos="1970088" algn="l"/>
+                <a:tab pos="2627313" algn="l"/>
+              </a:tabLst>
+              <a:defRPr>
+                <a:solidFill>
+                  <a:schemeClr val="tx1"/>
+                </a:solidFill>
+                <a:latin typeface="Arial" charset="0"/>
+                <a:ea typeface="ＭＳ Ｐゴシック" charset="0"/>
+              </a:defRPr>
+            </a:lvl7pPr>
+            <a:lvl8pPr marL="2351088" indent="-196850" defTabSz="407988" fontAlgn="base">
+              <a:spcBef>
+                <a:spcPct val="0"/>
+              </a:spcBef>
+              <a:spcAft>
+                <a:spcPct val="0"/>
+              </a:spcAft>
+              <a:tabLst>
+                <a:tab pos="657225" algn="l"/>
+                <a:tab pos="1312863" algn="l"/>
+                <a:tab pos="1970088" algn="l"/>
+                <a:tab pos="2627313" algn="l"/>
+              </a:tabLst>
+              <a:defRPr>
+                <a:solidFill>
+                  <a:schemeClr val="tx1"/>
+                </a:solidFill>
+                <a:latin typeface="Arial" charset="0"/>
+                <a:ea typeface="ＭＳ Ｐゴシック" charset="0"/>
+              </a:defRPr>
+            </a:lvl8pPr>
+            <a:lvl9pPr marL="2808288" indent="-196850" defTabSz="407988" fontAlgn="base">
+              <a:spcBef>
+                <a:spcPct val="0"/>
+              </a:spcBef>
+              <a:spcAft>
+                <a:spcPct val="0"/>
+              </a:spcAft>
+              <a:tabLst>
+                <a:tab pos="657225" algn="l"/>
+                <a:tab pos="1312863" algn="l"/>
+                <a:tab pos="1970088" algn="l"/>
+                <a:tab pos="2627313" algn="l"/>
+              </a:tabLst>
+              <a:defRPr>
+                <a:solidFill>
+                  <a:schemeClr val="tx1"/>
+                </a:solidFill>
+                <a:latin typeface="Arial" charset="0"/>
+                <a:ea typeface="ＭＳ Ｐゴシック" charset="0"/>
+              </a:defRPr>
+            </a:lvl9pPr>
+          </a:lstStyle>
+          <a:p>
+            <a:pPr eaLnBrk="1">
+              <a:lnSpc>
+                <a:spcPct val="93000"/>
+              </a:lnSpc>
+              <a:buClr>
+                <a:srgbClr val="000000"/>
+              </a:buClr>
+              <a:buSzPct val="45000"/>
+              <a:buFont typeface="Wingdings" charset="0"/>
+              <a:buNone/>
+              <a:defRPr/>
+            </a:pPr>
+            <a:r>
+              <a:rPr lang="fi-FI" sz="2500">
+                <a:solidFill>
+                  <a:srgbClr val="000000"/>
+                </a:solidFill>
+                <a:cs typeface="宋体" charset="0"/>
               </a:rPr>
-              <a:t>Unwanted Traffic: Spam</a:t>
+              <a:t>...even mp3s!</a:t>
             </a:r>
           </a:p>
         </p:txBody>
       </p:sp>
       <p:sp>
         <p:nvSpPr>
-          <p:cNvPr id="2" name="Content Placeholder 1">
+          <p:cNvPr id="169992" name="Text Box 8">
             <a:extLst>
               <a:ext uri="{FF2B5EF4-FFF2-40B4-BE49-F238E27FC236}">
-                <a16:creationId xmlns:a16="http://schemas.microsoft.com/office/drawing/2014/main" id="{4AEE0020-900B-3240-9B2C-F28ED983D6FA}"/>
+                <a16:creationId xmlns:a16="http://schemas.microsoft.com/office/drawing/2014/main" id="{95E5B82F-05C0-BD46-994A-00EF16F25752}"/>
               </a:ext>
             </a:extLst>
           </p:cNvPr>
-          <p:cNvSpPr>
-            <a:spLocks noGrp="1"/>
+          <p:cNvSpPr txBox="1">
+            <a:spLocks noChangeArrowheads="1"/>
           </p:cNvSpPr>
-          <p:nvPr>
-            <p:ph idx="1"/>
-          </p:nvPr>
+          <p:nvPr/>
         </p:nvSpPr>
-        <p:spPr>
+        <p:spPr bwMode="auto">
           <a:xfrm>
-            <a:off x="751115" y="1116884"/>
-            <a:ext cx="10515600" cy="881110"/>
+            <a:off x="6096001" y="1856317"/>
+            <a:ext cx="1037167" cy="440267"/>
           </a:xfrm>
+          <a:prstGeom prst="rect">
+            <a:avLst/>
+          </a:prstGeom>
+          <a:noFill/>
+          <a:ln>
+            <a:noFill/>
+          </a:ln>
+          <a:effectLst/>
         </p:spPr>
         <p:txBody>
-          <a:bodyPr>
-            <a:normAutofit/>
-          </a:bodyPr>
-          <a:lstStyle/>
-          <a:p>
-            <a:pPr>
-              <a:defRPr/>
-            </a:pPr>
-            <a:r>
-              <a:rPr lang="en-US" sz="2400" dirty="0">
-                <a:solidFill>
-                  <a:srgbClr val="FF0000"/>
-                </a:solidFill>
-              </a:rPr>
-              <a:t>Spam rates are declining, but phishing attacks are on the rise.</a:t>
-            </a:r>
-            <a:endParaRPr lang="en-US" sz="2400" dirty="0"/>
-          </a:p>
-          <a:p>
-            <a:pPr marL="0" indent="0">
+          <a:bodyPr lIns="81631" tIns="40816" rIns="81631" bIns="40816"/>
+          <a:lstStyle>
+            <a:lvl1pPr defTabSz="407988">
+              <a:tabLst>
+                <a:tab pos="657225" algn="l"/>
+              </a:tabLst>
+              <a:defRPr>
+                <a:solidFill>
+                  <a:schemeClr val="tx1"/>
+                </a:solidFill>
+                <a:latin typeface="Arial" charset="0"/>
+                <a:ea typeface="ＭＳ Ｐゴシック" charset="0"/>
+              </a:defRPr>
+            </a:lvl1pPr>
+            <a:lvl2pPr marL="392113" indent="-196850" defTabSz="407988">
+              <a:tabLst>
+                <a:tab pos="657225" algn="l"/>
+              </a:tabLst>
+              <a:defRPr>
+                <a:solidFill>
+                  <a:schemeClr val="tx1"/>
+                </a:solidFill>
+                <a:latin typeface="Arial" charset="0"/>
+                <a:ea typeface="ＭＳ Ｐゴシック" charset="0"/>
+              </a:defRPr>
+            </a:lvl2pPr>
+            <a:lvl3pPr marL="587375" indent="-195263" defTabSz="407988">
+              <a:tabLst>
+                <a:tab pos="657225" algn="l"/>
+              </a:tabLst>
+              <a:defRPr>
+                <a:solidFill>
+                  <a:schemeClr val="tx1"/>
+                </a:solidFill>
+                <a:latin typeface="Arial" charset="0"/>
+                <a:ea typeface="ＭＳ Ｐゴシック" charset="0"/>
+              </a:defRPr>
+            </a:lvl3pPr>
+            <a:lvl4pPr marL="782638" indent="-195263" defTabSz="407988">
+              <a:tabLst>
+                <a:tab pos="657225" algn="l"/>
+              </a:tabLst>
+              <a:defRPr>
+                <a:solidFill>
+                  <a:schemeClr val="tx1"/>
+                </a:solidFill>
+                <a:latin typeface="Arial" charset="0"/>
+                <a:ea typeface="ＭＳ Ｐゴシック" charset="0"/>
+              </a:defRPr>
+            </a:lvl4pPr>
+            <a:lvl5pPr marL="979488" indent="-196850" defTabSz="407988">
+              <a:tabLst>
+                <a:tab pos="657225" algn="l"/>
+              </a:tabLst>
+              <a:defRPr>
+                <a:solidFill>
+                  <a:schemeClr val="tx1"/>
+                </a:solidFill>
+                <a:latin typeface="Arial" charset="0"/>
+                <a:ea typeface="ＭＳ Ｐゴシック" charset="0"/>
+              </a:defRPr>
+            </a:lvl5pPr>
+            <a:lvl6pPr marL="1436688" indent="-196850" defTabSz="407988" fontAlgn="base">
+              <a:spcBef>
+                <a:spcPct val="0"/>
+              </a:spcBef>
+              <a:spcAft>
+                <a:spcPct val="0"/>
+              </a:spcAft>
+              <a:tabLst>
+                <a:tab pos="657225" algn="l"/>
+              </a:tabLst>
+              <a:defRPr>
+                <a:solidFill>
+                  <a:schemeClr val="tx1"/>
+                </a:solidFill>
+                <a:latin typeface="Arial" charset="0"/>
+                <a:ea typeface="ＭＳ Ｐゴシック" charset="0"/>
+              </a:defRPr>
+            </a:lvl6pPr>
+            <a:lvl7pPr marL="1893888" indent="-196850" defTabSz="407988" fontAlgn="base">
+              <a:spcBef>
+                <a:spcPct val="0"/>
+              </a:spcBef>
+              <a:spcAft>
+                <a:spcPct val="0"/>
+              </a:spcAft>
+              <a:tabLst>
+                <a:tab pos="657225" algn="l"/>
+              </a:tabLst>
+              <a:defRPr>
+                <a:solidFill>
+                  <a:schemeClr val="tx1"/>
+                </a:solidFill>
+                <a:latin typeface="Arial" charset="0"/>
+                <a:ea typeface="ＭＳ Ｐゴシック" charset="0"/>
+              </a:defRPr>
+            </a:lvl7pPr>
+            <a:lvl8pPr marL="2351088" indent="-196850" defTabSz="407988" fontAlgn="base">
+              <a:spcBef>
+                <a:spcPct val="0"/>
+              </a:spcBef>
+              <a:spcAft>
+                <a:spcPct val="0"/>
+              </a:spcAft>
+              <a:tabLst>
+                <a:tab pos="657225" algn="l"/>
+              </a:tabLst>
+              <a:defRPr>
+                <a:solidFill>
+                  <a:schemeClr val="tx1"/>
+                </a:solidFill>
+                <a:latin typeface="Arial" charset="0"/>
+                <a:ea typeface="ＭＳ Ｐゴシック" charset="0"/>
+              </a:defRPr>
+            </a:lvl8pPr>
+            <a:lvl9pPr marL="2808288" indent="-196850" defTabSz="407988" fontAlgn="base">
+              <a:spcBef>
+                <a:spcPct val="0"/>
+              </a:spcBef>
+              <a:spcAft>
+                <a:spcPct val="0"/>
+              </a:spcAft>
+              <a:tabLst>
+                <a:tab pos="657225" algn="l"/>
+              </a:tabLst>
+              <a:defRPr>
+                <a:solidFill>
+                  <a:schemeClr val="tx1"/>
+                </a:solidFill>
+                <a:latin typeface="Arial" charset="0"/>
+                <a:ea typeface="ＭＳ Ｐゴシック" charset="0"/>
+              </a:defRPr>
+            </a:lvl9pPr>
+          </a:lstStyle>
+          <a:p>
+            <a:pPr eaLnBrk="1">
+              <a:lnSpc>
+                <a:spcPct val="93000"/>
+              </a:lnSpc>
+              <a:buClr>
+                <a:srgbClr val="000000"/>
+              </a:buClr>
+              <a:buSzPct val="45000"/>
+              <a:buFont typeface="Wingdings" charset="0"/>
               <a:buNone/>
               <a:defRPr/>
             </a:pPr>
             <a:r>
-              <a:rPr lang="en-US" sz="1400" dirty="0"/>
-              <a:t>	</a:t>
-            </a:r>
-            <a:endParaRPr lang="en-US" dirty="0"/>
+              <a:rPr lang="fi-FI" sz="2500" b="1">
+                <a:solidFill>
+                  <a:srgbClr val="000000"/>
+                </a:solidFill>
+                <a:cs typeface="宋体" charset="0"/>
+              </a:rPr>
+              <a:t>PDFs</a:t>
+            </a:r>
           </a:p>
         </p:txBody>
       </p:sp>
       <p:sp>
         <p:nvSpPr>
-          <p:cNvPr id="5" name="Slide Number Placeholder 4">
+          <p:cNvPr id="29702" name="Text Box 9">
             <a:extLst>
               <a:ext uri="{FF2B5EF4-FFF2-40B4-BE49-F238E27FC236}">
-                <a16:creationId xmlns:a16="http://schemas.microsoft.com/office/drawing/2014/main" id="{9CE6DBFA-1474-D1C2-2CD4-17DE43768ADD}"/>
+                <a16:creationId xmlns:a16="http://schemas.microsoft.com/office/drawing/2014/main" id="{B21A26AC-F260-1B4C-A4F7-4B7ED3891FDA}"/>
+              </a:ext>
+            </a:extLst>
+          </p:cNvPr>
+          <p:cNvSpPr txBox="1">
+            <a:spLocks noChangeArrowheads="1"/>
+          </p:cNvSpPr>
+          <p:nvPr/>
+        </p:nvSpPr>
+        <p:spPr bwMode="auto">
+          <a:xfrm>
+            <a:off x="2772833" y="5395384"/>
+            <a:ext cx="162984" cy="387349"/>
+          </a:xfrm>
+          <a:prstGeom prst="rect">
+            <a:avLst/>
+          </a:prstGeom>
+          <a:noFill/>
+          <a:ln>
+            <a:noFill/>
+          </a:ln>
+          <a:extLst>
+            <a:ext uri="{909E8E84-426E-40DD-AFC4-6F175D3DCCD1}">
+              <a14:hiddenFill xmlns:a14="http://schemas.microsoft.com/office/drawing/2010/main">
+                <a:solidFill>
+                  <a:srgbClr val="FFFFFF"/>
+                </a:solidFill>
+              </a14:hiddenFill>
+            </a:ext>
+            <a:ext uri="{91240B29-F687-4F45-9708-019B960494DF}">
+              <a14:hiddenLine xmlns:a14="http://schemas.microsoft.com/office/drawing/2010/main" w="9525">
+                <a:solidFill>
+                  <a:srgbClr val="000000"/>
+                </a:solidFill>
+                <a:miter lim="800000"/>
+                <a:headEnd/>
+                <a:tailEnd/>
+              </a14:hiddenLine>
+            </a:ext>
+          </a:extLst>
+        </p:spPr>
+        <p:txBody>
+          <a:bodyPr wrap="none" anchor="ctr"/>
+          <a:lstStyle>
+            <a:lvl1pPr>
+              <a:defRPr>
+                <a:solidFill>
+                  <a:schemeClr val="tx1"/>
+                </a:solidFill>
+                <a:latin typeface="Arial" panose="020B0604020202020204" pitchFamily="34" charset="0"/>
+                <a:ea typeface="宋体" panose="02010600030101010101" pitchFamily="2" charset="-122"/>
+              </a:defRPr>
+            </a:lvl1pPr>
+            <a:lvl2pPr marL="742950" indent="-285750">
+              <a:defRPr>
+                <a:solidFill>
+                  <a:schemeClr val="tx1"/>
+                </a:solidFill>
+                <a:latin typeface="Arial" panose="020B0604020202020204" pitchFamily="34" charset="0"/>
+                <a:ea typeface="宋体" panose="02010600030101010101" pitchFamily="2" charset="-122"/>
+              </a:defRPr>
+            </a:lvl2pPr>
+            <a:lvl3pPr marL="1143000" indent="-228600">
+              <a:defRPr>
+                <a:solidFill>
+                  <a:schemeClr val="tx1"/>
+                </a:solidFill>
+                <a:latin typeface="Arial" panose="020B0604020202020204" pitchFamily="34" charset="0"/>
+                <a:ea typeface="宋体" panose="02010600030101010101" pitchFamily="2" charset="-122"/>
+              </a:defRPr>
+            </a:lvl3pPr>
+            <a:lvl4pPr marL="1600200" indent="-228600">
+              <a:defRPr>
+                <a:solidFill>
+                  <a:schemeClr val="tx1"/>
+                </a:solidFill>
+                <a:latin typeface="Arial" panose="020B0604020202020204" pitchFamily="34" charset="0"/>
+                <a:ea typeface="宋体" panose="02010600030101010101" pitchFamily="2" charset="-122"/>
+              </a:defRPr>
+            </a:lvl4pPr>
+            <a:lvl5pPr marL="2057400" indent="-228600">
+              <a:defRPr>
+                <a:solidFill>
+                  <a:schemeClr val="tx1"/>
+                </a:solidFill>
+                <a:latin typeface="Arial" panose="020B0604020202020204" pitchFamily="34" charset="0"/>
+                <a:ea typeface="宋体" panose="02010600030101010101" pitchFamily="2" charset="-122"/>
+              </a:defRPr>
+            </a:lvl5pPr>
+            <a:lvl6pPr marL="2514600" indent="-228600" eaLnBrk="0" fontAlgn="base" hangingPunct="0">
+              <a:spcBef>
+                <a:spcPct val="0"/>
+              </a:spcBef>
+              <a:spcAft>
+                <a:spcPct val="0"/>
+              </a:spcAft>
+              <a:defRPr>
+                <a:solidFill>
+                  <a:schemeClr val="tx1"/>
+                </a:solidFill>
+                <a:latin typeface="Arial" panose="020B0604020202020204" pitchFamily="34" charset="0"/>
+                <a:ea typeface="宋体" panose="02010600030101010101" pitchFamily="2" charset="-122"/>
+              </a:defRPr>
+            </a:lvl6pPr>
+            <a:lvl7pPr marL="2971800" indent="-228600" eaLnBrk="0" fontAlgn="base" hangingPunct="0">
+              <a:spcBef>
+                <a:spcPct val="0"/>
+              </a:spcBef>
+              <a:spcAft>
+                <a:spcPct val="0"/>
+              </a:spcAft>
+              <a:defRPr>
+                <a:solidFill>
+                  <a:schemeClr val="tx1"/>
+                </a:solidFill>
+                <a:latin typeface="Arial" panose="020B0604020202020204" pitchFamily="34" charset="0"/>
+                <a:ea typeface="宋体" panose="02010600030101010101" pitchFamily="2" charset="-122"/>
+              </a:defRPr>
+            </a:lvl7pPr>
+            <a:lvl8pPr marL="3429000" indent="-228600" eaLnBrk="0" fontAlgn="base" hangingPunct="0">
+              <a:spcBef>
+                <a:spcPct val="0"/>
+              </a:spcBef>
+              <a:spcAft>
+                <a:spcPct val="0"/>
+              </a:spcAft>
+              <a:defRPr>
+                <a:solidFill>
+                  <a:schemeClr val="tx1"/>
+                </a:solidFill>
+                <a:latin typeface="Arial" panose="020B0604020202020204" pitchFamily="34" charset="0"/>
+                <a:ea typeface="宋体" panose="02010600030101010101" pitchFamily="2" charset="-122"/>
+              </a:defRPr>
+            </a:lvl8pPr>
+            <a:lvl9pPr marL="3886200" indent="-228600" eaLnBrk="0" fontAlgn="base" hangingPunct="0">
+              <a:spcBef>
+                <a:spcPct val="0"/>
+              </a:spcBef>
+              <a:spcAft>
+                <a:spcPct val="0"/>
+              </a:spcAft>
+              <a:defRPr>
+                <a:solidFill>
+                  <a:schemeClr val="tx1"/>
+                </a:solidFill>
+                <a:latin typeface="Arial" panose="020B0604020202020204" pitchFamily="34" charset="0"/>
+                <a:ea typeface="宋体" panose="02010600030101010101" pitchFamily="2" charset="-122"/>
+              </a:defRPr>
+            </a:lvl9pPr>
+          </a:lstStyle>
+          <a:p>
+            <a:pPr eaLnBrk="1" hangingPunct="1"/>
+            <a:endParaRPr lang="en-US" altLang="en-US" sz="2400"/>
+          </a:p>
+        </p:txBody>
+      </p:sp>
+      <p:sp>
+        <p:nvSpPr>
+          <p:cNvPr id="169994" name="Text Box 10">
+            <a:extLst>
+              <a:ext uri="{FF2B5EF4-FFF2-40B4-BE49-F238E27FC236}">
+                <a16:creationId xmlns:a16="http://schemas.microsoft.com/office/drawing/2014/main" id="{2878A735-9DC5-A943-AD5F-FC907D7CA66A}"/>
+              </a:ext>
+            </a:extLst>
+          </p:cNvPr>
+          <p:cNvSpPr txBox="1">
+            <a:spLocks noChangeArrowheads="1"/>
+          </p:cNvSpPr>
+          <p:nvPr/>
+        </p:nvSpPr>
+        <p:spPr bwMode="auto">
+          <a:xfrm>
+            <a:off x="7315201" y="2770717"/>
+            <a:ext cx="2713567" cy="440267"/>
+          </a:xfrm>
+          <a:prstGeom prst="rect">
+            <a:avLst/>
+          </a:prstGeom>
+          <a:noFill/>
+          <a:ln>
+            <a:noFill/>
+          </a:ln>
+          <a:effectLst/>
+        </p:spPr>
+        <p:txBody>
+          <a:bodyPr lIns="81631" tIns="40816" rIns="81631" bIns="40816"/>
+          <a:lstStyle>
+            <a:lvl1pPr defTabSz="407988">
+              <a:tabLst>
+                <a:tab pos="657225" algn="l"/>
+                <a:tab pos="1312863" algn="l"/>
+                <a:tab pos="1970088" algn="l"/>
+                <a:tab pos="2627313" algn="l"/>
+              </a:tabLst>
+              <a:defRPr>
+                <a:solidFill>
+                  <a:schemeClr val="tx1"/>
+                </a:solidFill>
+                <a:latin typeface="Arial" charset="0"/>
+                <a:ea typeface="ＭＳ Ｐゴシック" charset="0"/>
+              </a:defRPr>
+            </a:lvl1pPr>
+            <a:lvl2pPr marL="392113" indent="-196850" defTabSz="407988">
+              <a:tabLst>
+                <a:tab pos="657225" algn="l"/>
+                <a:tab pos="1312863" algn="l"/>
+                <a:tab pos="1970088" algn="l"/>
+                <a:tab pos="2627313" algn="l"/>
+              </a:tabLst>
+              <a:defRPr>
+                <a:solidFill>
+                  <a:schemeClr val="tx1"/>
+                </a:solidFill>
+                <a:latin typeface="Arial" charset="0"/>
+                <a:ea typeface="ＭＳ Ｐゴシック" charset="0"/>
+              </a:defRPr>
+            </a:lvl2pPr>
+            <a:lvl3pPr marL="587375" indent="-195263" defTabSz="407988">
+              <a:tabLst>
+                <a:tab pos="657225" algn="l"/>
+                <a:tab pos="1312863" algn="l"/>
+                <a:tab pos="1970088" algn="l"/>
+                <a:tab pos="2627313" algn="l"/>
+              </a:tabLst>
+              <a:defRPr>
+                <a:solidFill>
+                  <a:schemeClr val="tx1"/>
+                </a:solidFill>
+                <a:latin typeface="Arial" charset="0"/>
+                <a:ea typeface="ＭＳ Ｐゴシック" charset="0"/>
+              </a:defRPr>
+            </a:lvl3pPr>
+            <a:lvl4pPr marL="782638" indent="-195263" defTabSz="407988">
+              <a:tabLst>
+                <a:tab pos="657225" algn="l"/>
+                <a:tab pos="1312863" algn="l"/>
+                <a:tab pos="1970088" algn="l"/>
+                <a:tab pos="2627313" algn="l"/>
+              </a:tabLst>
+              <a:defRPr>
+                <a:solidFill>
+                  <a:schemeClr val="tx1"/>
+                </a:solidFill>
+                <a:latin typeface="Arial" charset="0"/>
+                <a:ea typeface="ＭＳ Ｐゴシック" charset="0"/>
+              </a:defRPr>
+            </a:lvl4pPr>
+            <a:lvl5pPr marL="979488" indent="-196850" defTabSz="407988">
+              <a:tabLst>
+                <a:tab pos="657225" algn="l"/>
+                <a:tab pos="1312863" algn="l"/>
+                <a:tab pos="1970088" algn="l"/>
+                <a:tab pos="2627313" algn="l"/>
+              </a:tabLst>
+              <a:defRPr>
+                <a:solidFill>
+                  <a:schemeClr val="tx1"/>
+                </a:solidFill>
+                <a:latin typeface="Arial" charset="0"/>
+                <a:ea typeface="ＭＳ Ｐゴシック" charset="0"/>
+              </a:defRPr>
+            </a:lvl5pPr>
+            <a:lvl6pPr marL="1436688" indent="-196850" defTabSz="407988" fontAlgn="base">
+              <a:spcBef>
+                <a:spcPct val="0"/>
+              </a:spcBef>
+              <a:spcAft>
+                <a:spcPct val="0"/>
+              </a:spcAft>
+              <a:tabLst>
+                <a:tab pos="657225" algn="l"/>
+                <a:tab pos="1312863" algn="l"/>
+                <a:tab pos="1970088" algn="l"/>
+                <a:tab pos="2627313" algn="l"/>
+              </a:tabLst>
+              <a:defRPr>
+                <a:solidFill>
+                  <a:schemeClr val="tx1"/>
+                </a:solidFill>
+                <a:latin typeface="Arial" charset="0"/>
+                <a:ea typeface="ＭＳ Ｐゴシック" charset="0"/>
+              </a:defRPr>
+            </a:lvl6pPr>
+            <a:lvl7pPr marL="1893888" indent="-196850" defTabSz="407988" fontAlgn="base">
+              <a:spcBef>
+                <a:spcPct val="0"/>
+              </a:spcBef>
+              <a:spcAft>
+                <a:spcPct val="0"/>
+              </a:spcAft>
+              <a:tabLst>
+                <a:tab pos="657225" algn="l"/>
+                <a:tab pos="1312863" algn="l"/>
+                <a:tab pos="1970088" algn="l"/>
+                <a:tab pos="2627313" algn="l"/>
+              </a:tabLst>
+              <a:defRPr>
+                <a:solidFill>
+                  <a:schemeClr val="tx1"/>
+                </a:solidFill>
+                <a:latin typeface="Arial" charset="0"/>
+                <a:ea typeface="ＭＳ Ｐゴシック" charset="0"/>
+              </a:defRPr>
+            </a:lvl7pPr>
+            <a:lvl8pPr marL="2351088" indent="-196850" defTabSz="407988" fontAlgn="base">
+              <a:spcBef>
+                <a:spcPct val="0"/>
+              </a:spcBef>
+              <a:spcAft>
+                <a:spcPct val="0"/>
+              </a:spcAft>
+              <a:tabLst>
+                <a:tab pos="657225" algn="l"/>
+                <a:tab pos="1312863" algn="l"/>
+                <a:tab pos="1970088" algn="l"/>
+                <a:tab pos="2627313" algn="l"/>
+              </a:tabLst>
+              <a:defRPr>
+                <a:solidFill>
+                  <a:schemeClr val="tx1"/>
+                </a:solidFill>
+                <a:latin typeface="Arial" charset="0"/>
+                <a:ea typeface="ＭＳ Ｐゴシック" charset="0"/>
+              </a:defRPr>
+            </a:lvl8pPr>
+            <a:lvl9pPr marL="2808288" indent="-196850" defTabSz="407988" fontAlgn="base">
+              <a:spcBef>
+                <a:spcPct val="0"/>
+              </a:spcBef>
+              <a:spcAft>
+                <a:spcPct val="0"/>
+              </a:spcAft>
+              <a:tabLst>
+                <a:tab pos="657225" algn="l"/>
+                <a:tab pos="1312863" algn="l"/>
+                <a:tab pos="1970088" algn="l"/>
+                <a:tab pos="2627313" algn="l"/>
+              </a:tabLst>
+              <a:defRPr>
+                <a:solidFill>
+                  <a:schemeClr val="tx1"/>
+                </a:solidFill>
+                <a:latin typeface="Arial" charset="0"/>
+                <a:ea typeface="ＭＳ Ｐゴシック" charset="0"/>
+              </a:defRPr>
+            </a:lvl9pPr>
+          </a:lstStyle>
+          <a:p>
+            <a:pPr eaLnBrk="1">
+              <a:lnSpc>
+                <a:spcPct val="93000"/>
+              </a:lnSpc>
+              <a:buClr>
+                <a:srgbClr val="000000"/>
+              </a:buClr>
+              <a:buSzPct val="45000"/>
+              <a:buFont typeface="Wingdings" charset="0"/>
+              <a:buNone/>
+              <a:defRPr/>
+            </a:pPr>
+            <a:r>
+              <a:rPr lang="fi-FI" sz="2500" b="1">
+                <a:solidFill>
+                  <a:srgbClr val="000000"/>
+                </a:solidFill>
+                <a:cs typeface="宋体" charset="0"/>
+              </a:rPr>
+              <a:t>Excel sheets</a:t>
+            </a:r>
+          </a:p>
+        </p:txBody>
+      </p:sp>
+      <p:sp>
+        <p:nvSpPr>
+          <p:cNvPr id="169995" name="Text Box 11">
+            <a:extLst>
+              <a:ext uri="{FF2B5EF4-FFF2-40B4-BE49-F238E27FC236}">
+                <a16:creationId xmlns:a16="http://schemas.microsoft.com/office/drawing/2014/main" id="{534F0523-7261-9341-9960-2018750EB499}"/>
+              </a:ext>
+            </a:extLst>
+          </p:cNvPr>
+          <p:cNvSpPr txBox="1">
+            <a:spLocks noChangeArrowheads="1"/>
+          </p:cNvSpPr>
+          <p:nvPr/>
+        </p:nvSpPr>
+        <p:spPr bwMode="auto">
+          <a:xfrm>
+            <a:off x="7620001" y="4370918"/>
+            <a:ext cx="2713567" cy="442383"/>
+          </a:xfrm>
+          <a:prstGeom prst="rect">
+            <a:avLst/>
+          </a:prstGeom>
+          <a:noFill/>
+          <a:ln>
+            <a:noFill/>
+          </a:ln>
+          <a:effectLst/>
+        </p:spPr>
+        <p:txBody>
+          <a:bodyPr lIns="81631" tIns="40816" rIns="81631" bIns="40816"/>
+          <a:lstStyle>
+            <a:lvl1pPr defTabSz="407988">
+              <a:tabLst>
+                <a:tab pos="657225" algn="l"/>
+                <a:tab pos="1312863" algn="l"/>
+                <a:tab pos="1970088" algn="l"/>
+                <a:tab pos="2627313" algn="l"/>
+              </a:tabLst>
+              <a:defRPr>
+                <a:solidFill>
+                  <a:schemeClr val="tx1"/>
+                </a:solidFill>
+                <a:latin typeface="Arial" charset="0"/>
+                <a:ea typeface="ＭＳ Ｐゴシック" charset="0"/>
+              </a:defRPr>
+            </a:lvl1pPr>
+            <a:lvl2pPr marL="392113" indent="-196850" defTabSz="407988">
+              <a:tabLst>
+                <a:tab pos="657225" algn="l"/>
+                <a:tab pos="1312863" algn="l"/>
+                <a:tab pos="1970088" algn="l"/>
+                <a:tab pos="2627313" algn="l"/>
+              </a:tabLst>
+              <a:defRPr>
+                <a:solidFill>
+                  <a:schemeClr val="tx1"/>
+                </a:solidFill>
+                <a:latin typeface="Arial" charset="0"/>
+                <a:ea typeface="ＭＳ Ｐゴシック" charset="0"/>
+              </a:defRPr>
+            </a:lvl2pPr>
+            <a:lvl3pPr marL="587375" indent="-195263" defTabSz="407988">
+              <a:tabLst>
+                <a:tab pos="657225" algn="l"/>
+                <a:tab pos="1312863" algn="l"/>
+                <a:tab pos="1970088" algn="l"/>
+                <a:tab pos="2627313" algn="l"/>
+              </a:tabLst>
+              <a:defRPr>
+                <a:solidFill>
+                  <a:schemeClr val="tx1"/>
+                </a:solidFill>
+                <a:latin typeface="Arial" charset="0"/>
+                <a:ea typeface="ＭＳ Ｐゴシック" charset="0"/>
+              </a:defRPr>
+            </a:lvl3pPr>
+            <a:lvl4pPr marL="782638" indent="-195263" defTabSz="407988">
+              <a:tabLst>
+                <a:tab pos="657225" algn="l"/>
+                <a:tab pos="1312863" algn="l"/>
+                <a:tab pos="1970088" algn="l"/>
+                <a:tab pos="2627313" algn="l"/>
+              </a:tabLst>
+              <a:defRPr>
+                <a:solidFill>
+                  <a:schemeClr val="tx1"/>
+                </a:solidFill>
+                <a:latin typeface="Arial" charset="0"/>
+                <a:ea typeface="ＭＳ Ｐゴシック" charset="0"/>
+              </a:defRPr>
+            </a:lvl4pPr>
+            <a:lvl5pPr marL="979488" indent="-196850" defTabSz="407988">
+              <a:tabLst>
+                <a:tab pos="657225" algn="l"/>
+                <a:tab pos="1312863" algn="l"/>
+                <a:tab pos="1970088" algn="l"/>
+                <a:tab pos="2627313" algn="l"/>
+              </a:tabLst>
+              <a:defRPr>
+                <a:solidFill>
+                  <a:schemeClr val="tx1"/>
+                </a:solidFill>
+                <a:latin typeface="Arial" charset="0"/>
+                <a:ea typeface="ＭＳ Ｐゴシック" charset="0"/>
+              </a:defRPr>
+            </a:lvl5pPr>
+            <a:lvl6pPr marL="1436688" indent="-196850" defTabSz="407988" fontAlgn="base">
+              <a:spcBef>
+                <a:spcPct val="0"/>
+              </a:spcBef>
+              <a:spcAft>
+                <a:spcPct val="0"/>
+              </a:spcAft>
+              <a:tabLst>
+                <a:tab pos="657225" algn="l"/>
+                <a:tab pos="1312863" algn="l"/>
+                <a:tab pos="1970088" algn="l"/>
+                <a:tab pos="2627313" algn="l"/>
+              </a:tabLst>
+              <a:defRPr>
+                <a:solidFill>
+                  <a:schemeClr val="tx1"/>
+                </a:solidFill>
+                <a:latin typeface="Arial" charset="0"/>
+                <a:ea typeface="ＭＳ Ｐゴシック" charset="0"/>
+              </a:defRPr>
+            </a:lvl6pPr>
+            <a:lvl7pPr marL="1893888" indent="-196850" defTabSz="407988" fontAlgn="base">
+              <a:spcBef>
+                <a:spcPct val="0"/>
+              </a:spcBef>
+              <a:spcAft>
+                <a:spcPct val="0"/>
+              </a:spcAft>
+              <a:tabLst>
+                <a:tab pos="657225" algn="l"/>
+                <a:tab pos="1312863" algn="l"/>
+                <a:tab pos="1970088" algn="l"/>
+                <a:tab pos="2627313" algn="l"/>
+              </a:tabLst>
+              <a:defRPr>
+                <a:solidFill>
+                  <a:schemeClr val="tx1"/>
+                </a:solidFill>
+                <a:latin typeface="Arial" charset="0"/>
+                <a:ea typeface="ＭＳ Ｐゴシック" charset="0"/>
+              </a:defRPr>
+            </a:lvl7pPr>
+            <a:lvl8pPr marL="2351088" indent="-196850" defTabSz="407988" fontAlgn="base">
+              <a:spcBef>
+                <a:spcPct val="0"/>
+              </a:spcBef>
+              <a:spcAft>
+                <a:spcPct val="0"/>
+              </a:spcAft>
+              <a:tabLst>
+                <a:tab pos="657225" algn="l"/>
+                <a:tab pos="1312863" algn="l"/>
+                <a:tab pos="1970088" algn="l"/>
+                <a:tab pos="2627313" algn="l"/>
+              </a:tabLst>
+              <a:defRPr>
+                <a:solidFill>
+                  <a:schemeClr val="tx1"/>
+                </a:solidFill>
+                <a:latin typeface="Arial" charset="0"/>
+                <a:ea typeface="ＭＳ Ｐゴシック" charset="0"/>
+              </a:defRPr>
+            </a:lvl8pPr>
+            <a:lvl9pPr marL="2808288" indent="-196850" defTabSz="407988" fontAlgn="base">
+              <a:spcBef>
+                <a:spcPct val="0"/>
+              </a:spcBef>
+              <a:spcAft>
+                <a:spcPct val="0"/>
+              </a:spcAft>
+              <a:tabLst>
+                <a:tab pos="657225" algn="l"/>
+                <a:tab pos="1312863" algn="l"/>
+                <a:tab pos="1970088" algn="l"/>
+                <a:tab pos="2627313" algn="l"/>
+              </a:tabLst>
+              <a:defRPr>
+                <a:solidFill>
+                  <a:schemeClr val="tx1"/>
+                </a:solidFill>
+                <a:latin typeface="Arial" charset="0"/>
+                <a:ea typeface="ＭＳ Ｐゴシック" charset="0"/>
+              </a:defRPr>
+            </a:lvl9pPr>
+          </a:lstStyle>
+          <a:p>
+            <a:pPr algn="ctr" eaLnBrk="1">
+              <a:lnSpc>
+                <a:spcPct val="93000"/>
+              </a:lnSpc>
+              <a:buClr>
+                <a:srgbClr val="000000"/>
+              </a:buClr>
+              <a:buSzPct val="45000"/>
+              <a:buFont typeface="Wingdings" charset="0"/>
+              <a:buNone/>
+              <a:defRPr/>
+            </a:pPr>
+            <a:r>
+              <a:rPr lang="fi-FI" sz="2500" b="1">
+                <a:solidFill>
+                  <a:srgbClr val="000000"/>
+                </a:solidFill>
+                <a:cs typeface="宋体" charset="0"/>
+              </a:rPr>
+              <a:t>Images</a:t>
+            </a:r>
+          </a:p>
+        </p:txBody>
+      </p:sp>
+      <p:pic>
+        <p:nvPicPr>
+          <p:cNvPr id="29705" name="Picture 5">
+            <a:extLst>
+              <a:ext uri="{FF2B5EF4-FFF2-40B4-BE49-F238E27FC236}">
+                <a16:creationId xmlns:a16="http://schemas.microsoft.com/office/drawing/2014/main" id="{D2C054A2-4241-0449-832D-72EFB17CDD3A}"/>
+              </a:ext>
+            </a:extLst>
+          </p:cNvPr>
+          <p:cNvPicPr>
+            <a:picLocks noChangeAspect="1" noChangeArrowheads="1"/>
+          </p:cNvPicPr>
+          <p:nvPr/>
+        </p:nvPicPr>
+        <p:blipFill>
+          <a:blip r:embed="rId5">
+            <a:extLst>
+              <a:ext uri="{28A0092B-C50C-407E-A947-70E740481C1C}">
+                <a14:useLocalDpi xmlns:a14="http://schemas.microsoft.com/office/drawing/2010/main" val="0"/>
+              </a:ext>
+            </a:extLst>
+          </a:blip>
+          <a:srcRect/>
+          <a:stretch>
+            <a:fillRect/>
+          </a:stretch>
+        </p:blipFill>
+        <p:spPr bwMode="auto">
+          <a:xfrm>
+            <a:off x="5334001" y="4751917"/>
+            <a:ext cx="4900084" cy="1420283"/>
+          </a:xfrm>
+          <a:prstGeom prst="rect">
+            <a:avLst/>
+          </a:prstGeom>
+          <a:noFill/>
+          <a:ln>
+            <a:noFill/>
+          </a:ln>
+          <a:extLst>
+            <a:ext uri="{909E8E84-426E-40DD-AFC4-6F175D3DCCD1}">
+              <a14:hiddenFill xmlns:a14="http://schemas.microsoft.com/office/drawing/2010/main">
+                <a:solidFill>
+                  <a:srgbClr val="FFFFFF"/>
+                </a:solidFill>
+              </a14:hiddenFill>
+            </a:ext>
+            <a:ext uri="{91240B29-F687-4F45-9708-019B960494DF}">
+              <a14:hiddenLine xmlns:a14="http://schemas.microsoft.com/office/drawing/2010/main" w="9525">
+                <a:solidFill>
+                  <a:srgbClr val="000000"/>
+                </a:solidFill>
+                <a:miter lim="800000"/>
+                <a:headEnd/>
+                <a:tailEnd/>
+              </a14:hiddenLine>
+            </a:ext>
+          </a:extLst>
+        </p:spPr>
+      </p:pic>
+      <p:sp>
+        <p:nvSpPr>
+          <p:cNvPr id="29706" name="Slide Number Placeholder 1">
+            <a:extLst>
+              <a:ext uri="{FF2B5EF4-FFF2-40B4-BE49-F238E27FC236}">
+                <a16:creationId xmlns:a16="http://schemas.microsoft.com/office/drawing/2014/main" id="{804F7333-184D-6B44-8514-937A04DCBBC4}"/>
               </a:ext>
             </a:extLst>
           </p:cNvPr>
           <p:cNvSpPr>
-            <a:spLocks noGrp="1"/>
+            <a:spLocks noGrp="1" noChangeArrowheads="1"/>
           </p:cNvSpPr>
           <p:nvPr>
             <p:ph type="sldNum" sz="quarter" idx="12"/>
           </p:nvPr>
         </p:nvSpPr>
-        <p:spPr/>
+        <p:spPr>
+          <a:noFill/>
+          <a:extLst>
+            <a:ext uri="{909E8E84-426E-40DD-AFC4-6F175D3DCCD1}">
+              <a14:hiddenFill xmlns:a14="http://schemas.microsoft.com/office/drawing/2010/main">
+                <a:solidFill>
+                  <a:srgbClr val="FFFFFF"/>
+                </a:solidFill>
+              </a14:hiddenFill>
+            </a:ext>
+            <a:ext uri="{91240B29-F687-4F45-9708-019B960494DF}">
+              <a14:hiddenLine xmlns:a14="http://schemas.microsoft.com/office/drawing/2010/main" w="9525">
+                <a:solidFill>
+                  <a:srgbClr val="000000"/>
+                </a:solidFill>
+                <a:miter lim="800000"/>
+                <a:headEnd/>
+                <a:tailEnd/>
+              </a14:hiddenLine>
+            </a:ext>
+          </a:extLst>
+        </p:spPr>
         <p:txBody>
           <a:bodyPr/>
-          <a:lstStyle/>
-          <a:p>
-            <a:fld id="{C1FF6DA9-008F-8B48-92A6-B652298478BF}" type="slidenum">
-              <a:rPr lang="en-US" smtClean="0"/>
+          <a:lstStyle>
+            <a:lvl1pPr>
+              <a:spcBef>
+                <a:spcPct val="20000"/>
+              </a:spcBef>
+              <a:buChar char="•"/>
+              <a:defRPr sz="2800">
+                <a:solidFill>
+                  <a:schemeClr val="tx1"/>
+                </a:solidFill>
+                <a:latin typeface="Arial" panose="020B0604020202020204" pitchFamily="34" charset="0"/>
+                <a:ea typeface="ＭＳ Ｐゴシック" panose="020B0600070205080204" pitchFamily="34" charset="-128"/>
+              </a:defRPr>
+            </a:lvl1pPr>
+            <a:lvl2pPr marL="742932" indent="-285744">
+              <a:spcBef>
+                <a:spcPct val="20000"/>
+              </a:spcBef>
+              <a:buChar char="–"/>
+              <a:defRPr>
+                <a:solidFill>
+                  <a:schemeClr val="tx1"/>
+                </a:solidFill>
+                <a:latin typeface="Arial" panose="020B0604020202020204" pitchFamily="34" charset="0"/>
+                <a:ea typeface="ＭＳ Ｐゴシック" panose="020B0600070205080204" pitchFamily="34" charset="-128"/>
+              </a:defRPr>
+            </a:lvl2pPr>
+            <a:lvl3pPr marL="1142971" indent="-228594">
+              <a:spcBef>
+                <a:spcPct val="20000"/>
+              </a:spcBef>
+              <a:buChar char="•"/>
+              <a:defRPr>
+                <a:solidFill>
+                  <a:schemeClr val="tx1"/>
+                </a:solidFill>
+                <a:latin typeface="Arial" panose="020B0604020202020204" pitchFamily="34" charset="0"/>
+                <a:ea typeface="ＭＳ Ｐゴシック" panose="020B0600070205080204" pitchFamily="34" charset="-128"/>
+              </a:defRPr>
+            </a:lvl3pPr>
+            <a:lvl4pPr marL="1600160" indent="-228594">
+              <a:spcBef>
+                <a:spcPct val="20000"/>
+              </a:spcBef>
+              <a:buChar char="–"/>
+              <a:defRPr sz="2000">
+                <a:solidFill>
+                  <a:schemeClr val="tx1"/>
+                </a:solidFill>
+                <a:latin typeface="Arial" panose="020B0604020202020204" pitchFamily="34" charset="0"/>
+                <a:ea typeface="ＭＳ Ｐゴシック" panose="020B0600070205080204" pitchFamily="34" charset="-128"/>
+              </a:defRPr>
+            </a:lvl4pPr>
+            <a:lvl5pPr marL="2057349" indent="-228594">
+              <a:spcBef>
+                <a:spcPct val="20000"/>
+              </a:spcBef>
+              <a:buChar char="»"/>
+              <a:defRPr sz="2000">
+                <a:solidFill>
+                  <a:schemeClr val="tx1"/>
+                </a:solidFill>
+                <a:latin typeface="Arial" panose="020B0604020202020204" pitchFamily="34" charset="0"/>
+                <a:ea typeface="ＭＳ Ｐゴシック" panose="020B0600070205080204" pitchFamily="34" charset="-128"/>
+              </a:defRPr>
+            </a:lvl5pPr>
+            <a:lvl6pPr marL="2666933" indent="-228594" eaLnBrk="0" fontAlgn="base" hangingPunct="0">
+              <a:spcBef>
+                <a:spcPct val="20000"/>
+              </a:spcBef>
+              <a:spcAft>
+                <a:spcPct val="0"/>
+              </a:spcAft>
+              <a:buChar char="»"/>
+              <a:defRPr sz="2000">
+                <a:solidFill>
+                  <a:schemeClr val="tx1"/>
+                </a:solidFill>
+                <a:latin typeface="Arial" panose="020B0604020202020204" pitchFamily="34" charset="0"/>
+                <a:ea typeface="ＭＳ Ｐゴシック" panose="020B0600070205080204" pitchFamily="34" charset="-128"/>
+              </a:defRPr>
+            </a:lvl6pPr>
+            <a:lvl7pPr marL="3276518" indent="-228594" eaLnBrk="0" fontAlgn="base" hangingPunct="0">
+              <a:spcBef>
+                <a:spcPct val="20000"/>
+              </a:spcBef>
+              <a:spcAft>
+                <a:spcPct val="0"/>
+              </a:spcAft>
+              <a:buChar char="»"/>
+              <a:defRPr sz="2000">
+                <a:solidFill>
+                  <a:schemeClr val="tx1"/>
+                </a:solidFill>
+                <a:latin typeface="Arial" panose="020B0604020202020204" pitchFamily="34" charset="0"/>
+                <a:ea typeface="ＭＳ Ｐゴシック" panose="020B0600070205080204" pitchFamily="34" charset="-128"/>
+              </a:defRPr>
+            </a:lvl7pPr>
+            <a:lvl8pPr marL="3886103" indent="-228594" eaLnBrk="0" fontAlgn="base" hangingPunct="0">
+              <a:spcBef>
+                <a:spcPct val="20000"/>
+              </a:spcBef>
+              <a:spcAft>
+                <a:spcPct val="0"/>
+              </a:spcAft>
+              <a:buChar char="»"/>
+              <a:defRPr sz="2000">
+                <a:solidFill>
+                  <a:schemeClr val="tx1"/>
+                </a:solidFill>
+                <a:latin typeface="Arial" panose="020B0604020202020204" pitchFamily="34" charset="0"/>
+                <a:ea typeface="ＭＳ Ｐゴシック" panose="020B0600070205080204" pitchFamily="34" charset="-128"/>
+              </a:defRPr>
+            </a:lvl8pPr>
+            <a:lvl9pPr marL="4495688" indent="-228594" eaLnBrk="0" fontAlgn="base" hangingPunct="0">
+              <a:spcBef>
+                <a:spcPct val="20000"/>
+              </a:spcBef>
+              <a:spcAft>
+                <a:spcPct val="0"/>
+              </a:spcAft>
+              <a:buChar char="»"/>
+              <a:defRPr sz="2000">
+                <a:solidFill>
+                  <a:schemeClr val="tx1"/>
+                </a:solidFill>
+                <a:latin typeface="Arial" panose="020B0604020202020204" pitchFamily="34" charset="0"/>
+                <a:ea typeface="ＭＳ Ｐゴシック" panose="020B0600070205080204" pitchFamily="34" charset="-128"/>
+              </a:defRPr>
+            </a:lvl9pPr>
+          </a:lstStyle>
+          <a:p>
+            <a:pPr>
+              <a:spcBef>
+                <a:spcPct val="0"/>
+              </a:spcBef>
+              <a:buFontTx/>
+              <a:buNone/>
+            </a:pPr>
+            <a:fld id="{0E47D225-5875-6746-B745-DB667EBBEB81}" type="slidenum">
+              <a:rPr lang="en-US" altLang="en-US" sz="1333">
+                <a:ea typeface="宋体" panose="02010600030101010101" pitchFamily="2" charset="-122"/>
+              </a:rPr>
+              <a:pPr>
+                <a:spcBef>
+                  <a:spcPct val="0"/>
+                </a:spcBef>
+                <a:buFontTx/>
+                <a:buNone/>
+              </a:pPr>
               <a:t>9</a:t>
             </a:fld>
-            <a:endParaRPr lang="en-US"/>
+            <a:endParaRPr lang="en-US" altLang="en-US" sz="1333">
+              <a:ea typeface="宋体" panose="02010600030101010101" pitchFamily="2" charset="-122"/>
+            </a:endParaRPr>
           </a:p>
         </p:txBody>
       </p:sp>
-      <p:sp>
-        <p:nvSpPr>
-          <p:cNvPr id="4" name="TextBox 3">
-            <a:extLst>
-              <a:ext uri="{FF2B5EF4-FFF2-40B4-BE49-F238E27FC236}">
-                <a16:creationId xmlns:a16="http://schemas.microsoft.com/office/drawing/2014/main" id="{C1E5A3F4-BA54-65A1-702E-FF049D41DECC}"/>
-              </a:ext>
-            </a:extLst>
-          </p:cNvPr>
-          <p:cNvSpPr txBox="1"/>
-          <p:nvPr/>
-        </p:nvSpPr>
-        <p:spPr>
-          <a:xfrm>
-            <a:off x="472191" y="5844698"/>
-            <a:ext cx="6094476" cy="369332"/>
-          </a:xfrm>
-          <a:prstGeom prst="rect">
-            <a:avLst/>
-          </a:prstGeom>
-          <a:noFill/>
-        </p:spPr>
-        <p:txBody>
-          <a:bodyPr wrap="square">
-            <a:spAutoFit/>
-          </a:bodyPr>
-          <a:lstStyle/>
-          <a:p>
-            <a:pPr marL="0" indent="0">
-              <a:buNone/>
-              <a:defRPr/>
-            </a:pPr>
-            <a:r>
-              <a:rPr lang="en-US" sz="1800" dirty="0"/>
-              <a:t>(Sources: Symantec, MAAWG, Cisco)</a:t>
-            </a:r>
-            <a:endParaRPr lang="en-US" dirty="0"/>
-          </a:p>
-        </p:txBody>
-      </p:sp>
-      <p:pic>
-        <p:nvPicPr>
-          <p:cNvPr id="6" name="Picture 5" descr="A graph showing the number of spam rate and phishing attacks&#10;&#10;Description automatically generated">
-            <a:extLst>
-              <a:ext uri="{FF2B5EF4-FFF2-40B4-BE49-F238E27FC236}">
-                <a16:creationId xmlns:a16="http://schemas.microsoft.com/office/drawing/2014/main" id="{74631E2A-FC81-8E9B-7316-FC5D4E8A0C8A}"/>
-              </a:ext>
-            </a:extLst>
-          </p:cNvPr>
-          <p:cNvPicPr>
-            <a:picLocks noChangeAspect="1"/>
-          </p:cNvPicPr>
-          <p:nvPr/>
-        </p:nvPicPr>
-        <p:blipFill>
-          <a:blip r:embed="rId3"/>
-          <a:stretch>
-            <a:fillRect/>
-          </a:stretch>
-        </p:blipFill>
-        <p:spPr>
-          <a:xfrm>
-            <a:off x="2362199" y="1771061"/>
-            <a:ext cx="6123189" cy="3646393"/>
-          </a:xfrm>
-          <a:prstGeom prst="rect">
-            <a:avLst/>
-          </a:prstGeom>
-        </p:spPr>
-      </p:pic>
     </p:spTree>
   </p:cSld>
   <p:clrMapOvr>
     <a:masterClrMapping/>
   </p:clrMapOvr>
+  <p:transition spd="med"/>
+  <p:timing>
+    <p:tnLst>
+      <p:par>
+        <p:cTn id="1" dur="indefinite" restart="never" nodeType="tmRoot">
+          <p:childTnLst>
+            <p:seq concurrent="1" nextAc="seek">
+              <p:cTn id="2" dur="0" nodeType="mainSeq"/>
+              <p:prevCondLst>
+                <p:cond evt="onPrev" delay="0">
+                  <p:tgtEl>
+                    <p:sldTgt/>
+                  </p:tgtEl>
+                </p:cond>
+              </p:prevCondLst>
+              <p:nextCondLst>
+                <p:cond evt="onNext" delay="0">
+                  <p:tgtEl>
+                    <p:sldTgt/>
+                  </p:tgtEl>
+                </p:cond>
+              </p:nextCondLst>
+            </p:seq>
+          </p:childTnLst>
+        </p:cTn>
+      </p:par>
+    </p:tnLst>
+  </p:timing>
 </p:sld>
 </file>
 
